--- a/Instructions/Admin Presentation.pptx
+++ b/Instructions/Admin Presentation.pptx
@@ -5,7 +5,7 @@
     <p:sldMasterId id="2147483648" r:id="rId1"/>
   </p:sldMasterIdLst>
   <p:notesMasterIdLst>
-    <p:notesMasterId r:id="rId24"/>
+    <p:notesMasterId r:id="rId23"/>
   </p:notesMasterIdLst>
   <p:sldIdLst>
     <p:sldId id="256" r:id="rId2"/>
@@ -16,20 +16,19 @@
     <p:sldId id="261" r:id="rId7"/>
     <p:sldId id="264" r:id="rId8"/>
     <p:sldId id="265" r:id="rId9"/>
-    <p:sldId id="266" r:id="rId10"/>
-    <p:sldId id="267" r:id="rId11"/>
-    <p:sldId id="268" r:id="rId12"/>
-    <p:sldId id="269" r:id="rId13"/>
-    <p:sldId id="270" r:id="rId14"/>
-    <p:sldId id="271" r:id="rId15"/>
-    <p:sldId id="272" r:id="rId16"/>
-    <p:sldId id="273" r:id="rId17"/>
-    <p:sldId id="274" r:id="rId18"/>
-    <p:sldId id="275" r:id="rId19"/>
-    <p:sldId id="276" r:id="rId20"/>
-    <p:sldId id="277" r:id="rId21"/>
-    <p:sldId id="278" r:id="rId22"/>
-    <p:sldId id="279" r:id="rId23"/>
+    <p:sldId id="267" r:id="rId10"/>
+    <p:sldId id="268" r:id="rId11"/>
+    <p:sldId id="269" r:id="rId12"/>
+    <p:sldId id="270" r:id="rId13"/>
+    <p:sldId id="271" r:id="rId14"/>
+    <p:sldId id="272" r:id="rId15"/>
+    <p:sldId id="273" r:id="rId16"/>
+    <p:sldId id="274" r:id="rId17"/>
+    <p:sldId id="275" r:id="rId18"/>
+    <p:sldId id="276" r:id="rId19"/>
+    <p:sldId id="277" r:id="rId20"/>
+    <p:sldId id="278" r:id="rId21"/>
+    <p:sldId id="279" r:id="rId22"/>
   </p:sldIdLst>
   <p:sldSz cx="12192000" cy="6858000"/>
   <p:notesSz cx="6858000" cy="9144000"/>
@@ -136,6 +135,10 @@
 </p:presentation>
 </file>
 
+<file path=ppt/revisionInfo.xml><?xml version="1.0" encoding="utf-8"?>
+<p1510:revInfo xmlns:a="http://schemas.openxmlformats.org/drawingml/2006/main" xmlns:r="http://schemas.openxmlformats.org/officeDocument/2006/relationships" xmlns:p1510="http://schemas.microsoft.com/office/powerpoint/2015/10/main"/>
+</file>
+
 <file path=ppt/notesMasters/notesMaster1.xml><?xml version="1.0" encoding="utf-8"?>
 <p:notesMaster xmlns:a="http://schemas.openxmlformats.org/drawingml/2006/main" xmlns:r="http://schemas.openxmlformats.org/officeDocument/2006/relationships" xmlns:p="http://schemas.openxmlformats.org/presentationml/2006/main">
   <p:cSld>
@@ -218,7 +221,7 @@
           <a:p>
             <a:fld id="{54239350-6F46-466B-B569-428021740885}" type="datetimeFigureOut">
               <a:rPr lang="en-US" smtClean="0"/>
-              <a:t>6/29/2017</a:t>
+              <a:t>7/26/2017</a:t>
             </a:fld>
             <a:endParaRPr lang="en-US"/>
           </a:p>
@@ -632,7 +635,7 @@
           <a:p>
             <a:fld id="{7C8C1271-7528-4343-AF0A-7CDFB3BD0A04}" type="datetimeFigureOut">
               <a:rPr lang="en-US" smtClean="0"/>
-              <a:t>6/29/2017</a:t>
+              <a:t>7/26/2017</a:t>
             </a:fld>
             <a:endParaRPr lang="en-US"/>
           </a:p>
@@ -830,7 +833,7 @@
           <a:p>
             <a:fld id="{7C8C1271-7528-4343-AF0A-7CDFB3BD0A04}" type="datetimeFigureOut">
               <a:rPr lang="en-US" smtClean="0"/>
-              <a:t>6/29/2017</a:t>
+              <a:t>7/26/2017</a:t>
             </a:fld>
             <a:endParaRPr lang="en-US"/>
           </a:p>
@@ -1038,7 +1041,7 @@
           <a:p>
             <a:fld id="{7C8C1271-7528-4343-AF0A-7CDFB3BD0A04}" type="datetimeFigureOut">
               <a:rPr lang="en-US" smtClean="0"/>
-              <a:t>6/29/2017</a:t>
+              <a:t>7/26/2017</a:t>
             </a:fld>
             <a:endParaRPr lang="en-US"/>
           </a:p>
@@ -1236,7 +1239,7 @@
           <a:p>
             <a:fld id="{7C8C1271-7528-4343-AF0A-7CDFB3BD0A04}" type="datetimeFigureOut">
               <a:rPr lang="en-US" smtClean="0"/>
-              <a:t>6/29/2017</a:t>
+              <a:t>7/26/2017</a:t>
             </a:fld>
             <a:endParaRPr lang="en-US"/>
           </a:p>
@@ -1511,7 +1514,7 @@
           <a:p>
             <a:fld id="{7C8C1271-7528-4343-AF0A-7CDFB3BD0A04}" type="datetimeFigureOut">
               <a:rPr lang="en-US" smtClean="0"/>
-              <a:t>6/29/2017</a:t>
+              <a:t>7/26/2017</a:t>
             </a:fld>
             <a:endParaRPr lang="en-US"/>
           </a:p>
@@ -1776,7 +1779,7 @@
           <a:p>
             <a:fld id="{7C8C1271-7528-4343-AF0A-7CDFB3BD0A04}" type="datetimeFigureOut">
               <a:rPr lang="en-US" smtClean="0"/>
-              <a:t>6/29/2017</a:t>
+              <a:t>7/26/2017</a:t>
             </a:fld>
             <a:endParaRPr lang="en-US"/>
           </a:p>
@@ -2188,7 +2191,7 @@
           <a:p>
             <a:fld id="{7C8C1271-7528-4343-AF0A-7CDFB3BD0A04}" type="datetimeFigureOut">
               <a:rPr lang="en-US" smtClean="0"/>
-              <a:t>6/29/2017</a:t>
+              <a:t>7/26/2017</a:t>
             </a:fld>
             <a:endParaRPr lang="en-US"/>
           </a:p>
@@ -2329,7 +2332,7 @@
           <a:p>
             <a:fld id="{7C8C1271-7528-4343-AF0A-7CDFB3BD0A04}" type="datetimeFigureOut">
               <a:rPr lang="en-US" smtClean="0"/>
-              <a:t>6/29/2017</a:t>
+              <a:t>7/26/2017</a:t>
             </a:fld>
             <a:endParaRPr lang="en-US"/>
           </a:p>
@@ -2442,7 +2445,7 @@
           <a:p>
             <a:fld id="{7C8C1271-7528-4343-AF0A-7CDFB3BD0A04}" type="datetimeFigureOut">
               <a:rPr lang="en-US" smtClean="0"/>
-              <a:t>6/29/2017</a:t>
+              <a:t>7/26/2017</a:t>
             </a:fld>
             <a:endParaRPr lang="en-US"/>
           </a:p>
@@ -2753,7 +2756,7 @@
           <a:p>
             <a:fld id="{7C8C1271-7528-4343-AF0A-7CDFB3BD0A04}" type="datetimeFigureOut">
               <a:rPr lang="en-US" smtClean="0"/>
-              <a:t>6/29/2017</a:t>
+              <a:t>7/26/2017</a:t>
             </a:fld>
             <a:endParaRPr lang="en-US"/>
           </a:p>
@@ -3041,7 +3044,7 @@
           <a:p>
             <a:fld id="{7C8C1271-7528-4343-AF0A-7CDFB3BD0A04}" type="datetimeFigureOut">
               <a:rPr lang="en-US" smtClean="0"/>
-              <a:t>6/29/2017</a:t>
+              <a:t>7/26/2017</a:t>
             </a:fld>
             <a:endParaRPr lang="en-US"/>
           </a:p>
@@ -3282,7 +3285,7 @@
           <a:p>
             <a:fld id="{7C8C1271-7528-4343-AF0A-7CDFB3BD0A04}" type="datetimeFigureOut">
               <a:rPr lang="en-US" smtClean="0"/>
-              <a:t>6/29/2017</a:t>
+              <a:t>7/26/2017</a:t>
             </a:fld>
             <a:endParaRPr lang="en-US"/>
           </a:p>
@@ -3906,7 +3909,7 @@
           <p:cNvPr id="2" name="Picture 1">
             <a:extLst>
               <a:ext uri="{FF2B5EF4-FFF2-40B4-BE49-F238E27FC236}">
-                <a16:creationId xmlns:a16="http://schemas.microsoft.com/office/drawing/2014/main" id="{5216CE96-C005-4B65-977B-8DA8D00597FA}"/>
+                <a16:creationId xmlns:a16="http://schemas.microsoft.com/office/drawing/2014/main" id="{6EC5BB78-7C14-48F9-8158-8F01C1E6DE4A}"/>
               </a:ext>
             </a:extLst>
           </p:cNvPr>
@@ -3931,61 +3934,42 @@
           </a:prstGeom>
         </p:spPr>
       </p:pic>
-      <p:cxnSp>
-        <p:nvCxnSpPr>
-          <p:cNvPr id="3" name="Straight Arrow Connector 2">
-            <a:extLst>
-              <a:ext uri="{FF2B5EF4-FFF2-40B4-BE49-F238E27FC236}">
-                <a16:creationId xmlns:a16="http://schemas.microsoft.com/office/drawing/2014/main" id="{FB6534FD-2825-4BE6-A26D-A8DF87D07077}"/>
-              </a:ext>
-            </a:extLst>
-          </p:cNvPr>
-          <p:cNvCxnSpPr>
-            <a:cxnSpLocks/>
-          </p:cNvCxnSpPr>
-          <p:nvPr/>
-        </p:nvCxnSpPr>
-        <p:spPr>
-          <a:xfrm flipH="1" flipV="1">
-            <a:off x="1618780" y="905608"/>
-            <a:ext cx="652137" cy="1881554"/>
-          </a:xfrm>
-          <a:prstGeom prst="straightConnector1">
-            <a:avLst/>
-          </a:prstGeom>
-          <a:ln w="57150" cap="flat" cmpd="sng" algn="ctr">
-            <a:solidFill>
-              <a:schemeClr val="tx2">
-                <a:lumMod val="75000"/>
-              </a:schemeClr>
-            </a:solidFill>
-            <a:prstDash val="solid"/>
-            <a:round/>
-            <a:headEnd type="none" w="med" len="med"/>
-            <a:tailEnd type="arrow" w="med" len="med"/>
-          </a:ln>
-        </p:spPr>
-        <p:style>
-          <a:lnRef idx="0">
-            <a:scrgbClr r="0" g="0" b="0"/>
-          </a:lnRef>
-          <a:fillRef idx="0">
-            <a:scrgbClr r="0" g="0" b="0"/>
-          </a:fillRef>
-          <a:effectRef idx="0">
-            <a:scrgbClr r="0" g="0" b="0"/>
-          </a:effectRef>
-          <a:fontRef idx="minor">
-            <a:schemeClr val="tx1"/>
-          </a:fontRef>
-        </p:style>
-      </p:cxnSp>
-      <p:sp>
-        <p:nvSpPr>
-          <p:cNvPr id="4" name="Rectangle: Rounded Corners 3">
-            <a:extLst>
-              <a:ext uri="{FF2B5EF4-FFF2-40B4-BE49-F238E27FC236}">
-                <a16:creationId xmlns:a16="http://schemas.microsoft.com/office/drawing/2014/main" id="{4B2FC8B0-5FA5-4BDE-A1FB-EFE634E22B2A}"/>
+      <p:pic>
+        <p:nvPicPr>
+          <p:cNvPr id="12" name="Picture 11">
+            <a:extLst>
+              <a:ext uri="{FF2B5EF4-FFF2-40B4-BE49-F238E27FC236}">
+                <a16:creationId xmlns:a16="http://schemas.microsoft.com/office/drawing/2014/main" id="{D38688EC-2AB0-4B2F-A70F-72C88AA74ED5}"/>
+              </a:ext>
+            </a:extLst>
+          </p:cNvPr>
+          <p:cNvPicPr>
+            <a:picLocks noChangeAspect="1"/>
+          </p:cNvPicPr>
+          <p:nvPr/>
+        </p:nvPicPr>
+        <p:blipFill>
+          <a:blip r:embed="rId3"/>
+          <a:stretch>
+            <a:fillRect/>
+          </a:stretch>
+        </p:blipFill>
+        <p:spPr>
+          <a:xfrm>
+            <a:off x="0" y="0"/>
+            <a:ext cx="12192000" cy="6858000"/>
+          </a:xfrm>
+          <a:prstGeom prst="rect">
+            <a:avLst/>
+          </a:prstGeom>
+        </p:spPr>
+      </p:pic>
+      <p:sp>
+        <p:nvSpPr>
+          <p:cNvPr id="8" name="Rectangle: Rounded Corners 7">
+            <a:extLst>
+              <a:ext uri="{FF2B5EF4-FFF2-40B4-BE49-F238E27FC236}">
+                <a16:creationId xmlns:a16="http://schemas.microsoft.com/office/drawing/2014/main" id="{2B00EDE4-F900-4089-AEDF-1970775A0B99}"/>
               </a:ext>
             </a:extLst>
           </p:cNvPr>
@@ -3994,8 +3978,8 @@
         </p:nvSpPr>
         <p:spPr>
           <a:xfrm>
-            <a:off x="1131094" y="220306"/>
-            <a:ext cx="1014412" cy="553599"/>
+            <a:off x="10872132" y="210289"/>
+            <a:ext cx="1267482" cy="551905"/>
           </a:xfrm>
           <a:prstGeom prst="roundRect">
             <a:avLst/>
@@ -4035,87 +4019,12 @@
           </a:p>
         </p:txBody>
       </p:sp>
-      <p:sp>
-        <p:nvSpPr>
-          <p:cNvPr id="5" name="TextBox 4">
-            <a:extLst>
-              <a:ext uri="{FF2B5EF4-FFF2-40B4-BE49-F238E27FC236}">
-                <a16:creationId xmlns:a16="http://schemas.microsoft.com/office/drawing/2014/main" id="{97E57BEE-681F-48C0-9016-DC041210033A}"/>
-              </a:ext>
-            </a:extLst>
-          </p:cNvPr>
-          <p:cNvSpPr txBox="1"/>
-          <p:nvPr/>
-        </p:nvSpPr>
-        <p:spPr>
-          <a:xfrm>
-            <a:off x="662378" y="3139842"/>
-            <a:ext cx="4700930" cy="1384995"/>
-          </a:xfrm>
-          <a:prstGeom prst="rect">
-            <a:avLst/>
-          </a:prstGeom>
-          <a:solidFill>
-            <a:schemeClr val="accent6">
-              <a:lumMod val="60000"/>
-              <a:lumOff val="40000"/>
-            </a:schemeClr>
-          </a:solidFill>
-          <a:ln>
-            <a:noFill/>
-          </a:ln>
-        </p:spPr>
-        <p:txBody>
-          <a:bodyPr wrap="square" rtlCol="0">
-            <a:spAutoFit/>
-          </a:bodyPr>
-          <a:lstStyle/>
-          <a:p>
-            <a:r>
-              <a:rPr lang="en-US" sz="2800" dirty="0">
-                <a:solidFill>
-                  <a:schemeClr val="tx2">
-                    <a:lumMod val="75000"/>
-                  </a:schemeClr>
-                </a:solidFill>
-                <a:latin typeface="Montserrat" panose="00000500000000000000" pitchFamily="2" charset="0"/>
-                <a:ea typeface="Roboto" panose="02000000000000000000" pitchFamily="2" charset="0"/>
-              </a:rPr>
-              <a:t>The </a:t>
-            </a:r>
-            <a:r>
-              <a:rPr lang="en-US" sz="2800" b="1" dirty="0">
-                <a:solidFill>
-                  <a:schemeClr val="tx2">
-                    <a:lumMod val="75000"/>
-                  </a:schemeClr>
-                </a:solidFill>
-                <a:latin typeface="Montserrat" panose="00000500000000000000" pitchFamily="2" charset="0"/>
-                <a:ea typeface="Roboto" panose="02000000000000000000" pitchFamily="2" charset="0"/>
-              </a:rPr>
-              <a:t>Table</a:t>
-            </a:r>
-            <a:r>
-              <a:rPr lang="en-US" sz="2800" dirty="0">
-                <a:solidFill>
-                  <a:schemeClr val="tx2">
-                    <a:lumMod val="75000"/>
-                  </a:schemeClr>
-                </a:solidFill>
-                <a:latin typeface="Montserrat" panose="00000500000000000000" pitchFamily="2" charset="0"/>
-                <a:ea typeface="Roboto" panose="02000000000000000000" pitchFamily="2" charset="0"/>
-              </a:rPr>
-              <a:t> section adjusts what Project properties are displayed</a:t>
-            </a:r>
-          </a:p>
-        </p:txBody>
-      </p:sp>
       <p:cxnSp>
         <p:nvCxnSpPr>
-          <p:cNvPr id="6" name="Straight Arrow Connector 5">
-            <a:extLst>
-              <a:ext uri="{FF2B5EF4-FFF2-40B4-BE49-F238E27FC236}">
-                <a16:creationId xmlns:a16="http://schemas.microsoft.com/office/drawing/2014/main" id="{A732A07E-328F-4AB0-9910-EE5D3A688F09}"/>
+          <p:cNvPr id="9" name="Straight Arrow Connector 8">
+            <a:extLst>
+              <a:ext uri="{FF2B5EF4-FFF2-40B4-BE49-F238E27FC236}">
+                <a16:creationId xmlns:a16="http://schemas.microsoft.com/office/drawing/2014/main" id="{31E7F1A4-F450-4606-B364-4BBDDF333CC3}"/>
               </a:ext>
             </a:extLst>
           </p:cNvPr>
@@ -4125,9 +4034,9 @@
           <p:nvPr/>
         </p:nvCxnSpPr>
         <p:spPr>
-          <a:xfrm flipH="1" flipV="1">
-            <a:off x="3460185" y="806680"/>
-            <a:ext cx="2668053" cy="1197966"/>
+          <a:xfrm flipV="1">
+            <a:off x="9796621" y="964734"/>
+            <a:ext cx="1503350" cy="1807042"/>
           </a:xfrm>
           <a:prstGeom prst="straightConnector1">
             <a:avLst/>
@@ -4161,65 +4070,10 @@
       </p:cxnSp>
       <p:sp>
         <p:nvSpPr>
-          <p:cNvPr id="7" name="Rectangle: Rounded Corners 6">
-            <a:extLst>
-              <a:ext uri="{FF2B5EF4-FFF2-40B4-BE49-F238E27FC236}">
-                <a16:creationId xmlns:a16="http://schemas.microsoft.com/office/drawing/2014/main" id="{B0B2D64F-C3FC-41B3-8591-F85E59D64145}"/>
-              </a:ext>
-            </a:extLst>
-          </p:cNvPr>
-          <p:cNvSpPr/>
-          <p:nvPr/>
-        </p:nvSpPr>
-        <p:spPr>
-          <a:xfrm>
-            <a:off x="2145506" y="220307"/>
-            <a:ext cx="1065942" cy="553599"/>
-          </a:xfrm>
-          <a:prstGeom prst="roundRect">
-            <a:avLst/>
-          </a:prstGeom>
-          <a:noFill/>
-          <a:ln w="76200">
-            <a:solidFill>
-              <a:schemeClr val="accent6">
-                <a:lumMod val="60000"/>
-                <a:lumOff val="40000"/>
-              </a:schemeClr>
-            </a:solidFill>
-          </a:ln>
-        </p:spPr>
-        <p:style>
-          <a:lnRef idx="2">
-            <a:schemeClr val="accent1">
-              <a:shade val="50000"/>
-            </a:schemeClr>
-          </a:lnRef>
-          <a:fillRef idx="1">
-            <a:schemeClr val="accent1"/>
-          </a:fillRef>
-          <a:effectRef idx="0">
-            <a:schemeClr val="accent1"/>
-          </a:effectRef>
-          <a:fontRef idx="minor">
-            <a:schemeClr val="lt1"/>
-          </a:fontRef>
-        </p:style>
-        <p:txBody>
-          <a:bodyPr rtlCol="0" anchor="ctr"/>
-          <a:lstStyle/>
-          <a:p>
-            <a:pPr algn="ctr"/>
-            <a:endParaRPr lang="en-US"/>
-          </a:p>
-        </p:txBody>
-      </p:sp>
-      <p:sp>
-        <p:nvSpPr>
-          <p:cNvPr id="8" name="TextBox 7">
-            <a:extLst>
-              <a:ext uri="{FF2B5EF4-FFF2-40B4-BE49-F238E27FC236}">
-                <a16:creationId xmlns:a16="http://schemas.microsoft.com/office/drawing/2014/main" id="{6E5D894A-A008-4E48-9FBC-AD1615A46D01}"/>
+          <p:cNvPr id="10" name="TextBox 9">
+            <a:extLst>
+              <a:ext uri="{FF2B5EF4-FFF2-40B4-BE49-F238E27FC236}">
+                <a16:creationId xmlns:a16="http://schemas.microsoft.com/office/drawing/2014/main" id="{33913EE8-382F-4B42-801E-12ED2D7CA408}"/>
               </a:ext>
             </a:extLst>
           </p:cNvPr>
@@ -4228,7 +4082,7 @@
         </p:nvSpPr>
         <p:spPr>
           <a:xfrm>
-            <a:off x="6387094" y="1153887"/>
+            <a:off x="7035671" y="3076054"/>
             <a:ext cx="4726383" cy="1384995"/>
           </a:xfrm>
           <a:prstGeom prst="rect">
@@ -4272,7 +4126,7 @@
                 <a:latin typeface="Montserrat" panose="00000500000000000000" pitchFamily="2" charset="0"/>
                 <a:ea typeface="Roboto" panose="02000000000000000000" pitchFamily="2" charset="0"/>
               </a:rPr>
-              <a:t>Show</a:t>
+              <a:t>Table</a:t>
             </a:r>
             <a:r>
               <a:rPr lang="en-US" sz="2800" dirty="0">
@@ -4284,7 +4138,7 @@
                 <a:latin typeface="Montserrat" panose="00000500000000000000" pitchFamily="2" charset="0"/>
                 <a:ea typeface="Roboto" panose="02000000000000000000" pitchFamily="2" charset="0"/>
               </a:rPr>
-              <a:t> sections lets you select what Projects are display</a:t>
+              <a:t> section adjusts what Sub-Project properties are displayed</a:t>
             </a:r>
           </a:p>
         </p:txBody>
@@ -4292,7 +4146,7 @@
     </p:spTree>
     <p:extLst>
       <p:ext uri="{BB962C8B-B14F-4D97-AF65-F5344CB8AC3E}">
-        <p14:creationId xmlns:p14="http://schemas.microsoft.com/office/powerpoint/2010/main" val="708393059"/>
+        <p14:creationId xmlns:p14="http://schemas.microsoft.com/office/powerpoint/2010/main" val="2157401594"/>
       </p:ext>
     </p:extLst>
   </p:cSld>
@@ -4324,7 +4178,7 @@
           <p:cNvPr id="2" name="Picture 1">
             <a:extLst>
               <a:ext uri="{FF2B5EF4-FFF2-40B4-BE49-F238E27FC236}">
-                <a16:creationId xmlns:a16="http://schemas.microsoft.com/office/drawing/2014/main" id="{6EC5BB78-7C14-48F9-8158-8F01C1E6DE4A}"/>
+                <a16:creationId xmlns:a16="http://schemas.microsoft.com/office/drawing/2014/main" id="{3AE8692E-319F-429D-99A8-62DF4372FA5E}"/>
               </a:ext>
             </a:extLst>
           </p:cNvPr>
@@ -4349,61 +4203,93 @@
           </a:prstGeom>
         </p:spPr>
       </p:pic>
-      <p:cxnSp>
-        <p:nvCxnSpPr>
-          <p:cNvPr id="3" name="Straight Arrow Connector 2">
-            <a:extLst>
-              <a:ext uri="{FF2B5EF4-FFF2-40B4-BE49-F238E27FC236}">
-                <a16:creationId xmlns:a16="http://schemas.microsoft.com/office/drawing/2014/main" id="{55FE48A0-8DBA-4D91-B4CD-FE57A2F3B732}"/>
-              </a:ext>
-            </a:extLst>
-          </p:cNvPr>
-          <p:cNvCxnSpPr>
-            <a:cxnSpLocks/>
-          </p:cNvCxnSpPr>
-          <p:nvPr/>
-        </p:nvCxnSpPr>
-        <p:spPr>
-          <a:xfrm flipV="1">
-            <a:off x="6776815" y="606669"/>
-            <a:ext cx="2648539" cy="923194"/>
-          </a:xfrm>
-          <a:prstGeom prst="straightConnector1">
-            <a:avLst/>
-          </a:prstGeom>
-          <a:ln w="57150" cap="flat" cmpd="sng" algn="ctr">
-            <a:solidFill>
-              <a:schemeClr val="tx2">
-                <a:lumMod val="75000"/>
-              </a:schemeClr>
-            </a:solidFill>
-            <a:prstDash val="solid"/>
-            <a:round/>
-            <a:headEnd type="none" w="med" len="med"/>
-            <a:tailEnd type="arrow" w="med" len="med"/>
+      <p:pic>
+        <p:nvPicPr>
+          <p:cNvPr id="3" name="Picture 2">
+            <a:extLst>
+              <a:ext uri="{FF2B5EF4-FFF2-40B4-BE49-F238E27FC236}">
+                <a16:creationId xmlns:a16="http://schemas.microsoft.com/office/drawing/2014/main" id="{C7624522-3BB4-4EF8-AE75-77852307AFF8}"/>
+              </a:ext>
+            </a:extLst>
+          </p:cNvPr>
+          <p:cNvPicPr>
+            <a:picLocks noChangeAspect="1"/>
+          </p:cNvPicPr>
+          <p:nvPr/>
+        </p:nvPicPr>
+        <p:blipFill>
+          <a:blip r:embed="rId3"/>
+          <a:stretch>
+            <a:fillRect/>
+          </a:stretch>
+        </p:blipFill>
+        <p:spPr>
+          <a:xfrm>
+            <a:off x="0" y="0"/>
+            <a:ext cx="12192000" cy="6858000"/>
+          </a:xfrm>
+          <a:prstGeom prst="rect">
+            <a:avLst/>
+          </a:prstGeom>
+        </p:spPr>
+      </p:pic>
+      <p:sp>
+        <p:nvSpPr>
+          <p:cNvPr id="4" name="TextBox 3">
+            <a:extLst>
+              <a:ext uri="{FF2B5EF4-FFF2-40B4-BE49-F238E27FC236}">
+                <a16:creationId xmlns:a16="http://schemas.microsoft.com/office/drawing/2014/main" id="{8691D510-569E-4066-B50C-9F48060816A0}"/>
+              </a:ext>
+            </a:extLst>
+          </p:cNvPr>
+          <p:cNvSpPr txBox="1"/>
+          <p:nvPr/>
+        </p:nvSpPr>
+        <p:spPr>
+          <a:xfrm>
+            <a:off x="5569746" y="733188"/>
+            <a:ext cx="4964904" cy="523220"/>
+          </a:xfrm>
+          <a:prstGeom prst="rect">
+            <a:avLst/>
+          </a:prstGeom>
+          <a:solidFill>
+            <a:schemeClr val="accent6">
+              <a:lumMod val="60000"/>
+              <a:lumOff val="40000"/>
+            </a:schemeClr>
+          </a:solidFill>
+          <a:ln>
+            <a:noFill/>
           </a:ln>
         </p:spPr>
-        <p:style>
-          <a:lnRef idx="0">
-            <a:scrgbClr r="0" g="0" b="0"/>
-          </a:lnRef>
-          <a:fillRef idx="0">
-            <a:scrgbClr r="0" g="0" b="0"/>
-          </a:fillRef>
-          <a:effectRef idx="0">
-            <a:scrgbClr r="0" g="0" b="0"/>
-          </a:effectRef>
-          <a:fontRef idx="minor">
-            <a:schemeClr val="tx1"/>
-          </a:fontRef>
-        </p:style>
-      </p:cxnSp>
-      <p:sp>
-        <p:nvSpPr>
-          <p:cNvPr id="4" name="Rectangle: Rounded Corners 3">
-            <a:extLst>
-              <a:ext uri="{FF2B5EF4-FFF2-40B4-BE49-F238E27FC236}">
-                <a16:creationId xmlns:a16="http://schemas.microsoft.com/office/drawing/2014/main" id="{88A0D0FA-703B-47F8-B516-B294B7BF815E}"/>
+        <p:txBody>
+          <a:bodyPr wrap="square" rtlCol="0">
+            <a:spAutoFit/>
+          </a:bodyPr>
+          <a:lstStyle/>
+          <a:p>
+            <a:r>
+              <a:rPr lang="en-US" sz="2800" dirty="0">
+                <a:solidFill>
+                  <a:schemeClr val="tx2">
+                    <a:lumMod val="75000"/>
+                  </a:schemeClr>
+                </a:solidFill>
+                <a:latin typeface="Montserrat" panose="00000500000000000000" pitchFamily="2" charset="0"/>
+                <a:ea typeface="Roboto" panose="02000000000000000000" pitchFamily="2" charset="0"/>
+              </a:rPr>
+              <a:t>Tab 3 is called Sub-Project</a:t>
+            </a:r>
+          </a:p>
+        </p:txBody>
+      </p:sp>
+      <p:sp>
+        <p:nvSpPr>
+          <p:cNvPr id="5" name="Rectangle: Rounded Corners 4">
+            <a:extLst>
+              <a:ext uri="{FF2B5EF4-FFF2-40B4-BE49-F238E27FC236}">
+                <a16:creationId xmlns:a16="http://schemas.microsoft.com/office/drawing/2014/main" id="{6804576D-1D2D-4E8F-8836-11E8043A63BC}"/>
               </a:ext>
             </a:extLst>
           </p:cNvPr>
@@ -4412,8 +4298,8 @@
         </p:nvSpPr>
         <p:spPr>
           <a:xfrm>
-            <a:off x="9796621" y="210289"/>
-            <a:ext cx="1078548" cy="551905"/>
+            <a:off x="1026319" y="26194"/>
+            <a:ext cx="677371" cy="259032"/>
           </a:xfrm>
           <a:prstGeom prst="roundRect">
             <a:avLst/>
@@ -4455,10 +4341,10 @@
       </p:sp>
       <p:sp>
         <p:nvSpPr>
-          <p:cNvPr id="5" name="TextBox 4">
-            <a:extLst>
-              <a:ext uri="{FF2B5EF4-FFF2-40B4-BE49-F238E27FC236}">
-                <a16:creationId xmlns:a16="http://schemas.microsoft.com/office/drawing/2014/main" id="{652444FA-67CE-47B6-BA9A-69EB5A53CD24}"/>
+          <p:cNvPr id="6" name="TextBox 5">
+            <a:extLst>
+              <a:ext uri="{FF2B5EF4-FFF2-40B4-BE49-F238E27FC236}">
+                <a16:creationId xmlns:a16="http://schemas.microsoft.com/office/drawing/2014/main" id="{4DC1830A-A951-46D5-A900-62568B3740C5}"/>
               </a:ext>
             </a:extLst>
           </p:cNvPr>
@@ -4467,8 +4353,8 @@
         </p:nvSpPr>
         <p:spPr>
           <a:xfrm>
-            <a:off x="1659704" y="762194"/>
-            <a:ext cx="4700930" cy="2246769"/>
+            <a:off x="6231061" y="1860820"/>
+            <a:ext cx="4455260" cy="954107"/>
           </a:xfrm>
           <a:prstGeom prst="rect">
             <a:avLst/>
@@ -4499,96 +4385,17 @@
                 <a:latin typeface="Montserrat" panose="00000500000000000000" pitchFamily="2" charset="0"/>
                 <a:ea typeface="Roboto" panose="02000000000000000000" pitchFamily="2" charset="0"/>
               </a:rPr>
-              <a:t>The </a:t>
-            </a:r>
-            <a:r>
-              <a:rPr lang="en-US" sz="2800" b="1" dirty="0">
-                <a:solidFill>
-                  <a:schemeClr val="tx2">
-                    <a:lumMod val="75000"/>
-                  </a:schemeClr>
-                </a:solidFill>
-                <a:latin typeface="Montserrat" panose="00000500000000000000" pitchFamily="2" charset="0"/>
-                <a:ea typeface="Roboto" panose="02000000000000000000" pitchFamily="2" charset="0"/>
-              </a:rPr>
-              <a:t>Options</a:t>
-            </a:r>
-            <a:r>
-              <a:rPr lang="en-US" sz="2800" dirty="0">
-                <a:solidFill>
-                  <a:schemeClr val="tx2">
-                    <a:lumMod val="75000"/>
-                  </a:schemeClr>
-                </a:solidFill>
-                <a:latin typeface="Montserrat" panose="00000500000000000000" pitchFamily="2" charset="0"/>
-                <a:ea typeface="Roboto" panose="02000000000000000000" pitchFamily="2" charset="0"/>
-              </a:rPr>
-              <a:t> section is used to specify description, quantity, and dimension when adding a Sub-Project to a Project</a:t>
-            </a:r>
-          </a:p>
-        </p:txBody>
-      </p:sp>
-      <p:sp>
-        <p:nvSpPr>
-          <p:cNvPr id="8" name="Rectangle: Rounded Corners 7">
-            <a:extLst>
-              <a:ext uri="{FF2B5EF4-FFF2-40B4-BE49-F238E27FC236}">
-                <a16:creationId xmlns:a16="http://schemas.microsoft.com/office/drawing/2014/main" id="{2B00EDE4-F900-4089-AEDF-1970775A0B99}"/>
-              </a:ext>
-            </a:extLst>
-          </p:cNvPr>
-          <p:cNvSpPr/>
-          <p:nvPr/>
-        </p:nvSpPr>
-        <p:spPr>
-          <a:xfrm>
-            <a:off x="11468100" y="210289"/>
-            <a:ext cx="671514" cy="551905"/>
-          </a:xfrm>
-          <a:prstGeom prst="roundRect">
-            <a:avLst/>
-          </a:prstGeom>
-          <a:noFill/>
-          <a:ln w="76200">
-            <a:solidFill>
-              <a:schemeClr val="accent6">
-                <a:lumMod val="60000"/>
-                <a:lumOff val="40000"/>
-              </a:schemeClr>
-            </a:solidFill>
-          </a:ln>
-        </p:spPr>
-        <p:style>
-          <a:lnRef idx="2">
-            <a:schemeClr val="accent1">
-              <a:shade val="50000"/>
-            </a:schemeClr>
-          </a:lnRef>
-          <a:fillRef idx="1">
-            <a:schemeClr val="accent1"/>
-          </a:fillRef>
-          <a:effectRef idx="0">
-            <a:schemeClr val="accent1"/>
-          </a:effectRef>
-          <a:fontRef idx="minor">
-            <a:schemeClr val="lt1"/>
-          </a:fontRef>
-        </p:style>
-        <p:txBody>
-          <a:bodyPr rtlCol="0" anchor="ctr"/>
-          <a:lstStyle/>
-          <a:p>
-            <a:pPr algn="ctr"/>
-            <a:endParaRPr lang="en-US"/>
+              <a:t>Sub-Projects are displayed in this table</a:t>
+            </a:r>
           </a:p>
         </p:txBody>
       </p:sp>
       <p:cxnSp>
         <p:nvCxnSpPr>
-          <p:cNvPr id="9" name="Straight Arrow Connector 8">
-            <a:extLst>
-              <a:ext uri="{FF2B5EF4-FFF2-40B4-BE49-F238E27FC236}">
-                <a16:creationId xmlns:a16="http://schemas.microsoft.com/office/drawing/2014/main" id="{31E7F1A4-F450-4606-B364-4BBDDF333CC3}"/>
+          <p:cNvPr id="7" name="Straight Arrow Connector 6">
+            <a:extLst>
+              <a:ext uri="{FF2B5EF4-FFF2-40B4-BE49-F238E27FC236}">
+                <a16:creationId xmlns:a16="http://schemas.microsoft.com/office/drawing/2014/main" id="{37550B0D-05DA-4C3D-9E3F-7CAA7C2CF1DC}"/>
               </a:ext>
             </a:extLst>
           </p:cNvPr>
@@ -4598,9 +4405,9 @@
           <p:nvPr/>
         </p:nvCxnSpPr>
         <p:spPr>
-          <a:xfrm flipV="1">
-            <a:off x="9796621" y="999384"/>
-            <a:ext cx="1776254" cy="1772391"/>
+          <a:xfrm flipH="1" flipV="1">
+            <a:off x="3076575" y="2133600"/>
+            <a:ext cx="2790826" cy="204273"/>
           </a:xfrm>
           <a:prstGeom prst="straightConnector1">
             <a:avLst/>
@@ -4632,12 +4439,61 @@
           </a:fontRef>
         </p:style>
       </p:cxnSp>
-      <p:sp>
-        <p:nvSpPr>
-          <p:cNvPr id="10" name="TextBox 9">
-            <a:extLst>
-              <a:ext uri="{FF2B5EF4-FFF2-40B4-BE49-F238E27FC236}">
-                <a16:creationId xmlns:a16="http://schemas.microsoft.com/office/drawing/2014/main" id="{33913EE8-382F-4B42-801E-12ED2D7CA408}"/>
+      <p:cxnSp>
+        <p:nvCxnSpPr>
+          <p:cNvPr id="8" name="Straight Arrow Connector 7">
+            <a:extLst>
+              <a:ext uri="{FF2B5EF4-FFF2-40B4-BE49-F238E27FC236}">
+                <a16:creationId xmlns:a16="http://schemas.microsoft.com/office/drawing/2014/main" id="{96FFC7C2-3B24-44CC-8155-07958C13F46B}"/>
+              </a:ext>
+            </a:extLst>
+          </p:cNvPr>
+          <p:cNvCxnSpPr>
+            <a:cxnSpLocks/>
+          </p:cNvCxnSpPr>
+          <p:nvPr/>
+        </p:nvCxnSpPr>
+        <p:spPr>
+          <a:xfrm flipH="1" flipV="1">
+            <a:off x="1857375" y="238125"/>
+            <a:ext cx="3497140" cy="756674"/>
+          </a:xfrm>
+          <a:prstGeom prst="straightConnector1">
+            <a:avLst/>
+          </a:prstGeom>
+          <a:ln w="57150" cap="flat" cmpd="sng" algn="ctr">
+            <a:solidFill>
+              <a:schemeClr val="tx2">
+                <a:lumMod val="75000"/>
+              </a:schemeClr>
+            </a:solidFill>
+            <a:prstDash val="solid"/>
+            <a:round/>
+            <a:headEnd type="none" w="med" len="med"/>
+            <a:tailEnd type="arrow" w="med" len="med"/>
+          </a:ln>
+        </p:spPr>
+        <p:style>
+          <a:lnRef idx="0">
+            <a:scrgbClr r="0" g="0" b="0"/>
+          </a:lnRef>
+          <a:fillRef idx="0">
+            <a:scrgbClr r="0" g="0" b="0"/>
+          </a:fillRef>
+          <a:effectRef idx="0">
+            <a:scrgbClr r="0" g="0" b="0"/>
+          </a:effectRef>
+          <a:fontRef idx="minor">
+            <a:schemeClr val="tx1"/>
+          </a:fontRef>
+        </p:style>
+      </p:cxnSp>
+      <p:sp>
+        <p:nvSpPr>
+          <p:cNvPr id="16" name="TextBox 15">
+            <a:extLst>
+              <a:ext uri="{FF2B5EF4-FFF2-40B4-BE49-F238E27FC236}">
+                <a16:creationId xmlns:a16="http://schemas.microsoft.com/office/drawing/2014/main" id="{E3926254-E23D-498F-B33C-F196762AA972}"/>
               </a:ext>
             </a:extLst>
           </p:cNvPr>
@@ -4646,8 +4502,8 @@
         </p:nvSpPr>
         <p:spPr>
           <a:xfrm>
-            <a:off x="7035671" y="3076054"/>
-            <a:ext cx="4726383" cy="1384995"/>
+            <a:off x="497011" y="3517366"/>
+            <a:ext cx="11113964" cy="2246769"/>
           </a:xfrm>
           <a:prstGeom prst="rect">
             <a:avLst/>
@@ -4678,10 +4534,16 @@
                 <a:latin typeface="Montserrat" panose="00000500000000000000" pitchFamily="2" charset="0"/>
                 <a:ea typeface="Roboto" panose="02000000000000000000" pitchFamily="2" charset="0"/>
               </a:rPr>
-              <a:t>The </a:t>
-            </a:r>
-            <a:r>
-              <a:rPr lang="en-US" sz="2800" b="1" dirty="0">
+              <a:t>One key thing to understand is that this table and the right hand table in the Projects section are not the same. </a:t>
+            </a:r>
+          </a:p>
+          <a:p>
+            <a:pPr marL="457200" indent="-457200">
+              <a:buFont typeface="Arial" panose="020B0604020202020204" pitchFamily="34" charset="0"/>
+              <a:buChar char="•"/>
+            </a:pPr>
+            <a:r>
+              <a:rPr lang="en-US" sz="2800" dirty="0">
                 <a:solidFill>
                   <a:schemeClr val="tx2">
                     <a:lumMod val="75000"/>
@@ -4690,8 +4552,14 @@
                 <a:latin typeface="Montserrat" panose="00000500000000000000" pitchFamily="2" charset="0"/>
                 <a:ea typeface="Roboto" panose="02000000000000000000" pitchFamily="2" charset="0"/>
               </a:rPr>
-              <a:t>Table</a:t>
-            </a:r>
+              <a:t>This table shows you all Sub-Projects </a:t>
+            </a:r>
+          </a:p>
+          <a:p>
+            <a:pPr marL="457200" indent="-457200">
+              <a:buFont typeface="Arial" panose="020B0604020202020204" pitchFamily="34" charset="0"/>
+              <a:buChar char="•"/>
+            </a:pPr>
             <a:r>
               <a:rPr lang="en-US" sz="2800" dirty="0">
                 <a:solidFill>
@@ -4702,15 +4570,166 @@
                 <a:latin typeface="Montserrat" panose="00000500000000000000" pitchFamily="2" charset="0"/>
                 <a:ea typeface="Roboto" panose="02000000000000000000" pitchFamily="2" charset="0"/>
               </a:rPr>
-              <a:t> section adjusts what Sub-Project properties are displayed</a:t>
-            </a:r>
-          </a:p>
-        </p:txBody>
-      </p:sp>
+              <a:t>The right hand table of the Projects section is just the Sub-Projects from this table that were added to that project</a:t>
+            </a:r>
+          </a:p>
+        </p:txBody>
+      </p:sp>
+      <p:sp>
+        <p:nvSpPr>
+          <p:cNvPr id="17" name="TextBox 16">
+            <a:extLst>
+              <a:ext uri="{FF2B5EF4-FFF2-40B4-BE49-F238E27FC236}">
+                <a16:creationId xmlns:a16="http://schemas.microsoft.com/office/drawing/2014/main" id="{22B369F1-4481-4DCD-8EF2-89FAFF60BDCA}"/>
+              </a:ext>
+            </a:extLst>
+          </p:cNvPr>
+          <p:cNvSpPr txBox="1"/>
+          <p:nvPr/>
+        </p:nvSpPr>
+        <p:spPr>
+          <a:xfrm>
+            <a:off x="5508200" y="733187"/>
+            <a:ext cx="5674150" cy="523220"/>
+          </a:xfrm>
+          <a:prstGeom prst="rect">
+            <a:avLst/>
+          </a:prstGeom>
+          <a:solidFill>
+            <a:schemeClr val="accent6">
+              <a:lumMod val="60000"/>
+              <a:lumOff val="40000"/>
+            </a:schemeClr>
+          </a:solidFill>
+          <a:ln>
+            <a:noFill/>
+          </a:ln>
+        </p:spPr>
+        <p:txBody>
+          <a:bodyPr wrap="square" rtlCol="0">
+            <a:spAutoFit/>
+          </a:bodyPr>
+          <a:lstStyle/>
+          <a:p>
+            <a:r>
+              <a:rPr lang="en-US" sz="2800" dirty="0">
+                <a:solidFill>
+                  <a:schemeClr val="tx2">
+                    <a:lumMod val="75000"/>
+                  </a:schemeClr>
+                </a:solidFill>
+                <a:latin typeface="Montserrat" panose="00000500000000000000" pitchFamily="2" charset="0"/>
+                <a:ea typeface="Roboto" panose="02000000000000000000" pitchFamily="2" charset="0"/>
+              </a:rPr>
+              <a:t>Tab three is called Sub-Project</a:t>
+            </a:r>
+          </a:p>
+        </p:txBody>
+      </p:sp>
+      <p:sp>
+        <p:nvSpPr>
+          <p:cNvPr id="19" name="TextBox 18">
+            <a:extLst>
+              <a:ext uri="{FF2B5EF4-FFF2-40B4-BE49-F238E27FC236}">
+                <a16:creationId xmlns:a16="http://schemas.microsoft.com/office/drawing/2014/main" id="{CDFDEB91-6CBF-4FAB-8A9A-6992CAA1B01A}"/>
+              </a:ext>
+            </a:extLst>
+          </p:cNvPr>
+          <p:cNvSpPr txBox="1"/>
+          <p:nvPr/>
+        </p:nvSpPr>
+        <p:spPr>
+          <a:xfrm>
+            <a:off x="6169515" y="1860819"/>
+            <a:ext cx="4455260" cy="954107"/>
+          </a:xfrm>
+          <a:prstGeom prst="rect">
+            <a:avLst/>
+          </a:prstGeom>
+          <a:solidFill>
+            <a:schemeClr val="accent6">
+              <a:lumMod val="60000"/>
+              <a:lumOff val="40000"/>
+            </a:schemeClr>
+          </a:solidFill>
+          <a:ln>
+            <a:noFill/>
+          </a:ln>
+        </p:spPr>
+        <p:txBody>
+          <a:bodyPr wrap="square" rtlCol="0">
+            <a:spAutoFit/>
+          </a:bodyPr>
+          <a:lstStyle/>
+          <a:p>
+            <a:r>
+              <a:rPr lang="en-US" sz="2800" dirty="0">
+                <a:solidFill>
+                  <a:schemeClr val="tx2">
+                    <a:lumMod val="75000"/>
+                  </a:schemeClr>
+                </a:solidFill>
+                <a:latin typeface="Montserrat" panose="00000500000000000000" pitchFamily="2" charset="0"/>
+                <a:ea typeface="Roboto" panose="02000000000000000000" pitchFamily="2" charset="0"/>
+              </a:rPr>
+              <a:t>Sub-Projects are displayed in this table</a:t>
+            </a:r>
+          </a:p>
+        </p:txBody>
+      </p:sp>
+      <p:cxnSp>
+        <p:nvCxnSpPr>
+          <p:cNvPr id="20" name="Straight Arrow Connector 19">
+            <a:extLst>
+              <a:ext uri="{FF2B5EF4-FFF2-40B4-BE49-F238E27FC236}">
+                <a16:creationId xmlns:a16="http://schemas.microsoft.com/office/drawing/2014/main" id="{D53B30E6-2DF7-43B5-AFEB-3E90D4C4C1E2}"/>
+              </a:ext>
+            </a:extLst>
+          </p:cNvPr>
+          <p:cNvCxnSpPr>
+            <a:cxnSpLocks/>
+          </p:cNvCxnSpPr>
+          <p:nvPr/>
+        </p:nvCxnSpPr>
+        <p:spPr>
+          <a:xfrm flipH="1" flipV="1">
+            <a:off x="1795829" y="238124"/>
+            <a:ext cx="3497140" cy="756674"/>
+          </a:xfrm>
+          <a:prstGeom prst="straightConnector1">
+            <a:avLst/>
+          </a:prstGeom>
+          <a:ln w="57150" cap="flat" cmpd="sng" algn="ctr">
+            <a:solidFill>
+              <a:schemeClr val="tx2">
+                <a:lumMod val="75000"/>
+              </a:schemeClr>
+            </a:solidFill>
+            <a:prstDash val="solid"/>
+            <a:round/>
+            <a:headEnd type="none" w="med" len="med"/>
+            <a:tailEnd type="arrow" w="med" len="med"/>
+          </a:ln>
+        </p:spPr>
+        <p:style>
+          <a:lnRef idx="0">
+            <a:scrgbClr r="0" g="0" b="0"/>
+          </a:lnRef>
+          <a:fillRef idx="0">
+            <a:scrgbClr r="0" g="0" b="0"/>
+          </a:fillRef>
+          <a:effectRef idx="0">
+            <a:scrgbClr r="0" g="0" b="0"/>
+          </a:effectRef>
+          <a:fontRef idx="minor">
+            <a:schemeClr val="tx1"/>
+          </a:fontRef>
+        </p:style>
+      </p:cxnSp>
     </p:spTree>
     <p:extLst>
       <p:ext uri="{BB962C8B-B14F-4D97-AF65-F5344CB8AC3E}">
-        <p14:creationId xmlns:p14="http://schemas.microsoft.com/office/powerpoint/2010/main" val="2157401594"/>
+        <p14:creationId xmlns:p14="http://schemas.microsoft.com/office/powerpoint/2010/main" val="907230685"/>
       </p:ext>
     </p:extLst>
   </p:cSld>
@@ -4739,10 +4758,10 @@
       </p:grpSpPr>
       <p:pic>
         <p:nvPicPr>
-          <p:cNvPr id="2" name="Picture 1">
-            <a:extLst>
-              <a:ext uri="{FF2B5EF4-FFF2-40B4-BE49-F238E27FC236}">
-                <a16:creationId xmlns:a16="http://schemas.microsoft.com/office/drawing/2014/main" id="{3AE8692E-319F-429D-99A8-62DF4372FA5E}"/>
+          <p:cNvPr id="8" name="Picture 7">
+            <a:extLst>
+              <a:ext uri="{FF2B5EF4-FFF2-40B4-BE49-F238E27FC236}">
+                <a16:creationId xmlns:a16="http://schemas.microsoft.com/office/drawing/2014/main" id="{0BBF551B-8874-4613-853F-346CDD399551}"/>
               </a:ext>
             </a:extLst>
           </p:cNvPr>
@@ -4767,12 +4786,91 @@
           </a:prstGeom>
         </p:spPr>
       </p:pic>
-      <p:sp>
-        <p:nvSpPr>
-          <p:cNvPr id="4" name="TextBox 3">
-            <a:extLst>
-              <a:ext uri="{FF2B5EF4-FFF2-40B4-BE49-F238E27FC236}">
-                <a16:creationId xmlns:a16="http://schemas.microsoft.com/office/drawing/2014/main" id="{8691D510-569E-4066-B50C-9F48060816A0}"/>
+      <p:pic>
+        <p:nvPicPr>
+          <p:cNvPr id="5" name="Picture 4">
+            <a:extLst>
+              <a:ext uri="{FF2B5EF4-FFF2-40B4-BE49-F238E27FC236}">
+                <a16:creationId xmlns:a16="http://schemas.microsoft.com/office/drawing/2014/main" id="{8B79DD1B-02B5-427E-88BA-B01275732A7E}"/>
+              </a:ext>
+            </a:extLst>
+          </p:cNvPr>
+          <p:cNvPicPr>
+            <a:picLocks noChangeAspect="1"/>
+          </p:cNvPicPr>
+          <p:nvPr/>
+        </p:nvPicPr>
+        <p:blipFill>
+          <a:blip r:embed="rId3"/>
+          <a:stretch>
+            <a:fillRect/>
+          </a:stretch>
+        </p:blipFill>
+        <p:spPr>
+          <a:xfrm>
+            <a:off x="0" y="0"/>
+            <a:ext cx="12192000" cy="6858000"/>
+          </a:xfrm>
+          <a:prstGeom prst="rect">
+            <a:avLst/>
+          </a:prstGeom>
+        </p:spPr>
+      </p:pic>
+      <p:cxnSp>
+        <p:nvCxnSpPr>
+          <p:cNvPr id="2" name="Straight Arrow Connector 1">
+            <a:extLst>
+              <a:ext uri="{FF2B5EF4-FFF2-40B4-BE49-F238E27FC236}">
+                <a16:creationId xmlns:a16="http://schemas.microsoft.com/office/drawing/2014/main" id="{DF514EC3-727A-4148-BE18-A8C2BA57033B}"/>
+              </a:ext>
+            </a:extLst>
+          </p:cNvPr>
+          <p:cNvCxnSpPr>
+            <a:cxnSpLocks/>
+          </p:cNvCxnSpPr>
+          <p:nvPr/>
+        </p:nvCxnSpPr>
+        <p:spPr>
+          <a:xfrm flipH="1">
+            <a:off x="1291905" y="470560"/>
+            <a:ext cx="3693334" cy="13724"/>
+          </a:xfrm>
+          <a:prstGeom prst="straightConnector1">
+            <a:avLst/>
+          </a:prstGeom>
+          <a:ln w="57150" cap="flat" cmpd="sng" algn="ctr">
+            <a:solidFill>
+              <a:schemeClr val="tx2">
+                <a:lumMod val="75000"/>
+              </a:schemeClr>
+            </a:solidFill>
+            <a:prstDash val="solid"/>
+            <a:round/>
+            <a:headEnd type="none" w="med" len="med"/>
+            <a:tailEnd type="arrow" w="med" len="med"/>
+          </a:ln>
+        </p:spPr>
+        <p:style>
+          <a:lnRef idx="0">
+            <a:scrgbClr r="0" g="0" b="0"/>
+          </a:lnRef>
+          <a:fillRef idx="0">
+            <a:scrgbClr r="0" g="0" b="0"/>
+          </a:fillRef>
+          <a:effectRef idx="0">
+            <a:scrgbClr r="0" g="0" b="0"/>
+          </a:effectRef>
+          <a:fontRef idx="minor">
+            <a:schemeClr val="tx1"/>
+          </a:fontRef>
+        </p:style>
+      </p:cxnSp>
+      <p:sp>
+        <p:nvSpPr>
+          <p:cNvPr id="3" name="TextBox 2">
+            <a:extLst>
+              <a:ext uri="{FF2B5EF4-FFF2-40B4-BE49-F238E27FC236}">
+                <a16:creationId xmlns:a16="http://schemas.microsoft.com/office/drawing/2014/main" id="{571FCDE1-93F7-4780-B743-121FF51EC5BE}"/>
               </a:ext>
             </a:extLst>
           </p:cNvPr>
@@ -4781,8 +4879,8 @@
         </p:nvSpPr>
         <p:spPr>
           <a:xfrm>
-            <a:off x="5569746" y="733188"/>
-            <a:ext cx="4964904" cy="523220"/>
+            <a:off x="5215211" y="150734"/>
+            <a:ext cx="6849789" cy="523220"/>
           </a:xfrm>
           <a:prstGeom prst="rect">
             <a:avLst/>
@@ -4813,17 +4911,17 @@
                 <a:latin typeface="Montserrat" panose="00000500000000000000" pitchFamily="2" charset="0"/>
                 <a:ea typeface="Roboto" panose="02000000000000000000" pitchFamily="2" charset="0"/>
               </a:rPr>
-              <a:t>Tab 3 is called Sub-Project</a:t>
-            </a:r>
-          </a:p>
-        </p:txBody>
-      </p:sp>
-      <p:sp>
-        <p:nvSpPr>
-          <p:cNvPr id="5" name="Rectangle: Rounded Corners 4">
-            <a:extLst>
-              <a:ext uri="{FF2B5EF4-FFF2-40B4-BE49-F238E27FC236}">
-                <a16:creationId xmlns:a16="http://schemas.microsoft.com/office/drawing/2014/main" id="{6804576D-1D2D-4E8F-8836-11E8043A63BC}"/>
+              <a:t>There are three Sub-Project functions</a:t>
+            </a:r>
+          </a:p>
+        </p:txBody>
+      </p:sp>
+      <p:sp>
+        <p:nvSpPr>
+          <p:cNvPr id="4" name="Rectangle: Rounded Corners 3">
+            <a:extLst>
+              <a:ext uri="{FF2B5EF4-FFF2-40B4-BE49-F238E27FC236}">
+                <a16:creationId xmlns:a16="http://schemas.microsoft.com/office/drawing/2014/main" id="{0496A22E-30F5-4F01-A5C2-A44792478264}"/>
               </a:ext>
             </a:extLst>
           </p:cNvPr>
@@ -4832,8 +4930,8 @@
         </p:nvSpPr>
         <p:spPr>
           <a:xfrm>
-            <a:off x="1026319" y="26194"/>
-            <a:ext cx="677371" cy="259032"/>
+            <a:off x="83343" y="208950"/>
+            <a:ext cx="1081562" cy="550669"/>
           </a:xfrm>
           <a:prstGeom prst="roundRect">
             <a:avLst/>
@@ -4878,7 +4976,7 @@
           <p:cNvPr id="6" name="TextBox 5">
             <a:extLst>
               <a:ext uri="{FF2B5EF4-FFF2-40B4-BE49-F238E27FC236}">
-                <a16:creationId xmlns:a16="http://schemas.microsoft.com/office/drawing/2014/main" id="{4DC1830A-A951-46D5-A900-62568B3740C5}"/>
+                <a16:creationId xmlns:a16="http://schemas.microsoft.com/office/drawing/2014/main" id="{6A461154-7E0A-4771-81EF-8274B2545B39}"/>
               </a:ext>
             </a:extLst>
           </p:cNvPr>
@@ -4887,8 +4985,8 @@
         </p:nvSpPr>
         <p:spPr>
           <a:xfrm>
-            <a:off x="6231061" y="1860820"/>
-            <a:ext cx="4455260" cy="954107"/>
+            <a:off x="1707900" y="1130050"/>
+            <a:ext cx="4721468" cy="1815882"/>
           </a:xfrm>
           <a:prstGeom prst="rect">
             <a:avLst/>
@@ -4910,7 +5008,7 @@
           <a:lstStyle/>
           <a:p>
             <a:r>
-              <a:rPr lang="en-US" sz="2800" dirty="0">
+              <a:rPr lang="en-US" sz="2800" b="1" dirty="0">
                 <a:solidFill>
                   <a:schemeClr val="tx2">
                     <a:lumMod val="75000"/>
@@ -4919,115 +5017,63 @@
                 <a:latin typeface="Montserrat" panose="00000500000000000000" pitchFamily="2" charset="0"/>
                 <a:ea typeface="Roboto" panose="02000000000000000000" pitchFamily="2" charset="0"/>
               </a:rPr>
-              <a:t>Sub-Projects are displayed in this table</a:t>
-            </a:r>
-          </a:p>
-        </p:txBody>
-      </p:sp>
-      <p:cxnSp>
-        <p:nvCxnSpPr>
-          <p:cNvPr id="7" name="Straight Arrow Connector 6">
-            <a:extLst>
-              <a:ext uri="{FF2B5EF4-FFF2-40B4-BE49-F238E27FC236}">
-                <a16:creationId xmlns:a16="http://schemas.microsoft.com/office/drawing/2014/main" id="{37550B0D-05DA-4C3D-9E3F-7CAA7C2CF1DC}"/>
-              </a:ext>
-            </a:extLst>
-          </p:cNvPr>
-          <p:cNvCxnSpPr>
-            <a:cxnSpLocks/>
-          </p:cNvCxnSpPr>
-          <p:nvPr/>
-        </p:nvCxnSpPr>
-        <p:spPr>
-          <a:xfrm flipH="1" flipV="1">
-            <a:off x="3076575" y="2133600"/>
-            <a:ext cx="2790826" cy="204273"/>
-          </a:xfrm>
-          <a:prstGeom prst="straightConnector1">
-            <a:avLst/>
-          </a:prstGeom>
-          <a:ln w="57150" cap="flat" cmpd="sng" algn="ctr">
-            <a:solidFill>
-              <a:schemeClr val="tx2">
-                <a:lumMod val="75000"/>
-              </a:schemeClr>
-            </a:solidFill>
-            <a:prstDash val="solid"/>
-            <a:round/>
-            <a:headEnd type="none" w="med" len="med"/>
-            <a:tailEnd type="arrow" w="med" len="med"/>
-          </a:ln>
-        </p:spPr>
-        <p:style>
-          <a:lnRef idx="0">
-            <a:scrgbClr r="0" g="0" b="0"/>
-          </a:lnRef>
-          <a:fillRef idx="0">
-            <a:scrgbClr r="0" g="0" b="0"/>
-          </a:fillRef>
-          <a:effectRef idx="0">
-            <a:scrgbClr r="0" g="0" b="0"/>
-          </a:effectRef>
-          <a:fontRef idx="minor">
-            <a:schemeClr val="tx1"/>
-          </a:fontRef>
-        </p:style>
-      </p:cxnSp>
-      <p:cxnSp>
-        <p:nvCxnSpPr>
-          <p:cNvPr id="8" name="Straight Arrow Connector 7">
-            <a:extLst>
-              <a:ext uri="{FF2B5EF4-FFF2-40B4-BE49-F238E27FC236}">
-                <a16:creationId xmlns:a16="http://schemas.microsoft.com/office/drawing/2014/main" id="{96FFC7C2-3B24-44CC-8155-07958C13F46B}"/>
-              </a:ext>
-            </a:extLst>
-          </p:cNvPr>
-          <p:cNvCxnSpPr>
-            <a:cxnSpLocks/>
-          </p:cNvCxnSpPr>
-          <p:nvPr/>
-        </p:nvCxnSpPr>
-        <p:spPr>
-          <a:xfrm flipH="1" flipV="1">
-            <a:off x="1857375" y="238125"/>
-            <a:ext cx="3497140" cy="756674"/>
-          </a:xfrm>
-          <a:prstGeom prst="straightConnector1">
-            <a:avLst/>
-          </a:prstGeom>
-          <a:ln w="57150" cap="flat" cmpd="sng" algn="ctr">
-            <a:solidFill>
-              <a:schemeClr val="tx2">
-                <a:lumMod val="75000"/>
-              </a:schemeClr>
-            </a:solidFill>
-            <a:prstDash val="solid"/>
-            <a:round/>
-            <a:headEnd type="none" w="med" len="med"/>
-            <a:tailEnd type="arrow" w="med" len="med"/>
-          </a:ln>
-        </p:spPr>
-        <p:style>
-          <a:lnRef idx="0">
-            <a:scrgbClr r="0" g="0" b="0"/>
-          </a:lnRef>
-          <a:fillRef idx="0">
-            <a:scrgbClr r="0" g="0" b="0"/>
-          </a:fillRef>
-          <a:effectRef idx="0">
-            <a:scrgbClr r="0" g="0" b="0"/>
-          </a:effectRef>
-          <a:fontRef idx="minor">
-            <a:schemeClr val="tx1"/>
-          </a:fontRef>
-        </p:style>
-      </p:cxnSp>
-      <p:sp>
-        <p:nvSpPr>
-          <p:cNvPr id="16" name="TextBox 15">
-            <a:extLst>
-              <a:ext uri="{FF2B5EF4-FFF2-40B4-BE49-F238E27FC236}">
-                <a16:creationId xmlns:a16="http://schemas.microsoft.com/office/drawing/2014/main" id="{E3926254-E23D-498F-B33C-F196762AA972}"/>
+              <a:t>Add Sub-Project</a:t>
+            </a:r>
+            <a:r>
+              <a:rPr lang="en-US" sz="2800" dirty="0">
+                <a:solidFill>
+                  <a:schemeClr val="tx2">
+                    <a:lumMod val="75000"/>
+                  </a:schemeClr>
+                </a:solidFill>
+                <a:latin typeface="Montserrat" panose="00000500000000000000" pitchFamily="2" charset="0"/>
+                <a:ea typeface="Roboto" panose="02000000000000000000" pitchFamily="2" charset="0"/>
+              </a:rPr>
+              <a:t>: </a:t>
+            </a:r>
+          </a:p>
+          <a:p>
+            <a:pPr marL="514350" indent="-514350">
+              <a:buAutoNum type="arabicPeriod"/>
+            </a:pPr>
+            <a:r>
+              <a:rPr lang="en-US" sz="2800" dirty="0">
+                <a:solidFill>
+                  <a:schemeClr val="tx2">
+                    <a:lumMod val="75000"/>
+                  </a:schemeClr>
+                </a:solidFill>
+                <a:latin typeface="Montserrat" panose="00000500000000000000" pitchFamily="2" charset="0"/>
+                <a:ea typeface="Roboto" panose="02000000000000000000" pitchFamily="2" charset="0"/>
+              </a:rPr>
+              <a:t>Click Add</a:t>
+            </a:r>
+          </a:p>
+          <a:p>
+            <a:pPr marL="514350" indent="-514350">
+              <a:buAutoNum type="arabicPeriod"/>
+            </a:pPr>
+            <a:r>
+              <a:rPr lang="en-US" sz="2800" dirty="0">
+                <a:solidFill>
+                  <a:schemeClr val="tx2">
+                    <a:lumMod val="75000"/>
+                  </a:schemeClr>
+                </a:solidFill>
+                <a:latin typeface="Montserrat" panose="00000500000000000000" pitchFamily="2" charset="0"/>
+                <a:ea typeface="Roboto" panose="02000000000000000000" pitchFamily="2" charset="0"/>
+              </a:rPr>
+              <a:t>Fill in blank slate inserted into the table</a:t>
+            </a:r>
+          </a:p>
+        </p:txBody>
+      </p:sp>
+      <p:sp>
+        <p:nvSpPr>
+          <p:cNvPr id="7" name="TextBox 6">
+            <a:extLst>
+              <a:ext uri="{FF2B5EF4-FFF2-40B4-BE49-F238E27FC236}">
+                <a16:creationId xmlns:a16="http://schemas.microsoft.com/office/drawing/2014/main" id="{41C51CA2-3852-4BE0-BA1E-18CF841E2348}"/>
               </a:ext>
             </a:extLst>
           </p:cNvPr>
@@ -5036,8 +5082,8 @@
         </p:nvSpPr>
         <p:spPr>
           <a:xfrm>
-            <a:off x="497011" y="3517366"/>
-            <a:ext cx="11113964" cy="2246769"/>
+            <a:off x="1707900" y="3994025"/>
+            <a:ext cx="4721468" cy="1815882"/>
           </a:xfrm>
           <a:prstGeom prst="rect">
             <a:avLst/>
@@ -5059,7 +5105,7 @@
           <a:lstStyle/>
           <a:p>
             <a:r>
-              <a:rPr lang="en-US" sz="2800" dirty="0">
+              <a:rPr lang="en-US" sz="2800" b="1" dirty="0">
                 <a:solidFill>
                   <a:schemeClr val="tx2">
                     <a:lumMod val="75000"/>
@@ -5068,14 +5114,8 @@
                 <a:latin typeface="Montserrat" panose="00000500000000000000" pitchFamily="2" charset="0"/>
                 <a:ea typeface="Roboto" panose="02000000000000000000" pitchFamily="2" charset="0"/>
               </a:rPr>
-              <a:t>One key thing to understand is that this table and the right hand table in the Projects section are not the same. </a:t>
-            </a:r>
-          </a:p>
-          <a:p>
-            <a:pPr marL="457200" indent="-457200">
-              <a:buFont typeface="Arial" panose="020B0604020202020204" pitchFamily="34" charset="0"/>
-              <a:buChar char="•"/>
-            </a:pPr>
+              <a:t>Delete Sub-Project</a:t>
+            </a:r>
             <a:r>
               <a:rPr lang="en-US" sz="2800" dirty="0">
                 <a:solidFill>
@@ -5086,13 +5126,12 @@
                 <a:latin typeface="Montserrat" panose="00000500000000000000" pitchFamily="2" charset="0"/>
                 <a:ea typeface="Roboto" panose="02000000000000000000" pitchFamily="2" charset="0"/>
               </a:rPr>
-              <a:t>This table shows you all Sub-Projects </a:t>
-            </a:r>
-          </a:p>
-          <a:p>
-            <a:pPr marL="457200" indent="-457200">
-              <a:buFont typeface="Arial" panose="020B0604020202020204" pitchFamily="34" charset="0"/>
-              <a:buChar char="•"/>
+              <a:t>: </a:t>
+            </a:r>
+          </a:p>
+          <a:p>
+            <a:pPr marL="514350" indent="-514350">
+              <a:buAutoNum type="arabicPeriod"/>
             </a:pPr>
             <a:r>
               <a:rPr lang="en-US" sz="2800" dirty="0">
@@ -5104,17 +5143,34 @@
                 <a:latin typeface="Montserrat" panose="00000500000000000000" pitchFamily="2" charset="0"/>
                 <a:ea typeface="Roboto" panose="02000000000000000000" pitchFamily="2" charset="0"/>
               </a:rPr>
-              <a:t>The right hand table of the Projects section is just the Sub-Projects from this table that were added to that project</a:t>
-            </a:r>
-          </a:p>
-        </p:txBody>
-      </p:sp>
-      <p:sp>
-        <p:nvSpPr>
-          <p:cNvPr id="17" name="TextBox 16">
-            <a:extLst>
-              <a:ext uri="{FF2B5EF4-FFF2-40B4-BE49-F238E27FC236}">
-                <a16:creationId xmlns:a16="http://schemas.microsoft.com/office/drawing/2014/main" id="{22B369F1-4481-4DCD-8EF2-89FAFF60BDCA}"/>
+              <a:t>Select Sub-Project from table</a:t>
+            </a:r>
+          </a:p>
+          <a:p>
+            <a:pPr marL="514350" indent="-514350">
+              <a:buAutoNum type="arabicPeriod"/>
+            </a:pPr>
+            <a:r>
+              <a:rPr lang="en-US" sz="2800" dirty="0">
+                <a:solidFill>
+                  <a:schemeClr val="tx2">
+                    <a:lumMod val="75000"/>
+                  </a:schemeClr>
+                </a:solidFill>
+                <a:latin typeface="Montserrat" panose="00000500000000000000" pitchFamily="2" charset="0"/>
+                <a:ea typeface="Roboto" panose="02000000000000000000" pitchFamily="2" charset="0"/>
+              </a:rPr>
+              <a:t>Click Delete</a:t>
+            </a:r>
+          </a:p>
+        </p:txBody>
+      </p:sp>
+      <p:sp>
+        <p:nvSpPr>
+          <p:cNvPr id="11" name="TextBox 10">
+            <a:extLst>
+              <a:ext uri="{FF2B5EF4-FFF2-40B4-BE49-F238E27FC236}">
+                <a16:creationId xmlns:a16="http://schemas.microsoft.com/office/drawing/2014/main" id="{A2263B5B-8932-44F0-8650-CC1DF54F3312}"/>
               </a:ext>
             </a:extLst>
           </p:cNvPr>
@@ -5123,8 +5179,8 @@
         </p:nvSpPr>
         <p:spPr>
           <a:xfrm>
-            <a:off x="5508200" y="733187"/>
-            <a:ext cx="5674150" cy="523220"/>
+            <a:off x="6801417" y="2681387"/>
+            <a:ext cx="4721468" cy="1815882"/>
           </a:xfrm>
           <a:prstGeom prst="rect">
             <a:avLst/>
@@ -5146,7 +5202,7 @@
           <a:lstStyle/>
           <a:p>
             <a:r>
-              <a:rPr lang="en-US" sz="2800" dirty="0">
+              <a:rPr lang="en-US" sz="2800" b="1" dirty="0">
                 <a:solidFill>
                   <a:schemeClr val="tx2">
                     <a:lumMod val="75000"/>
@@ -5155,47 +5211,8 @@
                 <a:latin typeface="Montserrat" panose="00000500000000000000" pitchFamily="2" charset="0"/>
                 <a:ea typeface="Roboto" panose="02000000000000000000" pitchFamily="2" charset="0"/>
               </a:rPr>
-              <a:t>Tab three is called Sub-Project</a:t>
-            </a:r>
-          </a:p>
-        </p:txBody>
-      </p:sp>
-      <p:sp>
-        <p:nvSpPr>
-          <p:cNvPr id="19" name="TextBox 18">
-            <a:extLst>
-              <a:ext uri="{FF2B5EF4-FFF2-40B4-BE49-F238E27FC236}">
-                <a16:creationId xmlns:a16="http://schemas.microsoft.com/office/drawing/2014/main" id="{CDFDEB91-6CBF-4FAB-8A9A-6992CAA1B01A}"/>
-              </a:ext>
-            </a:extLst>
-          </p:cNvPr>
-          <p:cNvSpPr txBox="1"/>
-          <p:nvPr/>
-        </p:nvSpPr>
-        <p:spPr>
-          <a:xfrm>
-            <a:off x="6169515" y="1860819"/>
-            <a:ext cx="4455260" cy="954107"/>
-          </a:xfrm>
-          <a:prstGeom prst="rect">
-            <a:avLst/>
-          </a:prstGeom>
-          <a:solidFill>
-            <a:schemeClr val="accent6">
-              <a:lumMod val="60000"/>
-              <a:lumOff val="40000"/>
-            </a:schemeClr>
-          </a:solidFill>
-          <a:ln>
-            <a:noFill/>
-          </a:ln>
-        </p:spPr>
-        <p:txBody>
-          <a:bodyPr wrap="square" rtlCol="0">
-            <a:spAutoFit/>
-          </a:bodyPr>
-          <a:lstStyle/>
-          <a:p>
+              <a:t>Edit Sub-Project</a:t>
+            </a:r>
             <a:r>
               <a:rPr lang="en-US" sz="2800" dirty="0">
                 <a:solidFill>
@@ -5206,64 +5223,49 @@
                 <a:latin typeface="Montserrat" panose="00000500000000000000" pitchFamily="2" charset="0"/>
                 <a:ea typeface="Roboto" panose="02000000000000000000" pitchFamily="2" charset="0"/>
               </a:rPr>
-              <a:t>Sub-Projects are displayed in this table</a:t>
-            </a:r>
-          </a:p>
-        </p:txBody>
-      </p:sp>
-      <p:cxnSp>
-        <p:nvCxnSpPr>
-          <p:cNvPr id="20" name="Straight Arrow Connector 19">
-            <a:extLst>
-              <a:ext uri="{FF2B5EF4-FFF2-40B4-BE49-F238E27FC236}">
-                <a16:creationId xmlns:a16="http://schemas.microsoft.com/office/drawing/2014/main" id="{D53B30E6-2DF7-43B5-AFEB-3E90D4C4C1E2}"/>
-              </a:ext>
-            </a:extLst>
-          </p:cNvPr>
-          <p:cNvCxnSpPr>
-            <a:cxnSpLocks/>
-          </p:cNvCxnSpPr>
-          <p:nvPr/>
-        </p:nvCxnSpPr>
-        <p:spPr>
-          <a:xfrm flipH="1" flipV="1">
-            <a:off x="1795829" y="238124"/>
-            <a:ext cx="3497140" cy="756674"/>
-          </a:xfrm>
-          <a:prstGeom prst="straightConnector1">
-            <a:avLst/>
-          </a:prstGeom>
-          <a:ln w="57150" cap="flat" cmpd="sng" algn="ctr">
-            <a:solidFill>
-              <a:schemeClr val="tx2">
-                <a:lumMod val="75000"/>
-              </a:schemeClr>
-            </a:solidFill>
-            <a:prstDash val="solid"/>
-            <a:round/>
-            <a:headEnd type="none" w="med" len="med"/>
-            <a:tailEnd type="arrow" w="med" len="med"/>
-          </a:ln>
-        </p:spPr>
-        <p:style>
-          <a:lnRef idx="0">
-            <a:scrgbClr r="0" g="0" b="0"/>
-          </a:lnRef>
-          <a:fillRef idx="0">
-            <a:scrgbClr r="0" g="0" b="0"/>
-          </a:fillRef>
-          <a:effectRef idx="0">
-            <a:scrgbClr r="0" g="0" b="0"/>
-          </a:effectRef>
-          <a:fontRef idx="minor">
-            <a:schemeClr val="tx1"/>
-          </a:fontRef>
-        </p:style>
-      </p:cxnSp>
+              <a:t>: </a:t>
+            </a:r>
+          </a:p>
+          <a:p>
+            <a:pPr marL="514350" indent="-514350">
+              <a:buAutoNum type="arabicPeriod"/>
+            </a:pPr>
+            <a:r>
+              <a:rPr lang="en-US" sz="2800" dirty="0">
+                <a:solidFill>
+                  <a:schemeClr val="tx2">
+                    <a:lumMod val="75000"/>
+                  </a:schemeClr>
+                </a:solidFill>
+                <a:latin typeface="Montserrat" panose="00000500000000000000" pitchFamily="2" charset="0"/>
+                <a:ea typeface="Roboto" panose="02000000000000000000" pitchFamily="2" charset="0"/>
+              </a:rPr>
+              <a:t>Select Sub-Project from table</a:t>
+            </a:r>
+          </a:p>
+          <a:p>
+            <a:pPr marL="514350" indent="-514350">
+              <a:buAutoNum type="arabicPeriod"/>
+            </a:pPr>
+            <a:r>
+              <a:rPr lang="en-US" sz="2800" dirty="0">
+                <a:solidFill>
+                  <a:schemeClr val="tx2">
+                    <a:lumMod val="75000"/>
+                  </a:schemeClr>
+                </a:solidFill>
+                <a:latin typeface="Montserrat" panose="00000500000000000000" pitchFamily="2" charset="0"/>
+                <a:ea typeface="Roboto" panose="02000000000000000000" pitchFamily="2" charset="0"/>
+              </a:rPr>
+              <a:t>Click Edit</a:t>
+            </a:r>
+          </a:p>
+        </p:txBody>
+      </p:sp>
     </p:spTree>
     <p:extLst>
       <p:ext uri="{BB962C8B-B14F-4D97-AF65-F5344CB8AC3E}">
-        <p14:creationId xmlns:p14="http://schemas.microsoft.com/office/powerpoint/2010/main" val="907230685"/>
+        <p14:creationId xmlns:p14="http://schemas.microsoft.com/office/powerpoint/2010/main" val="112812392"/>
       </p:ext>
     </p:extLst>
   </p:cSld>
@@ -5292,10 +5294,10 @@
       </p:grpSpPr>
       <p:pic>
         <p:nvPicPr>
-          <p:cNvPr id="8" name="Picture 7">
-            <a:extLst>
-              <a:ext uri="{FF2B5EF4-FFF2-40B4-BE49-F238E27FC236}">
-                <a16:creationId xmlns:a16="http://schemas.microsoft.com/office/drawing/2014/main" id="{0BBF551B-8874-4613-853F-346CDD399551}"/>
+          <p:cNvPr id="2" name="Picture 1">
+            <a:extLst>
+              <a:ext uri="{FF2B5EF4-FFF2-40B4-BE49-F238E27FC236}">
+                <a16:creationId xmlns:a16="http://schemas.microsoft.com/office/drawing/2014/main" id="{D7A48543-255E-44CD-A530-A02C5D16C25A}"/>
               </a:ext>
             </a:extLst>
           </p:cNvPr>
@@ -5320,12 +5322,42 @@
           </a:prstGeom>
         </p:spPr>
       </p:pic>
+      <p:pic>
+        <p:nvPicPr>
+          <p:cNvPr id="3" name="Picture 2">
+            <a:extLst>
+              <a:ext uri="{FF2B5EF4-FFF2-40B4-BE49-F238E27FC236}">
+                <a16:creationId xmlns:a16="http://schemas.microsoft.com/office/drawing/2014/main" id="{2778E534-DB7D-4851-826B-601D1741E4A7}"/>
+              </a:ext>
+            </a:extLst>
+          </p:cNvPr>
+          <p:cNvPicPr>
+            <a:picLocks noChangeAspect="1"/>
+          </p:cNvPicPr>
+          <p:nvPr/>
+        </p:nvPicPr>
+        <p:blipFill>
+          <a:blip r:embed="rId3"/>
+          <a:stretch>
+            <a:fillRect/>
+          </a:stretch>
+        </p:blipFill>
+        <p:spPr>
+          <a:xfrm>
+            <a:off x="0" y="0"/>
+            <a:ext cx="12192000" cy="6858000"/>
+          </a:xfrm>
+          <a:prstGeom prst="rect">
+            <a:avLst/>
+          </a:prstGeom>
+        </p:spPr>
+      </p:pic>
       <p:cxnSp>
         <p:nvCxnSpPr>
-          <p:cNvPr id="2" name="Straight Arrow Connector 1">
-            <a:extLst>
-              <a:ext uri="{FF2B5EF4-FFF2-40B4-BE49-F238E27FC236}">
-                <a16:creationId xmlns:a16="http://schemas.microsoft.com/office/drawing/2014/main" id="{DF514EC3-727A-4148-BE18-A8C2BA57033B}"/>
+          <p:cNvPr id="4" name="Straight Arrow Connector 3">
+            <a:extLst>
+              <a:ext uri="{FF2B5EF4-FFF2-40B4-BE49-F238E27FC236}">
+                <a16:creationId xmlns:a16="http://schemas.microsoft.com/office/drawing/2014/main" id="{609E7E58-E48D-4CBC-917B-91CE32AE400D}"/>
               </a:ext>
             </a:extLst>
           </p:cNvPr>
@@ -5335,9 +5367,9 @@
           <p:nvPr/>
         </p:nvCxnSpPr>
         <p:spPr>
-          <a:xfrm flipH="1">
-            <a:off x="1019175" y="470560"/>
-            <a:ext cx="3966064" cy="0"/>
+          <a:xfrm flipH="1" flipV="1">
+            <a:off x="1618780" y="905608"/>
+            <a:ext cx="652137" cy="1881554"/>
           </a:xfrm>
           <a:prstGeom prst="straightConnector1">
             <a:avLst/>
@@ -5371,61 +5403,10 @@
       </p:cxnSp>
       <p:sp>
         <p:nvSpPr>
-          <p:cNvPr id="3" name="TextBox 2">
-            <a:extLst>
-              <a:ext uri="{FF2B5EF4-FFF2-40B4-BE49-F238E27FC236}">
-                <a16:creationId xmlns:a16="http://schemas.microsoft.com/office/drawing/2014/main" id="{571FCDE1-93F7-4780-B743-121FF51EC5BE}"/>
-              </a:ext>
-            </a:extLst>
-          </p:cNvPr>
-          <p:cNvSpPr txBox="1"/>
-          <p:nvPr/>
-        </p:nvSpPr>
-        <p:spPr>
-          <a:xfrm>
-            <a:off x="5215211" y="150734"/>
-            <a:ext cx="6849789" cy="523220"/>
-          </a:xfrm>
-          <a:prstGeom prst="rect">
-            <a:avLst/>
-          </a:prstGeom>
-          <a:solidFill>
-            <a:schemeClr val="accent6">
-              <a:lumMod val="60000"/>
-              <a:lumOff val="40000"/>
-            </a:schemeClr>
-          </a:solidFill>
-          <a:ln>
-            <a:noFill/>
-          </a:ln>
-        </p:spPr>
-        <p:txBody>
-          <a:bodyPr wrap="square" rtlCol="0">
-            <a:spAutoFit/>
-          </a:bodyPr>
-          <a:lstStyle/>
-          <a:p>
-            <a:r>
-              <a:rPr lang="en-US" sz="2800" dirty="0">
-                <a:solidFill>
-                  <a:schemeClr val="tx2">
-                    <a:lumMod val="75000"/>
-                  </a:schemeClr>
-                </a:solidFill>
-                <a:latin typeface="Montserrat" panose="00000500000000000000" pitchFamily="2" charset="0"/>
-                <a:ea typeface="Roboto" panose="02000000000000000000" pitchFamily="2" charset="0"/>
-              </a:rPr>
-              <a:t>There are three Sub-Project functions</a:t>
-            </a:r>
-          </a:p>
-        </p:txBody>
-      </p:sp>
-      <p:sp>
-        <p:nvSpPr>
-          <p:cNvPr id="4" name="Rectangle: Rounded Corners 3">
-            <a:extLst>
-              <a:ext uri="{FF2B5EF4-FFF2-40B4-BE49-F238E27FC236}">
-                <a16:creationId xmlns:a16="http://schemas.microsoft.com/office/drawing/2014/main" id="{0496A22E-30F5-4F01-A5C2-A44792478264}"/>
+          <p:cNvPr id="5" name="Rectangle: Rounded Corners 4">
+            <a:extLst>
+              <a:ext uri="{FF2B5EF4-FFF2-40B4-BE49-F238E27FC236}">
+                <a16:creationId xmlns:a16="http://schemas.microsoft.com/office/drawing/2014/main" id="{5A6FF295-31A0-4652-9A39-9F5D5DCD098B}"/>
               </a:ext>
             </a:extLst>
           </p:cNvPr>
@@ -5434,8 +5415,8 @@
         </p:nvSpPr>
         <p:spPr>
           <a:xfrm>
-            <a:off x="83343" y="208950"/>
-            <a:ext cx="705860" cy="550669"/>
+            <a:off x="1098958" y="220307"/>
+            <a:ext cx="637563" cy="536931"/>
           </a:xfrm>
           <a:prstGeom prst="roundRect">
             <a:avLst/>
@@ -5480,7 +5461,7 @@
           <p:cNvPr id="6" name="TextBox 5">
             <a:extLst>
               <a:ext uri="{FF2B5EF4-FFF2-40B4-BE49-F238E27FC236}">
-                <a16:creationId xmlns:a16="http://schemas.microsoft.com/office/drawing/2014/main" id="{6A461154-7E0A-4771-81EF-8274B2545B39}"/>
+                <a16:creationId xmlns:a16="http://schemas.microsoft.com/office/drawing/2014/main" id="{4871DB6E-05AB-42AC-8FCC-70E4F53FF99C}"/>
               </a:ext>
             </a:extLst>
           </p:cNvPr>
@@ -5489,8 +5470,8 @@
         </p:nvSpPr>
         <p:spPr>
           <a:xfrm>
-            <a:off x="3368921" y="1037725"/>
-            <a:ext cx="4721468" cy="1815882"/>
+            <a:off x="662378" y="3139842"/>
+            <a:ext cx="4700930" cy="1384995"/>
           </a:xfrm>
           <a:prstGeom prst="rect">
             <a:avLst/>
@@ -5512,7 +5493,7 @@
           <a:lstStyle/>
           <a:p>
             <a:r>
-              <a:rPr lang="en-US" sz="2800" b="1" dirty="0">
+              <a:rPr lang="en-US" sz="2800" dirty="0">
                 <a:solidFill>
                   <a:schemeClr val="tx2">
                     <a:lumMod val="75000"/>
@@ -5521,10 +5502,10 @@
                 <a:latin typeface="Montserrat" panose="00000500000000000000" pitchFamily="2" charset="0"/>
                 <a:ea typeface="Roboto" panose="02000000000000000000" pitchFamily="2" charset="0"/>
               </a:rPr>
-              <a:t>Add Sub-Project</a:t>
-            </a:r>
-            <a:r>
-              <a:rPr lang="en-US" sz="2800" dirty="0">
+              <a:t>The </a:t>
+            </a:r>
+            <a:r>
+              <a:rPr lang="en-US" sz="2800" b="1" dirty="0">
                 <a:solidFill>
                   <a:schemeClr val="tx2">
                     <a:lumMod val="75000"/>
@@ -5533,13 +5514,8 @@
                 <a:latin typeface="Montserrat" panose="00000500000000000000" pitchFamily="2" charset="0"/>
                 <a:ea typeface="Roboto" panose="02000000000000000000" pitchFamily="2" charset="0"/>
               </a:rPr>
-              <a:t>: </a:t>
-            </a:r>
-          </a:p>
-          <a:p>
-            <a:pPr marL="514350" indent="-514350">
-              <a:buAutoNum type="arabicPeriod"/>
-            </a:pPr>
+              <a:t>Table</a:t>
+            </a:r>
             <a:r>
               <a:rPr lang="en-US" sz="2800" dirty="0">
                 <a:solidFill>
@@ -5550,172 +5526,7 @@
                 <a:latin typeface="Montserrat" panose="00000500000000000000" pitchFamily="2" charset="0"/>
                 <a:ea typeface="Roboto" panose="02000000000000000000" pitchFamily="2" charset="0"/>
               </a:rPr>
-              <a:t>Click Add</a:t>
-            </a:r>
-          </a:p>
-          <a:p>
-            <a:pPr marL="514350" indent="-514350">
-              <a:buAutoNum type="arabicPeriod"/>
-            </a:pPr>
-            <a:r>
-              <a:rPr lang="en-US" sz="2800" dirty="0">
-                <a:solidFill>
-                  <a:schemeClr val="tx2">
-                    <a:lumMod val="75000"/>
-                  </a:schemeClr>
-                </a:solidFill>
-                <a:latin typeface="Montserrat" panose="00000500000000000000" pitchFamily="2" charset="0"/>
-                <a:ea typeface="Roboto" panose="02000000000000000000" pitchFamily="2" charset="0"/>
-              </a:rPr>
-              <a:t>Fill in blank slate inserted into the table</a:t>
-            </a:r>
-          </a:p>
-        </p:txBody>
-      </p:sp>
-      <p:sp>
-        <p:nvSpPr>
-          <p:cNvPr id="7" name="TextBox 6">
-            <a:extLst>
-              <a:ext uri="{FF2B5EF4-FFF2-40B4-BE49-F238E27FC236}">
-                <a16:creationId xmlns:a16="http://schemas.microsoft.com/office/drawing/2014/main" id="{41C51CA2-3852-4BE0-BA1E-18CF841E2348}"/>
-              </a:ext>
-            </a:extLst>
-          </p:cNvPr>
-          <p:cNvSpPr txBox="1"/>
-          <p:nvPr/>
-        </p:nvSpPr>
-        <p:spPr>
-          <a:xfrm>
-            <a:off x="1008187" y="3217378"/>
-            <a:ext cx="4721468" cy="1815882"/>
-          </a:xfrm>
-          <a:prstGeom prst="rect">
-            <a:avLst/>
-          </a:prstGeom>
-          <a:solidFill>
-            <a:schemeClr val="accent6">
-              <a:lumMod val="60000"/>
-              <a:lumOff val="40000"/>
-            </a:schemeClr>
-          </a:solidFill>
-          <a:ln>
-            <a:noFill/>
-          </a:ln>
-        </p:spPr>
-        <p:txBody>
-          <a:bodyPr wrap="square" rtlCol="0">
-            <a:spAutoFit/>
-          </a:bodyPr>
-          <a:lstStyle/>
-          <a:p>
-            <a:r>
-              <a:rPr lang="en-US" sz="2800" b="1" dirty="0">
-                <a:solidFill>
-                  <a:schemeClr val="tx2">
-                    <a:lumMod val="75000"/>
-                  </a:schemeClr>
-                </a:solidFill>
-                <a:latin typeface="Montserrat" panose="00000500000000000000" pitchFamily="2" charset="0"/>
-                <a:ea typeface="Roboto" panose="02000000000000000000" pitchFamily="2" charset="0"/>
-              </a:rPr>
-              <a:t>Delete Sub-Project</a:t>
-            </a:r>
-            <a:r>
-              <a:rPr lang="en-US" sz="2800" dirty="0">
-                <a:solidFill>
-                  <a:schemeClr val="tx2">
-                    <a:lumMod val="75000"/>
-                  </a:schemeClr>
-                </a:solidFill>
-                <a:latin typeface="Montserrat" panose="00000500000000000000" pitchFamily="2" charset="0"/>
-                <a:ea typeface="Roboto" panose="02000000000000000000" pitchFamily="2" charset="0"/>
-              </a:rPr>
-              <a:t>: </a:t>
-            </a:r>
-          </a:p>
-          <a:p>
-            <a:pPr marL="514350" indent="-514350">
-              <a:buAutoNum type="arabicPeriod"/>
-            </a:pPr>
-            <a:r>
-              <a:rPr lang="en-US" sz="2800" dirty="0">
-                <a:solidFill>
-                  <a:schemeClr val="tx2">
-                    <a:lumMod val="75000"/>
-                  </a:schemeClr>
-                </a:solidFill>
-                <a:latin typeface="Montserrat" panose="00000500000000000000" pitchFamily="2" charset="0"/>
-                <a:ea typeface="Roboto" panose="02000000000000000000" pitchFamily="2" charset="0"/>
-              </a:rPr>
-              <a:t>Select Sub-Project from table</a:t>
-            </a:r>
-          </a:p>
-          <a:p>
-            <a:pPr marL="514350" indent="-514350">
-              <a:buAutoNum type="arabicPeriod"/>
-            </a:pPr>
-            <a:r>
-              <a:rPr lang="en-US" sz="2800" dirty="0">
-                <a:solidFill>
-                  <a:schemeClr val="tx2">
-                    <a:lumMod val="75000"/>
-                  </a:schemeClr>
-                </a:solidFill>
-                <a:latin typeface="Montserrat" panose="00000500000000000000" pitchFamily="2" charset="0"/>
-                <a:ea typeface="Roboto" panose="02000000000000000000" pitchFamily="2" charset="0"/>
-              </a:rPr>
-              <a:t>Click Delete</a:t>
-            </a:r>
-          </a:p>
-        </p:txBody>
-      </p:sp>
-      <p:sp>
-        <p:nvSpPr>
-          <p:cNvPr id="10" name="TextBox 9">
-            <a:extLst>
-              <a:ext uri="{FF2B5EF4-FFF2-40B4-BE49-F238E27FC236}">
-                <a16:creationId xmlns:a16="http://schemas.microsoft.com/office/drawing/2014/main" id="{D9875E6C-0CC7-44F9-83A5-F0F1750C8DFA}"/>
-              </a:ext>
-            </a:extLst>
-          </p:cNvPr>
-          <p:cNvSpPr txBox="1"/>
-          <p:nvPr/>
-        </p:nvSpPr>
-        <p:spPr>
-          <a:xfrm>
-            <a:off x="6418387" y="3429000"/>
-            <a:ext cx="4721468" cy="2677656"/>
-          </a:xfrm>
-          <a:prstGeom prst="rect">
-            <a:avLst/>
-          </a:prstGeom>
-          <a:solidFill>
-            <a:schemeClr val="accent6">
-              <a:lumMod val="60000"/>
-              <a:lumOff val="40000"/>
-            </a:schemeClr>
-          </a:solidFill>
-          <a:ln>
-            <a:noFill/>
-          </a:ln>
-        </p:spPr>
-        <p:txBody>
-          <a:bodyPr wrap="square" rtlCol="0">
-            <a:spAutoFit/>
-          </a:bodyPr>
-          <a:lstStyle/>
-          <a:p>
-            <a:r>
-              <a:rPr lang="en-US" sz="2800" dirty="0">
-                <a:solidFill>
-                  <a:schemeClr val="tx2">
-                    <a:lumMod val="75000"/>
-                  </a:schemeClr>
-                </a:solidFill>
-                <a:latin typeface="Montserrat" panose="00000500000000000000" pitchFamily="2" charset="0"/>
-                <a:ea typeface="Roboto" panose="02000000000000000000" pitchFamily="2" charset="0"/>
-              </a:rPr>
-              <a:t>Note that the Category, Sub-Category, and Dimension Columns can be left blank, but try to fill  them out because it help with association.</a:t>
+              <a:t> section adjusts what Sub-Project properties are displayed</a:t>
             </a:r>
           </a:p>
         </p:txBody>
@@ -5723,7 +5534,7 @@
     </p:spTree>
     <p:extLst>
       <p:ext uri="{BB962C8B-B14F-4D97-AF65-F5344CB8AC3E}">
-        <p14:creationId xmlns:p14="http://schemas.microsoft.com/office/powerpoint/2010/main" val="112812392"/>
+        <p14:creationId xmlns:p14="http://schemas.microsoft.com/office/powerpoint/2010/main" val="3624553944"/>
       </p:ext>
     </p:extLst>
   </p:cSld>
@@ -5755,7 +5566,7 @@
           <p:cNvPr id="2" name="Picture 1">
             <a:extLst>
               <a:ext uri="{FF2B5EF4-FFF2-40B4-BE49-F238E27FC236}">
-                <a16:creationId xmlns:a16="http://schemas.microsoft.com/office/drawing/2014/main" id="{D7A48543-255E-44CD-A530-A02C5D16C25A}"/>
+                <a16:creationId xmlns:a16="http://schemas.microsoft.com/office/drawing/2014/main" id="{5CB6C41A-B26C-4518-96C4-5A862269C39F}"/>
               </a:ext>
             </a:extLst>
           </p:cNvPr>
@@ -5780,12 +5591,42 @@
           </a:prstGeom>
         </p:spPr>
       </p:pic>
+      <p:pic>
+        <p:nvPicPr>
+          <p:cNvPr id="8" name="Picture 7">
+            <a:extLst>
+              <a:ext uri="{FF2B5EF4-FFF2-40B4-BE49-F238E27FC236}">
+                <a16:creationId xmlns:a16="http://schemas.microsoft.com/office/drawing/2014/main" id="{1483849A-8CE2-4937-AA2B-9C6F888CF528}"/>
+              </a:ext>
+            </a:extLst>
+          </p:cNvPr>
+          <p:cNvPicPr>
+            <a:picLocks noChangeAspect="1"/>
+          </p:cNvPicPr>
+          <p:nvPr/>
+        </p:nvPicPr>
+        <p:blipFill>
+          <a:blip r:embed="rId3"/>
+          <a:stretch>
+            <a:fillRect/>
+          </a:stretch>
+        </p:blipFill>
+        <p:spPr>
+          <a:xfrm>
+            <a:off x="0" y="0"/>
+            <a:ext cx="12192000" cy="6858000"/>
+          </a:xfrm>
+          <a:prstGeom prst="rect">
+            <a:avLst/>
+          </a:prstGeom>
+        </p:spPr>
+      </p:pic>
       <p:cxnSp>
         <p:nvCxnSpPr>
-          <p:cNvPr id="4" name="Straight Arrow Connector 3">
-            <a:extLst>
-              <a:ext uri="{FF2B5EF4-FFF2-40B4-BE49-F238E27FC236}">
-                <a16:creationId xmlns:a16="http://schemas.microsoft.com/office/drawing/2014/main" id="{609E7E58-E48D-4CBC-917B-91CE32AE400D}"/>
+          <p:cNvPr id="3" name="Straight Arrow Connector 2">
+            <a:extLst>
+              <a:ext uri="{FF2B5EF4-FFF2-40B4-BE49-F238E27FC236}">
+                <a16:creationId xmlns:a16="http://schemas.microsoft.com/office/drawing/2014/main" id="{0FBEE002-F014-40C3-A45B-A122C896341C}"/>
               </a:ext>
             </a:extLst>
           </p:cNvPr>
@@ -5796,8 +5637,8 @@
         </p:nvCxnSpPr>
         <p:spPr>
           <a:xfrm flipH="1" flipV="1">
-            <a:off x="1618780" y="905608"/>
-            <a:ext cx="652137" cy="1881554"/>
+            <a:off x="4513277" y="1912690"/>
+            <a:ext cx="1732194" cy="425185"/>
           </a:xfrm>
           <a:prstGeom prst="straightConnector1">
             <a:avLst/>
@@ -5831,10 +5672,61 @@
       </p:cxnSp>
       <p:sp>
         <p:nvSpPr>
+          <p:cNvPr id="4" name="TextBox 3">
+            <a:extLst>
+              <a:ext uri="{FF2B5EF4-FFF2-40B4-BE49-F238E27FC236}">
+                <a16:creationId xmlns:a16="http://schemas.microsoft.com/office/drawing/2014/main" id="{7F466322-7700-4585-BA78-62C333A130B9}"/>
+              </a:ext>
+            </a:extLst>
+          </p:cNvPr>
+          <p:cNvSpPr txBox="1"/>
+          <p:nvPr/>
+        </p:nvSpPr>
+        <p:spPr>
+          <a:xfrm>
+            <a:off x="5886270" y="805191"/>
+            <a:ext cx="4153080" cy="523220"/>
+          </a:xfrm>
+          <a:prstGeom prst="rect">
+            <a:avLst/>
+          </a:prstGeom>
+          <a:solidFill>
+            <a:schemeClr val="accent6">
+              <a:lumMod val="60000"/>
+              <a:lumOff val="40000"/>
+            </a:schemeClr>
+          </a:solidFill>
+          <a:ln>
+            <a:noFill/>
+          </a:ln>
+        </p:spPr>
+        <p:txBody>
+          <a:bodyPr wrap="square" rtlCol="0">
+            <a:spAutoFit/>
+          </a:bodyPr>
+          <a:lstStyle/>
+          <a:p>
+            <a:r>
+              <a:rPr lang="en-US" sz="2800" dirty="0">
+                <a:solidFill>
+                  <a:schemeClr val="tx2">
+                    <a:lumMod val="75000"/>
+                  </a:schemeClr>
+                </a:solidFill>
+                <a:latin typeface="Montserrat" panose="00000500000000000000" pitchFamily="2" charset="0"/>
+                <a:ea typeface="Roboto" panose="02000000000000000000" pitchFamily="2" charset="0"/>
+              </a:rPr>
+              <a:t>Tab four is called Shift</a:t>
+            </a:r>
+          </a:p>
+        </p:txBody>
+      </p:sp>
+      <p:sp>
+        <p:nvSpPr>
           <p:cNvPr id="5" name="Rectangle: Rounded Corners 4">
             <a:extLst>
               <a:ext uri="{FF2B5EF4-FFF2-40B4-BE49-F238E27FC236}">
-                <a16:creationId xmlns:a16="http://schemas.microsoft.com/office/drawing/2014/main" id="{5A6FF295-31A0-4652-9A39-9F5D5DCD098B}"/>
+                <a16:creationId xmlns:a16="http://schemas.microsoft.com/office/drawing/2014/main" id="{61EC425C-2B15-4C61-A666-DF60DC059FF6}"/>
               </a:ext>
             </a:extLst>
           </p:cNvPr>
@@ -5843,8 +5735,8 @@
         </p:nvSpPr>
         <p:spPr>
           <a:xfrm>
-            <a:off x="864393" y="220307"/>
-            <a:ext cx="1776413" cy="536931"/>
+            <a:off x="1640680" y="28574"/>
+            <a:ext cx="409575" cy="256651"/>
           </a:xfrm>
           <a:prstGeom prst="roundRect">
             <a:avLst/>
@@ -5889,7 +5781,7 @@
           <p:cNvPr id="6" name="TextBox 5">
             <a:extLst>
               <a:ext uri="{FF2B5EF4-FFF2-40B4-BE49-F238E27FC236}">
-                <a16:creationId xmlns:a16="http://schemas.microsoft.com/office/drawing/2014/main" id="{4871DB6E-05AB-42AC-8FCC-70E4F53FF99C}"/>
+                <a16:creationId xmlns:a16="http://schemas.microsoft.com/office/drawing/2014/main" id="{93C134E4-4CBF-4F2E-8119-930A084B4C95}"/>
               </a:ext>
             </a:extLst>
           </p:cNvPr>
@@ -5898,8 +5790,8 @@
         </p:nvSpPr>
         <p:spPr>
           <a:xfrm>
-            <a:off x="662378" y="3139842"/>
-            <a:ext cx="4700930" cy="1384995"/>
+            <a:off x="6582754" y="2014145"/>
+            <a:ext cx="4094771" cy="954107"/>
           </a:xfrm>
           <a:prstGeom prst="rect">
             <a:avLst/>
@@ -5930,39 +5822,64 @@
                 <a:latin typeface="Montserrat" panose="00000500000000000000" pitchFamily="2" charset="0"/>
                 <a:ea typeface="Roboto" panose="02000000000000000000" pitchFamily="2" charset="0"/>
               </a:rPr>
-              <a:t>The </a:t>
-            </a:r>
-            <a:r>
-              <a:rPr lang="en-US" sz="2800" b="1" dirty="0">
-                <a:solidFill>
-                  <a:schemeClr val="tx2">
-                    <a:lumMod val="75000"/>
-                  </a:schemeClr>
-                </a:solidFill>
-                <a:latin typeface="Montserrat" panose="00000500000000000000" pitchFamily="2" charset="0"/>
-                <a:ea typeface="Roboto" panose="02000000000000000000" pitchFamily="2" charset="0"/>
-              </a:rPr>
-              <a:t>Table</a:t>
-            </a:r>
-            <a:r>
-              <a:rPr lang="en-US" sz="2800" dirty="0">
-                <a:solidFill>
-                  <a:schemeClr val="tx2">
-                    <a:lumMod val="75000"/>
-                  </a:schemeClr>
-                </a:solidFill>
-                <a:latin typeface="Montserrat" panose="00000500000000000000" pitchFamily="2" charset="0"/>
-                <a:ea typeface="Roboto" panose="02000000000000000000" pitchFamily="2" charset="0"/>
-              </a:rPr>
-              <a:t> section adjusts what Sub-Project properties are displayed</a:t>
-            </a:r>
-          </a:p>
-        </p:txBody>
-      </p:sp>
+              <a:t>Shifts are displayed in this table</a:t>
+            </a:r>
+          </a:p>
+        </p:txBody>
+      </p:sp>
+      <p:cxnSp>
+        <p:nvCxnSpPr>
+          <p:cNvPr id="7" name="Straight Arrow Connector 6">
+            <a:extLst>
+              <a:ext uri="{FF2B5EF4-FFF2-40B4-BE49-F238E27FC236}">
+                <a16:creationId xmlns:a16="http://schemas.microsoft.com/office/drawing/2014/main" id="{4712539A-800F-435D-B1AE-4C8E216258A4}"/>
+              </a:ext>
+            </a:extLst>
+          </p:cNvPr>
+          <p:cNvCxnSpPr>
+            <a:cxnSpLocks/>
+          </p:cNvCxnSpPr>
+          <p:nvPr/>
+        </p:nvCxnSpPr>
+        <p:spPr>
+          <a:xfrm flipH="1" flipV="1">
+            <a:off x="2235445" y="285226"/>
+            <a:ext cx="3497140" cy="756674"/>
+          </a:xfrm>
+          <a:prstGeom prst="straightConnector1">
+            <a:avLst/>
+          </a:prstGeom>
+          <a:ln w="57150" cap="flat" cmpd="sng" algn="ctr">
+            <a:solidFill>
+              <a:schemeClr val="tx2">
+                <a:lumMod val="75000"/>
+              </a:schemeClr>
+            </a:solidFill>
+            <a:prstDash val="solid"/>
+            <a:round/>
+            <a:headEnd type="none" w="med" len="med"/>
+            <a:tailEnd type="arrow" w="med" len="med"/>
+          </a:ln>
+        </p:spPr>
+        <p:style>
+          <a:lnRef idx="0">
+            <a:scrgbClr r="0" g="0" b="0"/>
+          </a:lnRef>
+          <a:fillRef idx="0">
+            <a:scrgbClr r="0" g="0" b="0"/>
+          </a:fillRef>
+          <a:effectRef idx="0">
+            <a:scrgbClr r="0" g="0" b="0"/>
+          </a:effectRef>
+          <a:fontRef idx="minor">
+            <a:schemeClr val="tx1"/>
+          </a:fontRef>
+        </p:style>
+      </p:cxnSp>
     </p:spTree>
     <p:extLst>
       <p:ext uri="{BB962C8B-B14F-4D97-AF65-F5344CB8AC3E}">
-        <p14:creationId xmlns:p14="http://schemas.microsoft.com/office/powerpoint/2010/main" val="3624553944"/>
+        <p14:creationId xmlns:p14="http://schemas.microsoft.com/office/powerpoint/2010/main" val="1744000543"/>
       </p:ext>
     </p:extLst>
   </p:cSld>
@@ -5994,7 +5911,7 @@
           <p:cNvPr id="2" name="Picture 1">
             <a:extLst>
               <a:ext uri="{FF2B5EF4-FFF2-40B4-BE49-F238E27FC236}">
-                <a16:creationId xmlns:a16="http://schemas.microsoft.com/office/drawing/2014/main" id="{5CB6C41A-B26C-4518-96C4-5A862269C39F}"/>
+                <a16:creationId xmlns:a16="http://schemas.microsoft.com/office/drawing/2014/main" id="{5512AE27-0B71-4260-A706-E65EED8D6909}"/>
               </a:ext>
             </a:extLst>
           </p:cNvPr>
@@ -6019,12 +5936,42 @@
           </a:prstGeom>
         </p:spPr>
       </p:pic>
+      <p:pic>
+        <p:nvPicPr>
+          <p:cNvPr id="8" name="Picture 7">
+            <a:extLst>
+              <a:ext uri="{FF2B5EF4-FFF2-40B4-BE49-F238E27FC236}">
+                <a16:creationId xmlns:a16="http://schemas.microsoft.com/office/drawing/2014/main" id="{53B6F180-EED2-4573-8996-79ED449BCDCF}"/>
+              </a:ext>
+            </a:extLst>
+          </p:cNvPr>
+          <p:cNvPicPr>
+            <a:picLocks noChangeAspect="1"/>
+          </p:cNvPicPr>
+          <p:nvPr/>
+        </p:nvPicPr>
+        <p:blipFill>
+          <a:blip r:embed="rId3"/>
+          <a:stretch>
+            <a:fillRect/>
+          </a:stretch>
+        </p:blipFill>
+        <p:spPr>
+          <a:xfrm>
+            <a:off x="0" y="0"/>
+            <a:ext cx="12192000" cy="6858000"/>
+          </a:xfrm>
+          <a:prstGeom prst="rect">
+            <a:avLst/>
+          </a:prstGeom>
+        </p:spPr>
+      </p:pic>
       <p:cxnSp>
         <p:nvCxnSpPr>
           <p:cNvPr id="3" name="Straight Arrow Connector 2">
             <a:extLst>
               <a:ext uri="{FF2B5EF4-FFF2-40B4-BE49-F238E27FC236}">
-                <a16:creationId xmlns:a16="http://schemas.microsoft.com/office/drawing/2014/main" id="{0FBEE002-F014-40C3-A45B-A122C896341C}"/>
+                <a16:creationId xmlns:a16="http://schemas.microsoft.com/office/drawing/2014/main" id="{F59116D8-5274-4829-A305-CA3E4AB318D3}"/>
               </a:ext>
             </a:extLst>
           </p:cNvPr>
@@ -6034,9 +5981,9 @@
           <p:nvPr/>
         </p:nvCxnSpPr>
         <p:spPr>
-          <a:xfrm flipH="1" flipV="1">
-            <a:off x="3736731" y="1847091"/>
-            <a:ext cx="2508740" cy="490784"/>
+          <a:xfrm flipH="1">
+            <a:off x="1644162" y="470560"/>
+            <a:ext cx="3341077" cy="0"/>
           </a:xfrm>
           <a:prstGeom prst="straightConnector1">
             <a:avLst/>
@@ -6073,7 +6020,7 @@
           <p:cNvPr id="4" name="TextBox 3">
             <a:extLst>
               <a:ext uri="{FF2B5EF4-FFF2-40B4-BE49-F238E27FC236}">
-                <a16:creationId xmlns:a16="http://schemas.microsoft.com/office/drawing/2014/main" id="{7F466322-7700-4585-BA78-62C333A130B9}"/>
+                <a16:creationId xmlns:a16="http://schemas.microsoft.com/office/drawing/2014/main" id="{54D53102-BD42-4D62-80FC-821647720590}"/>
               </a:ext>
             </a:extLst>
           </p:cNvPr>
@@ -6082,8 +6029,8 @@
         </p:nvSpPr>
         <p:spPr>
           <a:xfrm>
-            <a:off x="5886270" y="805191"/>
-            <a:ext cx="4153080" cy="523220"/>
+            <a:off x="5215211" y="150734"/>
+            <a:ext cx="5579789" cy="523220"/>
           </a:xfrm>
           <a:prstGeom prst="rect">
             <a:avLst/>
@@ -6114,7 +6061,7 @@
                 <a:latin typeface="Montserrat" panose="00000500000000000000" pitchFamily="2" charset="0"/>
                 <a:ea typeface="Roboto" panose="02000000000000000000" pitchFamily="2" charset="0"/>
               </a:rPr>
-              <a:t>Tab four is called Shift</a:t>
+              <a:t>There are three Shift functions</a:t>
             </a:r>
           </a:p>
         </p:txBody>
@@ -6124,7 +6071,7 @@
           <p:cNvPr id="5" name="Rectangle: Rounded Corners 4">
             <a:extLst>
               <a:ext uri="{FF2B5EF4-FFF2-40B4-BE49-F238E27FC236}">
-                <a16:creationId xmlns:a16="http://schemas.microsoft.com/office/drawing/2014/main" id="{61EC425C-2B15-4C61-A666-DF60DC059FF6}"/>
+                <a16:creationId xmlns:a16="http://schemas.microsoft.com/office/drawing/2014/main" id="{5DE2F60E-B12A-4611-BB33-A57BAF41CFC1}"/>
               </a:ext>
             </a:extLst>
           </p:cNvPr>
@@ -6133,8 +6080,8 @@
         </p:nvSpPr>
         <p:spPr>
           <a:xfrm>
-            <a:off x="1640680" y="28574"/>
-            <a:ext cx="409575" cy="256651"/>
+            <a:off x="83343" y="208950"/>
+            <a:ext cx="1021557" cy="557813"/>
           </a:xfrm>
           <a:prstGeom prst="roundRect">
             <a:avLst/>
@@ -6179,7 +6126,7 @@
           <p:cNvPr id="6" name="TextBox 5">
             <a:extLst>
               <a:ext uri="{FF2B5EF4-FFF2-40B4-BE49-F238E27FC236}">
-                <a16:creationId xmlns:a16="http://schemas.microsoft.com/office/drawing/2014/main" id="{93C134E4-4CBF-4F2E-8119-930A084B4C95}"/>
+                <a16:creationId xmlns:a16="http://schemas.microsoft.com/office/drawing/2014/main" id="{C2F7CD2F-D094-46EA-9DBB-E68892D2D18C}"/>
               </a:ext>
             </a:extLst>
           </p:cNvPr>
@@ -6188,8 +6135,8 @@
         </p:nvSpPr>
         <p:spPr>
           <a:xfrm>
-            <a:off x="6582754" y="2014145"/>
-            <a:ext cx="4094771" cy="954107"/>
+            <a:off x="3127621" y="1037725"/>
+            <a:ext cx="4721468" cy="1815882"/>
           </a:xfrm>
           <a:prstGeom prst="rect">
             <a:avLst/>
@@ -6211,7 +6158,7 @@
           <a:lstStyle/>
           <a:p>
             <a:r>
-              <a:rPr lang="en-US" sz="2800" dirty="0">
+              <a:rPr lang="en-US" sz="2800" b="1" dirty="0">
                 <a:solidFill>
                   <a:schemeClr val="tx2">
                     <a:lumMod val="75000"/>
@@ -6220,64 +6167,306 @@
                 <a:latin typeface="Montserrat" panose="00000500000000000000" pitchFamily="2" charset="0"/>
                 <a:ea typeface="Roboto" panose="02000000000000000000" pitchFamily="2" charset="0"/>
               </a:rPr>
-              <a:t>Shifts are displayed in this table</a:t>
-            </a:r>
-          </a:p>
-        </p:txBody>
-      </p:sp>
-      <p:cxnSp>
-        <p:nvCxnSpPr>
-          <p:cNvPr id="7" name="Straight Arrow Connector 6">
-            <a:extLst>
-              <a:ext uri="{FF2B5EF4-FFF2-40B4-BE49-F238E27FC236}">
-                <a16:creationId xmlns:a16="http://schemas.microsoft.com/office/drawing/2014/main" id="{4712539A-800F-435D-B1AE-4C8E216258A4}"/>
-              </a:ext>
-            </a:extLst>
-          </p:cNvPr>
-          <p:cNvCxnSpPr>
-            <a:cxnSpLocks/>
-          </p:cNvCxnSpPr>
-          <p:nvPr/>
-        </p:nvCxnSpPr>
-        <p:spPr>
-          <a:xfrm flipH="1" flipV="1">
-            <a:off x="2235445" y="285226"/>
-            <a:ext cx="3497140" cy="756674"/>
-          </a:xfrm>
-          <a:prstGeom prst="straightConnector1">
-            <a:avLst/>
-          </a:prstGeom>
-          <a:ln w="57150" cap="flat" cmpd="sng" algn="ctr">
-            <a:solidFill>
-              <a:schemeClr val="tx2">
-                <a:lumMod val="75000"/>
-              </a:schemeClr>
-            </a:solidFill>
-            <a:prstDash val="solid"/>
-            <a:round/>
-            <a:headEnd type="none" w="med" len="med"/>
-            <a:tailEnd type="arrow" w="med" len="med"/>
+              <a:t>Add Shift</a:t>
+            </a:r>
+            <a:r>
+              <a:rPr lang="en-US" sz="2800" dirty="0">
+                <a:solidFill>
+                  <a:schemeClr val="tx2">
+                    <a:lumMod val="75000"/>
+                  </a:schemeClr>
+                </a:solidFill>
+                <a:latin typeface="Montserrat" panose="00000500000000000000" pitchFamily="2" charset="0"/>
+                <a:ea typeface="Roboto" panose="02000000000000000000" pitchFamily="2" charset="0"/>
+              </a:rPr>
+              <a:t>: </a:t>
+            </a:r>
+          </a:p>
+          <a:p>
+            <a:pPr marL="514350" indent="-514350">
+              <a:buAutoNum type="arabicPeriod"/>
+            </a:pPr>
+            <a:r>
+              <a:rPr lang="en-US" sz="2800" dirty="0">
+                <a:solidFill>
+                  <a:schemeClr val="tx2">
+                    <a:lumMod val="75000"/>
+                  </a:schemeClr>
+                </a:solidFill>
+                <a:latin typeface="Montserrat" panose="00000500000000000000" pitchFamily="2" charset="0"/>
+                <a:ea typeface="Roboto" panose="02000000000000000000" pitchFamily="2" charset="0"/>
+              </a:rPr>
+              <a:t>Click Add</a:t>
+            </a:r>
+          </a:p>
+          <a:p>
+            <a:pPr marL="514350" indent="-514350">
+              <a:buAutoNum type="arabicPeriod"/>
+            </a:pPr>
+            <a:r>
+              <a:rPr lang="en-US" sz="2800" dirty="0">
+                <a:solidFill>
+                  <a:schemeClr val="tx2">
+                    <a:lumMod val="75000"/>
+                  </a:schemeClr>
+                </a:solidFill>
+                <a:latin typeface="Montserrat" panose="00000500000000000000" pitchFamily="2" charset="0"/>
+                <a:ea typeface="Roboto" panose="02000000000000000000" pitchFamily="2" charset="0"/>
+              </a:rPr>
+              <a:t>Fill in provided dialog</a:t>
+            </a:r>
+          </a:p>
+          <a:p>
+            <a:pPr marL="514350" indent="-514350">
+              <a:buAutoNum type="arabicPeriod"/>
+            </a:pPr>
+            <a:r>
+              <a:rPr lang="en-US" sz="2800" dirty="0">
+                <a:solidFill>
+                  <a:schemeClr val="tx2">
+                    <a:lumMod val="75000"/>
+                  </a:schemeClr>
+                </a:solidFill>
+                <a:latin typeface="Montserrat" panose="00000500000000000000" pitchFamily="2" charset="0"/>
+                <a:ea typeface="Roboto" panose="02000000000000000000" pitchFamily="2" charset="0"/>
+              </a:rPr>
+              <a:t>Press finish</a:t>
+            </a:r>
+          </a:p>
+        </p:txBody>
+      </p:sp>
+      <p:sp>
+        <p:nvSpPr>
+          <p:cNvPr id="7" name="TextBox 6">
+            <a:extLst>
+              <a:ext uri="{FF2B5EF4-FFF2-40B4-BE49-F238E27FC236}">
+                <a16:creationId xmlns:a16="http://schemas.microsoft.com/office/drawing/2014/main" id="{46DD7E34-F844-4E75-BCEA-AF2467E73C2B}"/>
+              </a:ext>
+            </a:extLst>
+          </p:cNvPr>
+          <p:cNvSpPr txBox="1"/>
+          <p:nvPr/>
+        </p:nvSpPr>
+        <p:spPr>
+          <a:xfrm>
+            <a:off x="1008187" y="3217378"/>
+            <a:ext cx="4721468" cy="2677656"/>
+          </a:xfrm>
+          <a:prstGeom prst="rect">
+            <a:avLst/>
+          </a:prstGeom>
+          <a:solidFill>
+            <a:schemeClr val="accent6">
+              <a:lumMod val="60000"/>
+              <a:lumOff val="40000"/>
+            </a:schemeClr>
+          </a:solidFill>
+          <a:ln>
+            <a:noFill/>
           </a:ln>
         </p:spPr>
-        <p:style>
-          <a:lnRef idx="0">
-            <a:scrgbClr r="0" g="0" b="0"/>
-          </a:lnRef>
-          <a:fillRef idx="0">
-            <a:scrgbClr r="0" g="0" b="0"/>
-          </a:fillRef>
-          <a:effectRef idx="0">
-            <a:scrgbClr r="0" g="0" b="0"/>
-          </a:effectRef>
-          <a:fontRef idx="minor">
-            <a:schemeClr val="tx1"/>
-          </a:fontRef>
-        </p:style>
-      </p:cxnSp>
+        <p:txBody>
+          <a:bodyPr wrap="square" rtlCol="0">
+            <a:spAutoFit/>
+          </a:bodyPr>
+          <a:lstStyle/>
+          <a:p>
+            <a:r>
+              <a:rPr lang="en-US" sz="2800" b="1" dirty="0">
+                <a:solidFill>
+                  <a:schemeClr val="tx2">
+                    <a:lumMod val="75000"/>
+                  </a:schemeClr>
+                </a:solidFill>
+                <a:latin typeface="Montserrat" panose="00000500000000000000" pitchFamily="2" charset="0"/>
+                <a:ea typeface="Roboto" panose="02000000000000000000" pitchFamily="2" charset="0"/>
+              </a:rPr>
+              <a:t>Edit Shift</a:t>
+            </a:r>
+            <a:r>
+              <a:rPr lang="en-US" sz="2800" dirty="0">
+                <a:solidFill>
+                  <a:schemeClr val="tx2">
+                    <a:lumMod val="75000"/>
+                  </a:schemeClr>
+                </a:solidFill>
+                <a:latin typeface="Montserrat" panose="00000500000000000000" pitchFamily="2" charset="0"/>
+                <a:ea typeface="Roboto" panose="02000000000000000000" pitchFamily="2" charset="0"/>
+              </a:rPr>
+              <a:t>: </a:t>
+            </a:r>
+          </a:p>
+          <a:p>
+            <a:pPr marL="514350" indent="-514350">
+              <a:buAutoNum type="arabicPeriod"/>
+            </a:pPr>
+            <a:r>
+              <a:rPr lang="en-US" sz="2800" dirty="0">
+                <a:solidFill>
+                  <a:schemeClr val="tx2">
+                    <a:lumMod val="75000"/>
+                  </a:schemeClr>
+                </a:solidFill>
+                <a:latin typeface="Montserrat" panose="00000500000000000000" pitchFamily="2" charset="0"/>
+                <a:ea typeface="Roboto" panose="02000000000000000000" pitchFamily="2" charset="0"/>
+              </a:rPr>
+              <a:t>Select Sub-Project from table</a:t>
+            </a:r>
+          </a:p>
+          <a:p>
+            <a:pPr marL="514350" indent="-514350">
+              <a:buAutoNum type="arabicPeriod"/>
+            </a:pPr>
+            <a:r>
+              <a:rPr lang="en-US" sz="2800" dirty="0">
+                <a:solidFill>
+                  <a:schemeClr val="tx2">
+                    <a:lumMod val="75000"/>
+                  </a:schemeClr>
+                </a:solidFill>
+                <a:latin typeface="Montserrat" panose="00000500000000000000" pitchFamily="2" charset="0"/>
+                <a:ea typeface="Roboto" panose="02000000000000000000" pitchFamily="2" charset="0"/>
+              </a:rPr>
+              <a:t>Click Edit</a:t>
+            </a:r>
+          </a:p>
+          <a:p>
+            <a:pPr marL="514350" indent="-514350">
+              <a:buAutoNum type="arabicPeriod"/>
+            </a:pPr>
+            <a:r>
+              <a:rPr lang="en-US" sz="2800" dirty="0">
+                <a:solidFill>
+                  <a:schemeClr val="tx2">
+                    <a:lumMod val="75000"/>
+                  </a:schemeClr>
+                </a:solidFill>
+                <a:latin typeface="Montserrat" panose="00000500000000000000" pitchFamily="2" charset="0"/>
+                <a:ea typeface="Roboto" panose="02000000000000000000" pitchFamily="2" charset="0"/>
+              </a:rPr>
+              <a:t>Fill in provided dialog</a:t>
+            </a:r>
+          </a:p>
+          <a:p>
+            <a:pPr marL="514350" indent="-514350">
+              <a:buAutoNum type="arabicPeriod"/>
+            </a:pPr>
+            <a:r>
+              <a:rPr lang="en-US" sz="2800" dirty="0">
+                <a:solidFill>
+                  <a:schemeClr val="tx2">
+                    <a:lumMod val="75000"/>
+                  </a:schemeClr>
+                </a:solidFill>
+                <a:latin typeface="Montserrat" panose="00000500000000000000" pitchFamily="2" charset="0"/>
+                <a:ea typeface="Roboto" panose="02000000000000000000" pitchFamily="2" charset="0"/>
+              </a:rPr>
+              <a:t>Press finish</a:t>
+            </a:r>
+          </a:p>
+        </p:txBody>
+      </p:sp>
+      <p:sp>
+        <p:nvSpPr>
+          <p:cNvPr id="11" name="TextBox 10">
+            <a:extLst>
+              <a:ext uri="{FF2B5EF4-FFF2-40B4-BE49-F238E27FC236}">
+                <a16:creationId xmlns:a16="http://schemas.microsoft.com/office/drawing/2014/main" id="{560A46D8-280C-48B4-9334-49673E53D0CE}"/>
+              </a:ext>
+            </a:extLst>
+          </p:cNvPr>
+          <p:cNvSpPr txBox="1"/>
+          <p:nvPr/>
+        </p:nvSpPr>
+        <p:spPr>
+          <a:xfrm>
+            <a:off x="6481887" y="3429000"/>
+            <a:ext cx="4721468" cy="1384995"/>
+          </a:xfrm>
+          <a:prstGeom prst="rect">
+            <a:avLst/>
+          </a:prstGeom>
+          <a:solidFill>
+            <a:schemeClr val="accent6">
+              <a:lumMod val="60000"/>
+              <a:lumOff val="40000"/>
+            </a:schemeClr>
+          </a:solidFill>
+          <a:ln>
+            <a:noFill/>
+          </a:ln>
+        </p:spPr>
+        <p:txBody>
+          <a:bodyPr wrap="square" rtlCol="0">
+            <a:spAutoFit/>
+          </a:bodyPr>
+          <a:lstStyle/>
+          <a:p>
+            <a:r>
+              <a:rPr lang="en-US" sz="2800" b="1" dirty="0">
+                <a:solidFill>
+                  <a:schemeClr val="tx2">
+                    <a:lumMod val="75000"/>
+                  </a:schemeClr>
+                </a:solidFill>
+                <a:latin typeface="Montserrat" panose="00000500000000000000" pitchFamily="2" charset="0"/>
+                <a:ea typeface="Roboto" panose="02000000000000000000" pitchFamily="2" charset="0"/>
+              </a:rPr>
+              <a:t>Delete Shift</a:t>
+            </a:r>
+            <a:r>
+              <a:rPr lang="en-US" sz="2800" dirty="0">
+                <a:solidFill>
+                  <a:schemeClr val="tx2">
+                    <a:lumMod val="75000"/>
+                  </a:schemeClr>
+                </a:solidFill>
+                <a:latin typeface="Montserrat" panose="00000500000000000000" pitchFamily="2" charset="0"/>
+                <a:ea typeface="Roboto" panose="02000000000000000000" pitchFamily="2" charset="0"/>
+              </a:rPr>
+              <a:t>: </a:t>
+            </a:r>
+          </a:p>
+          <a:p>
+            <a:pPr marL="514350" indent="-514350">
+              <a:buAutoNum type="arabicPeriod"/>
+            </a:pPr>
+            <a:r>
+              <a:rPr lang="en-US" sz="2800" dirty="0">
+                <a:solidFill>
+                  <a:schemeClr val="tx2">
+                    <a:lumMod val="75000"/>
+                  </a:schemeClr>
+                </a:solidFill>
+                <a:latin typeface="Montserrat" panose="00000500000000000000" pitchFamily="2" charset="0"/>
+                <a:ea typeface="Roboto" panose="02000000000000000000" pitchFamily="2" charset="0"/>
+              </a:rPr>
+              <a:t>Select Shift from table</a:t>
+            </a:r>
+          </a:p>
+          <a:p>
+            <a:pPr marL="514350" indent="-514350">
+              <a:buAutoNum type="arabicPeriod"/>
+            </a:pPr>
+            <a:r>
+              <a:rPr lang="en-US" sz="2800" dirty="0">
+                <a:solidFill>
+                  <a:schemeClr val="tx2">
+                    <a:lumMod val="75000"/>
+                  </a:schemeClr>
+                </a:solidFill>
+                <a:latin typeface="Montserrat" panose="00000500000000000000" pitchFamily="2" charset="0"/>
+                <a:ea typeface="Roboto" panose="02000000000000000000" pitchFamily="2" charset="0"/>
+              </a:rPr>
+              <a:t>Click Delete</a:t>
+            </a:r>
+          </a:p>
+        </p:txBody>
+      </p:sp>
     </p:spTree>
     <p:extLst>
       <p:ext uri="{BB962C8B-B14F-4D97-AF65-F5344CB8AC3E}">
-        <p14:creationId xmlns:p14="http://schemas.microsoft.com/office/powerpoint/2010/main" val="1744000543"/>
+        <p14:creationId xmlns:p14="http://schemas.microsoft.com/office/powerpoint/2010/main" val="995532438"/>
       </p:ext>
     </p:extLst>
   </p:cSld>
@@ -6309,7 +6498,7 @@
           <p:cNvPr id="2" name="Picture 1">
             <a:extLst>
               <a:ext uri="{FF2B5EF4-FFF2-40B4-BE49-F238E27FC236}">
-                <a16:creationId xmlns:a16="http://schemas.microsoft.com/office/drawing/2014/main" id="{5512AE27-0B71-4260-A706-E65EED8D6909}"/>
+                <a16:creationId xmlns:a16="http://schemas.microsoft.com/office/drawing/2014/main" id="{3F181EFC-384C-49CF-AE04-4460C273761E}"/>
               </a:ext>
             </a:extLst>
           </p:cNvPr>
@@ -6334,12 +6523,93 @@
           </a:prstGeom>
         </p:spPr>
       </p:pic>
+      <p:pic>
+        <p:nvPicPr>
+          <p:cNvPr id="5" name="Picture 4">
+            <a:extLst>
+              <a:ext uri="{FF2B5EF4-FFF2-40B4-BE49-F238E27FC236}">
+                <a16:creationId xmlns:a16="http://schemas.microsoft.com/office/drawing/2014/main" id="{DC4CDF99-74A0-45EF-91AE-29B4DBE07877}"/>
+              </a:ext>
+            </a:extLst>
+          </p:cNvPr>
+          <p:cNvPicPr>
+            <a:picLocks noChangeAspect="1"/>
+          </p:cNvPicPr>
+          <p:nvPr/>
+        </p:nvPicPr>
+        <p:blipFill>
+          <a:blip r:embed="rId3"/>
+          <a:stretch>
+            <a:fillRect/>
+          </a:stretch>
+        </p:blipFill>
+        <p:spPr>
+          <a:xfrm>
+            <a:off x="0" y="0"/>
+            <a:ext cx="12192000" cy="6858000"/>
+          </a:xfrm>
+          <a:prstGeom prst="rect">
+            <a:avLst/>
+          </a:prstGeom>
+        </p:spPr>
+      </p:pic>
+      <p:sp>
+        <p:nvSpPr>
+          <p:cNvPr id="3" name="TextBox 2">
+            <a:extLst>
+              <a:ext uri="{FF2B5EF4-FFF2-40B4-BE49-F238E27FC236}">
+                <a16:creationId xmlns:a16="http://schemas.microsoft.com/office/drawing/2014/main" id="{5E65C75D-B5D5-49A9-93B7-363200FD342C}"/>
+              </a:ext>
+            </a:extLst>
+          </p:cNvPr>
+          <p:cNvSpPr txBox="1"/>
+          <p:nvPr/>
+        </p:nvSpPr>
+        <p:spPr>
+          <a:xfrm>
+            <a:off x="1008187" y="3217378"/>
+            <a:ext cx="4721468" cy="1815882"/>
+          </a:xfrm>
+          <a:prstGeom prst="rect">
+            <a:avLst/>
+          </a:prstGeom>
+          <a:solidFill>
+            <a:schemeClr val="accent6">
+              <a:lumMod val="60000"/>
+              <a:lumOff val="40000"/>
+            </a:schemeClr>
+          </a:solidFill>
+          <a:ln>
+            <a:noFill/>
+          </a:ln>
+        </p:spPr>
+        <p:txBody>
+          <a:bodyPr wrap="square" rtlCol="0">
+            <a:spAutoFit/>
+          </a:bodyPr>
+          <a:lstStyle/>
+          <a:p>
+            <a:r>
+              <a:rPr lang="en-US" sz="2800" dirty="0">
+                <a:solidFill>
+                  <a:schemeClr val="tx2">
+                    <a:lumMod val="75000"/>
+                  </a:schemeClr>
+                </a:solidFill>
+                <a:latin typeface="Montserrat" panose="00000500000000000000" pitchFamily="2" charset="0"/>
+                <a:ea typeface="Roboto" panose="02000000000000000000" pitchFamily="2" charset="0"/>
+              </a:rPr>
+              <a:t>Note  that a shift has as many rows as it needs for every thing that the person did</a:t>
+            </a:r>
+          </a:p>
+        </p:txBody>
+      </p:sp>
       <p:cxnSp>
         <p:nvCxnSpPr>
-          <p:cNvPr id="3" name="Straight Arrow Connector 2">
-            <a:extLst>
-              <a:ext uri="{FF2B5EF4-FFF2-40B4-BE49-F238E27FC236}">
-                <a16:creationId xmlns:a16="http://schemas.microsoft.com/office/drawing/2014/main" id="{F59116D8-5274-4829-A305-CA3E4AB318D3}"/>
+          <p:cNvPr id="4" name="Straight Arrow Connector 3">
+            <a:extLst>
+              <a:ext uri="{FF2B5EF4-FFF2-40B4-BE49-F238E27FC236}">
+                <a16:creationId xmlns:a16="http://schemas.microsoft.com/office/drawing/2014/main" id="{E71BB5A0-2153-4F65-8133-B4D2785EB730}"/>
               </a:ext>
             </a:extLst>
           </p:cNvPr>
@@ -6349,9 +6619,9 @@
           <p:nvPr/>
         </p:nvCxnSpPr>
         <p:spPr>
-          <a:xfrm flipH="1">
-            <a:off x="1644162" y="470560"/>
-            <a:ext cx="3341077" cy="0"/>
+          <a:xfrm flipH="1" flipV="1">
+            <a:off x="2933699" y="1879134"/>
+            <a:ext cx="85726" cy="1130767"/>
           </a:xfrm>
           <a:prstGeom prst="straightConnector1">
             <a:avLst/>
@@ -6385,61 +6655,10 @@
       </p:cxnSp>
       <p:sp>
         <p:nvSpPr>
-          <p:cNvPr id="4" name="TextBox 3">
-            <a:extLst>
-              <a:ext uri="{FF2B5EF4-FFF2-40B4-BE49-F238E27FC236}">
-                <a16:creationId xmlns:a16="http://schemas.microsoft.com/office/drawing/2014/main" id="{54D53102-BD42-4D62-80FC-821647720590}"/>
-              </a:ext>
-            </a:extLst>
-          </p:cNvPr>
-          <p:cNvSpPr txBox="1"/>
-          <p:nvPr/>
-        </p:nvSpPr>
-        <p:spPr>
-          <a:xfrm>
-            <a:off x="5215211" y="150734"/>
-            <a:ext cx="5579789" cy="523220"/>
-          </a:xfrm>
-          <a:prstGeom prst="rect">
-            <a:avLst/>
-          </a:prstGeom>
-          <a:solidFill>
-            <a:schemeClr val="accent6">
-              <a:lumMod val="60000"/>
-              <a:lumOff val="40000"/>
-            </a:schemeClr>
-          </a:solidFill>
-          <a:ln>
-            <a:noFill/>
-          </a:ln>
-        </p:spPr>
-        <p:txBody>
-          <a:bodyPr wrap="square" rtlCol="0">
-            <a:spAutoFit/>
-          </a:bodyPr>
-          <a:lstStyle/>
-          <a:p>
-            <a:r>
-              <a:rPr lang="en-US" sz="2800" dirty="0">
-                <a:solidFill>
-                  <a:schemeClr val="tx2">
-                    <a:lumMod val="75000"/>
-                  </a:schemeClr>
-                </a:solidFill>
-                <a:latin typeface="Montserrat" panose="00000500000000000000" pitchFamily="2" charset="0"/>
-                <a:ea typeface="Roboto" panose="02000000000000000000" pitchFamily="2" charset="0"/>
-              </a:rPr>
-              <a:t>There are three Shift functions</a:t>
-            </a:r>
-          </a:p>
-        </p:txBody>
-      </p:sp>
-      <p:sp>
-        <p:nvSpPr>
-          <p:cNvPr id="5" name="Rectangle: Rounded Corners 4">
-            <a:extLst>
-              <a:ext uri="{FF2B5EF4-FFF2-40B4-BE49-F238E27FC236}">
-                <a16:creationId xmlns:a16="http://schemas.microsoft.com/office/drawing/2014/main" id="{5DE2F60E-B12A-4611-BB33-A57BAF41CFC1}"/>
+          <p:cNvPr id="7" name="Rectangle: Rounded Corners 6">
+            <a:extLst>
+              <a:ext uri="{FF2B5EF4-FFF2-40B4-BE49-F238E27FC236}">
+                <a16:creationId xmlns:a16="http://schemas.microsoft.com/office/drawing/2014/main" id="{8596EB29-99D7-4C1F-88C7-79682E8962A1}"/>
               </a:ext>
             </a:extLst>
           </p:cNvPr>
@@ -6448,8 +6667,8 @@
         </p:nvSpPr>
         <p:spPr>
           <a:xfrm>
-            <a:off x="83343" y="208950"/>
-            <a:ext cx="1021557" cy="557813"/>
+            <a:off x="0" y="1127010"/>
+            <a:ext cx="12192000" cy="452110"/>
           </a:xfrm>
           <a:prstGeom prst="roundRect">
             <a:avLst/>
@@ -6491,10 +6710,10 @@
       </p:sp>
       <p:sp>
         <p:nvSpPr>
-          <p:cNvPr id="6" name="TextBox 5">
-            <a:extLst>
-              <a:ext uri="{FF2B5EF4-FFF2-40B4-BE49-F238E27FC236}">
-                <a16:creationId xmlns:a16="http://schemas.microsoft.com/office/drawing/2014/main" id="{C2F7CD2F-D094-46EA-9DBB-E68892D2D18C}"/>
+          <p:cNvPr id="9" name="TextBox 8">
+            <a:extLst>
+              <a:ext uri="{FF2B5EF4-FFF2-40B4-BE49-F238E27FC236}">
+                <a16:creationId xmlns:a16="http://schemas.microsoft.com/office/drawing/2014/main" id="{F43E3B69-F270-4B98-81FA-B89E2C7C4C23}"/>
               </a:ext>
             </a:extLst>
           </p:cNvPr>
@@ -6503,7 +6722,7 @@
         </p:nvSpPr>
         <p:spPr>
           <a:xfrm>
-            <a:off x="3127621" y="1037725"/>
+            <a:off x="6523162" y="3276516"/>
             <a:ext cx="4721468" cy="1815882"/>
           </a:xfrm>
           <a:prstGeom prst="rect">
@@ -6526,7 +6745,7 @@
           <a:lstStyle/>
           <a:p>
             <a:r>
-              <a:rPr lang="en-US" sz="2800" b="1" dirty="0">
+              <a:rPr lang="en-US" sz="2800" dirty="0">
                 <a:solidFill>
                   <a:schemeClr val="tx2">
                     <a:lumMod val="75000"/>
@@ -6535,80 +6754,17 @@
                 <a:latin typeface="Montserrat" panose="00000500000000000000" pitchFamily="2" charset="0"/>
                 <a:ea typeface="Roboto" panose="02000000000000000000" pitchFamily="2" charset="0"/>
               </a:rPr>
-              <a:t>Add Shift</a:t>
-            </a:r>
-            <a:r>
-              <a:rPr lang="en-US" sz="2800" dirty="0">
-                <a:solidFill>
-                  <a:schemeClr val="tx2">
-                    <a:lumMod val="75000"/>
-                  </a:schemeClr>
-                </a:solidFill>
-                <a:latin typeface="Montserrat" panose="00000500000000000000" pitchFamily="2" charset="0"/>
-                <a:ea typeface="Roboto" panose="02000000000000000000" pitchFamily="2" charset="0"/>
-              </a:rPr>
-              <a:t>: </a:t>
-            </a:r>
-          </a:p>
-          <a:p>
-            <a:pPr marL="514350" indent="-514350">
-              <a:buAutoNum type="arabicPeriod"/>
-            </a:pPr>
-            <a:r>
-              <a:rPr lang="en-US" sz="2800" dirty="0">
-                <a:solidFill>
-                  <a:schemeClr val="tx2">
-                    <a:lumMod val="75000"/>
-                  </a:schemeClr>
-                </a:solidFill>
-                <a:latin typeface="Montserrat" panose="00000500000000000000" pitchFamily="2" charset="0"/>
-                <a:ea typeface="Roboto" panose="02000000000000000000" pitchFamily="2" charset="0"/>
-              </a:rPr>
-              <a:t>Click Add</a:t>
-            </a:r>
-          </a:p>
-          <a:p>
-            <a:pPr marL="514350" indent="-514350">
-              <a:buAutoNum type="arabicPeriod"/>
-            </a:pPr>
-            <a:r>
-              <a:rPr lang="en-US" sz="2800" dirty="0">
-                <a:solidFill>
-                  <a:schemeClr val="tx2">
-                    <a:lumMod val="75000"/>
-                  </a:schemeClr>
-                </a:solidFill>
-                <a:latin typeface="Montserrat" panose="00000500000000000000" pitchFamily="2" charset="0"/>
-                <a:ea typeface="Roboto" panose="02000000000000000000" pitchFamily="2" charset="0"/>
-              </a:rPr>
-              <a:t>Fill in provided dialog</a:t>
-            </a:r>
-          </a:p>
-          <a:p>
-            <a:pPr marL="514350" indent="-514350">
-              <a:buAutoNum type="arabicPeriod"/>
-            </a:pPr>
-            <a:r>
-              <a:rPr lang="en-US" sz="2800" dirty="0">
-                <a:solidFill>
-                  <a:schemeClr val="tx2">
-                    <a:lumMod val="75000"/>
-                  </a:schemeClr>
-                </a:solidFill>
-                <a:latin typeface="Montserrat" panose="00000500000000000000" pitchFamily="2" charset="0"/>
-                <a:ea typeface="Roboto" panose="02000000000000000000" pitchFamily="2" charset="0"/>
-              </a:rPr>
-              <a:t>Press finish</a:t>
-            </a:r>
-          </a:p>
-        </p:txBody>
-      </p:sp>
-      <p:sp>
-        <p:nvSpPr>
-          <p:cNvPr id="7" name="TextBox 6">
-            <a:extLst>
-              <a:ext uri="{FF2B5EF4-FFF2-40B4-BE49-F238E27FC236}">
-                <a16:creationId xmlns:a16="http://schemas.microsoft.com/office/drawing/2014/main" id="{46DD7E34-F844-4E75-BCEA-AF2467E73C2B}"/>
+              <a:t>When you select a shift to Edit or Delete it you just have to click one of the rows for that shift.</a:t>
+            </a:r>
+          </a:p>
+        </p:txBody>
+      </p:sp>
+      <p:sp>
+        <p:nvSpPr>
+          <p:cNvPr id="10" name="TextBox 9">
+            <a:extLst>
+              <a:ext uri="{FF2B5EF4-FFF2-40B4-BE49-F238E27FC236}">
+                <a16:creationId xmlns:a16="http://schemas.microsoft.com/office/drawing/2014/main" id="{D262590F-56DC-43CF-99BD-F6C6F405FC22}"/>
               </a:ext>
             </a:extLst>
           </p:cNvPr>
@@ -6617,8 +6773,8 @@
         </p:nvSpPr>
         <p:spPr>
           <a:xfrm>
-            <a:off x="1008187" y="3217378"/>
-            <a:ext cx="4721468" cy="2677656"/>
+            <a:off x="2933699" y="5297221"/>
+            <a:ext cx="8124825" cy="954107"/>
           </a:xfrm>
           <a:prstGeom prst="rect">
             <a:avLst/>
@@ -6640,7 +6796,7 @@
           <a:lstStyle/>
           <a:p>
             <a:r>
-              <a:rPr lang="en-US" sz="2800" b="1" dirty="0">
+              <a:rPr lang="en-US" sz="2800" dirty="0">
                 <a:solidFill>
                   <a:schemeClr val="tx2">
                     <a:lumMod val="75000"/>
@@ -6649,8 +6805,10 @@
                 <a:latin typeface="Montserrat" panose="00000500000000000000" pitchFamily="2" charset="0"/>
                 <a:ea typeface="Roboto" panose="02000000000000000000" pitchFamily="2" charset="0"/>
               </a:rPr>
-              <a:t>Edit Shift</a:t>
-            </a:r>
+              <a:t>So for this example you could click rows</a:t>
+            </a:r>
+          </a:p>
+          <a:p>
             <a:r>
               <a:rPr lang="en-US" sz="2800" dirty="0">
                 <a:solidFill>
@@ -6661,172 +6819,7 @@
                 <a:latin typeface="Montserrat" panose="00000500000000000000" pitchFamily="2" charset="0"/>
                 <a:ea typeface="Roboto" panose="02000000000000000000" pitchFamily="2" charset="0"/>
               </a:rPr>
-              <a:t>: </a:t>
-            </a:r>
-          </a:p>
-          <a:p>
-            <a:pPr marL="514350" indent="-514350">
-              <a:buAutoNum type="arabicPeriod"/>
-            </a:pPr>
-            <a:r>
-              <a:rPr lang="en-US" sz="2800" dirty="0">
-                <a:solidFill>
-                  <a:schemeClr val="tx2">
-                    <a:lumMod val="75000"/>
-                  </a:schemeClr>
-                </a:solidFill>
-                <a:latin typeface="Montserrat" panose="00000500000000000000" pitchFamily="2" charset="0"/>
-                <a:ea typeface="Roboto" panose="02000000000000000000" pitchFamily="2" charset="0"/>
-              </a:rPr>
-              <a:t>Select Sub-Project from table</a:t>
-            </a:r>
-          </a:p>
-          <a:p>
-            <a:pPr marL="514350" indent="-514350">
-              <a:buAutoNum type="arabicPeriod"/>
-            </a:pPr>
-            <a:r>
-              <a:rPr lang="en-US" sz="2800" dirty="0">
-                <a:solidFill>
-                  <a:schemeClr val="tx2">
-                    <a:lumMod val="75000"/>
-                  </a:schemeClr>
-                </a:solidFill>
-                <a:latin typeface="Montserrat" panose="00000500000000000000" pitchFamily="2" charset="0"/>
-                <a:ea typeface="Roboto" panose="02000000000000000000" pitchFamily="2" charset="0"/>
-              </a:rPr>
-              <a:t>Click Edit</a:t>
-            </a:r>
-          </a:p>
-          <a:p>
-            <a:pPr marL="514350" indent="-514350">
-              <a:buAutoNum type="arabicPeriod"/>
-            </a:pPr>
-            <a:r>
-              <a:rPr lang="en-US" sz="2800" dirty="0">
-                <a:solidFill>
-                  <a:schemeClr val="tx2">
-                    <a:lumMod val="75000"/>
-                  </a:schemeClr>
-                </a:solidFill>
-                <a:latin typeface="Montserrat" panose="00000500000000000000" pitchFamily="2" charset="0"/>
-                <a:ea typeface="Roboto" panose="02000000000000000000" pitchFamily="2" charset="0"/>
-              </a:rPr>
-              <a:t>Fill in provided dialog</a:t>
-            </a:r>
-          </a:p>
-          <a:p>
-            <a:pPr marL="514350" indent="-514350">
-              <a:buAutoNum type="arabicPeriod"/>
-            </a:pPr>
-            <a:r>
-              <a:rPr lang="en-US" sz="2800" dirty="0">
-                <a:solidFill>
-                  <a:schemeClr val="tx2">
-                    <a:lumMod val="75000"/>
-                  </a:schemeClr>
-                </a:solidFill>
-                <a:latin typeface="Montserrat" panose="00000500000000000000" pitchFamily="2" charset="0"/>
-                <a:ea typeface="Roboto" panose="02000000000000000000" pitchFamily="2" charset="0"/>
-              </a:rPr>
-              <a:t>Press finish</a:t>
-            </a:r>
-          </a:p>
-        </p:txBody>
-      </p:sp>
-      <p:sp>
-        <p:nvSpPr>
-          <p:cNvPr id="11" name="TextBox 10">
-            <a:extLst>
-              <a:ext uri="{FF2B5EF4-FFF2-40B4-BE49-F238E27FC236}">
-                <a16:creationId xmlns:a16="http://schemas.microsoft.com/office/drawing/2014/main" id="{560A46D8-280C-48B4-9334-49673E53D0CE}"/>
-              </a:ext>
-            </a:extLst>
-          </p:cNvPr>
-          <p:cNvSpPr txBox="1"/>
-          <p:nvPr/>
-        </p:nvSpPr>
-        <p:spPr>
-          <a:xfrm>
-            <a:off x="6481887" y="3429000"/>
-            <a:ext cx="4721468" cy="1384995"/>
-          </a:xfrm>
-          <a:prstGeom prst="rect">
-            <a:avLst/>
-          </a:prstGeom>
-          <a:solidFill>
-            <a:schemeClr val="accent6">
-              <a:lumMod val="60000"/>
-              <a:lumOff val="40000"/>
-            </a:schemeClr>
-          </a:solidFill>
-          <a:ln>
-            <a:noFill/>
-          </a:ln>
-        </p:spPr>
-        <p:txBody>
-          <a:bodyPr wrap="square" rtlCol="0">
-            <a:spAutoFit/>
-          </a:bodyPr>
-          <a:lstStyle/>
-          <a:p>
-            <a:r>
-              <a:rPr lang="en-US" sz="2800" b="1" dirty="0">
-                <a:solidFill>
-                  <a:schemeClr val="tx2">
-                    <a:lumMod val="75000"/>
-                  </a:schemeClr>
-                </a:solidFill>
-                <a:latin typeface="Montserrat" panose="00000500000000000000" pitchFamily="2" charset="0"/>
-                <a:ea typeface="Roboto" panose="02000000000000000000" pitchFamily="2" charset="0"/>
-              </a:rPr>
-              <a:t>Delete Shift</a:t>
-            </a:r>
-            <a:r>
-              <a:rPr lang="en-US" sz="2800" dirty="0">
-                <a:solidFill>
-                  <a:schemeClr val="tx2">
-                    <a:lumMod val="75000"/>
-                  </a:schemeClr>
-                </a:solidFill>
-                <a:latin typeface="Montserrat" panose="00000500000000000000" pitchFamily="2" charset="0"/>
-                <a:ea typeface="Roboto" panose="02000000000000000000" pitchFamily="2" charset="0"/>
-              </a:rPr>
-              <a:t>: </a:t>
-            </a:r>
-          </a:p>
-          <a:p>
-            <a:pPr marL="514350" indent="-514350">
-              <a:buAutoNum type="arabicPeriod"/>
-            </a:pPr>
-            <a:r>
-              <a:rPr lang="en-US" sz="2800" dirty="0">
-                <a:solidFill>
-                  <a:schemeClr val="tx2">
-                    <a:lumMod val="75000"/>
-                  </a:schemeClr>
-                </a:solidFill>
-                <a:latin typeface="Montserrat" panose="00000500000000000000" pitchFamily="2" charset="0"/>
-                <a:ea typeface="Roboto" panose="02000000000000000000" pitchFamily="2" charset="0"/>
-              </a:rPr>
-              <a:t>Select Shift from table</a:t>
-            </a:r>
-          </a:p>
-          <a:p>
-            <a:pPr marL="514350" indent="-514350">
-              <a:buAutoNum type="arabicPeriod"/>
-            </a:pPr>
-            <a:r>
-              <a:rPr lang="en-US" sz="2800" dirty="0">
-                <a:solidFill>
-                  <a:schemeClr val="tx2">
-                    <a:lumMod val="75000"/>
-                  </a:schemeClr>
-                </a:solidFill>
-                <a:latin typeface="Montserrat" panose="00000500000000000000" pitchFamily="2" charset="0"/>
-                <a:ea typeface="Roboto" panose="02000000000000000000" pitchFamily="2" charset="0"/>
-              </a:rPr>
-              <a:t>Click Delete</a:t>
+              <a:t> 2 or 3 in order to Edit the Admin’s Shift.</a:t>
             </a:r>
           </a:p>
         </p:txBody>
@@ -6834,7 +6827,7 @@
     </p:spTree>
     <p:extLst>
       <p:ext uri="{BB962C8B-B14F-4D97-AF65-F5344CB8AC3E}">
-        <p14:creationId xmlns:p14="http://schemas.microsoft.com/office/powerpoint/2010/main" val="995532438"/>
+        <p14:creationId xmlns:p14="http://schemas.microsoft.com/office/powerpoint/2010/main" val="971739605"/>
       </p:ext>
     </p:extLst>
   </p:cSld>
@@ -6866,7 +6859,7 @@
           <p:cNvPr id="2" name="Picture 1">
             <a:extLst>
               <a:ext uri="{FF2B5EF4-FFF2-40B4-BE49-F238E27FC236}">
-                <a16:creationId xmlns:a16="http://schemas.microsoft.com/office/drawing/2014/main" id="{3F181EFC-384C-49CF-AE04-4460C273761E}"/>
+                <a16:creationId xmlns:a16="http://schemas.microsoft.com/office/drawing/2014/main" id="{B7E0BE57-DFDF-4438-83CC-610EECD8A10E}"/>
               </a:ext>
             </a:extLst>
           </p:cNvPr>
@@ -6891,63 +6884,42 @@
           </a:prstGeom>
         </p:spPr>
       </p:pic>
-      <p:sp>
-        <p:nvSpPr>
-          <p:cNvPr id="3" name="TextBox 2">
-            <a:extLst>
-              <a:ext uri="{FF2B5EF4-FFF2-40B4-BE49-F238E27FC236}">
-                <a16:creationId xmlns:a16="http://schemas.microsoft.com/office/drawing/2014/main" id="{5E65C75D-B5D5-49A9-93B7-363200FD342C}"/>
-              </a:ext>
-            </a:extLst>
-          </p:cNvPr>
-          <p:cNvSpPr txBox="1"/>
-          <p:nvPr/>
-        </p:nvSpPr>
-        <p:spPr>
-          <a:xfrm>
-            <a:off x="1008187" y="3217378"/>
-            <a:ext cx="4721468" cy="1815882"/>
+      <p:pic>
+        <p:nvPicPr>
+          <p:cNvPr id="9" name="Picture 8">
+            <a:extLst>
+              <a:ext uri="{FF2B5EF4-FFF2-40B4-BE49-F238E27FC236}">
+                <a16:creationId xmlns:a16="http://schemas.microsoft.com/office/drawing/2014/main" id="{2EEB1B26-C959-48D2-BBFE-29D3FFDD1C33}"/>
+              </a:ext>
+            </a:extLst>
+          </p:cNvPr>
+          <p:cNvPicPr>
+            <a:picLocks noChangeAspect="1"/>
+          </p:cNvPicPr>
+          <p:nvPr/>
+        </p:nvPicPr>
+        <p:blipFill>
+          <a:blip r:embed="rId3"/>
+          <a:stretch>
+            <a:fillRect/>
+          </a:stretch>
+        </p:blipFill>
+        <p:spPr>
+          <a:xfrm>
+            <a:off x="0" y="0"/>
+            <a:ext cx="12192000" cy="6858000"/>
           </a:xfrm>
           <a:prstGeom prst="rect">
             <a:avLst/>
           </a:prstGeom>
-          <a:solidFill>
-            <a:schemeClr val="accent6">
-              <a:lumMod val="60000"/>
-              <a:lumOff val="40000"/>
-            </a:schemeClr>
-          </a:solidFill>
-          <a:ln>
-            <a:noFill/>
-          </a:ln>
-        </p:spPr>
-        <p:txBody>
-          <a:bodyPr wrap="square" rtlCol="0">
-            <a:spAutoFit/>
-          </a:bodyPr>
-          <a:lstStyle/>
-          <a:p>
-            <a:r>
-              <a:rPr lang="en-US" sz="2800" dirty="0">
-                <a:solidFill>
-                  <a:schemeClr val="tx2">
-                    <a:lumMod val="75000"/>
-                  </a:schemeClr>
-                </a:solidFill>
-                <a:latin typeface="Montserrat" panose="00000500000000000000" pitchFamily="2" charset="0"/>
-                <a:ea typeface="Roboto" panose="02000000000000000000" pitchFamily="2" charset="0"/>
-              </a:rPr>
-              <a:t>Note  that a shift has as many rows as it needs for every thing that the person did</a:t>
-            </a:r>
-          </a:p>
-        </p:txBody>
-      </p:sp>
+        </p:spPr>
+      </p:pic>
       <p:cxnSp>
         <p:nvCxnSpPr>
-          <p:cNvPr id="4" name="Straight Arrow Connector 3">
-            <a:extLst>
-              <a:ext uri="{FF2B5EF4-FFF2-40B4-BE49-F238E27FC236}">
-                <a16:creationId xmlns:a16="http://schemas.microsoft.com/office/drawing/2014/main" id="{E71BB5A0-2153-4F65-8133-B4D2785EB730}"/>
+          <p:cNvPr id="3" name="Straight Arrow Connector 2">
+            <a:extLst>
+              <a:ext uri="{FF2B5EF4-FFF2-40B4-BE49-F238E27FC236}">
+                <a16:creationId xmlns:a16="http://schemas.microsoft.com/office/drawing/2014/main" id="{6C776631-CA93-4D94-A63F-3E3D1F460108}"/>
               </a:ext>
             </a:extLst>
           </p:cNvPr>
@@ -6958,8 +6930,8 @@
         </p:nvCxnSpPr>
         <p:spPr>
           <a:xfrm flipH="1" flipV="1">
-            <a:off x="2933701" y="2333625"/>
-            <a:ext cx="85724" cy="676275"/>
+            <a:off x="2226798" y="1015063"/>
+            <a:ext cx="673212" cy="1958468"/>
           </a:xfrm>
           <a:prstGeom prst="straightConnector1">
             <a:avLst/>
@@ -6993,10 +6965,10 @@
       </p:cxnSp>
       <p:sp>
         <p:nvSpPr>
-          <p:cNvPr id="7" name="Rectangle: Rounded Corners 6">
-            <a:extLst>
-              <a:ext uri="{FF2B5EF4-FFF2-40B4-BE49-F238E27FC236}">
-                <a16:creationId xmlns:a16="http://schemas.microsoft.com/office/drawing/2014/main" id="{8596EB29-99D7-4C1F-88C7-79682E8962A1}"/>
+          <p:cNvPr id="4" name="Rectangle: Rounded Corners 3">
+            <a:extLst>
+              <a:ext uri="{FF2B5EF4-FFF2-40B4-BE49-F238E27FC236}">
+                <a16:creationId xmlns:a16="http://schemas.microsoft.com/office/drawing/2014/main" id="{E0DD68D9-4B18-4220-A2A1-66C7829566AD}"/>
               </a:ext>
             </a:extLst>
           </p:cNvPr>
@@ -7005,8 +6977,8 @@
         </p:nvSpPr>
         <p:spPr>
           <a:xfrm>
-            <a:off x="133350" y="1510914"/>
-            <a:ext cx="11791950" cy="641736"/>
+            <a:off x="1178718" y="204788"/>
+            <a:ext cx="3175168" cy="559593"/>
           </a:xfrm>
           <a:prstGeom prst="roundRect">
             <a:avLst/>
@@ -7048,10 +7020,10 @@
       </p:sp>
       <p:sp>
         <p:nvSpPr>
-          <p:cNvPr id="9" name="TextBox 8">
-            <a:extLst>
-              <a:ext uri="{FF2B5EF4-FFF2-40B4-BE49-F238E27FC236}">
-                <a16:creationId xmlns:a16="http://schemas.microsoft.com/office/drawing/2014/main" id="{F43E3B69-F270-4B98-81FA-B89E2C7C4C23}"/>
+          <p:cNvPr id="5" name="TextBox 4">
+            <a:extLst>
+              <a:ext uri="{FF2B5EF4-FFF2-40B4-BE49-F238E27FC236}">
+                <a16:creationId xmlns:a16="http://schemas.microsoft.com/office/drawing/2014/main" id="{81D44F3E-15DD-4CAB-807F-92E839CC921B}"/>
               </a:ext>
             </a:extLst>
           </p:cNvPr>
@@ -7060,8 +7032,8 @@
         </p:nvSpPr>
         <p:spPr>
           <a:xfrm>
-            <a:off x="6523162" y="3276516"/>
-            <a:ext cx="4721468" cy="1815882"/>
+            <a:off x="662378" y="3139842"/>
+            <a:ext cx="4700930" cy="1384995"/>
           </a:xfrm>
           <a:prstGeom prst="rect">
             <a:avLst/>
@@ -7092,17 +7064,145 @@
                 <a:latin typeface="Montserrat" panose="00000500000000000000" pitchFamily="2" charset="0"/>
                 <a:ea typeface="Roboto" panose="02000000000000000000" pitchFamily="2" charset="0"/>
               </a:rPr>
-              <a:t>When you select a shift to Edit or Delete it you just have to click one of the rows for that shift.</a:t>
-            </a:r>
-          </a:p>
-        </p:txBody>
-      </p:sp>
-      <p:sp>
-        <p:nvSpPr>
-          <p:cNvPr id="10" name="TextBox 9">
-            <a:extLst>
-              <a:ext uri="{FF2B5EF4-FFF2-40B4-BE49-F238E27FC236}">
-                <a16:creationId xmlns:a16="http://schemas.microsoft.com/office/drawing/2014/main" id="{D262590F-56DC-43CF-99BD-F6C6F405FC22}"/>
+              <a:t>The </a:t>
+            </a:r>
+            <a:r>
+              <a:rPr lang="en-US" sz="2800" b="1" dirty="0">
+                <a:solidFill>
+                  <a:schemeClr val="tx2">
+                    <a:lumMod val="75000"/>
+                  </a:schemeClr>
+                </a:solidFill>
+                <a:latin typeface="Montserrat" panose="00000500000000000000" pitchFamily="2" charset="0"/>
+                <a:ea typeface="Roboto" panose="02000000000000000000" pitchFamily="2" charset="0"/>
+              </a:rPr>
+              <a:t>Display By </a:t>
+            </a:r>
+            <a:r>
+              <a:rPr lang="en-US" sz="2800" dirty="0">
+                <a:solidFill>
+                  <a:schemeClr val="tx2">
+                    <a:lumMod val="75000"/>
+                  </a:schemeClr>
+                </a:solidFill>
+                <a:latin typeface="Montserrat" panose="00000500000000000000" pitchFamily="2" charset="0"/>
+                <a:ea typeface="Roboto" panose="02000000000000000000" pitchFamily="2" charset="0"/>
+              </a:rPr>
+              <a:t>section adjusts what shifts are displayed</a:t>
+            </a:r>
+          </a:p>
+        </p:txBody>
+      </p:sp>
+      <p:cxnSp>
+        <p:nvCxnSpPr>
+          <p:cNvPr id="6" name="Straight Arrow Connector 5">
+            <a:extLst>
+              <a:ext uri="{FF2B5EF4-FFF2-40B4-BE49-F238E27FC236}">
+                <a16:creationId xmlns:a16="http://schemas.microsoft.com/office/drawing/2014/main" id="{A4B87615-9331-4EF3-93D1-269C3832F2FD}"/>
+              </a:ext>
+            </a:extLst>
+          </p:cNvPr>
+          <p:cNvCxnSpPr>
+            <a:cxnSpLocks/>
+          </p:cNvCxnSpPr>
+          <p:nvPr/>
+        </p:nvCxnSpPr>
+        <p:spPr>
+          <a:xfrm flipH="1" flipV="1">
+            <a:off x="5041783" y="889233"/>
+            <a:ext cx="1054217" cy="794425"/>
+          </a:xfrm>
+          <a:prstGeom prst="straightConnector1">
+            <a:avLst/>
+          </a:prstGeom>
+          <a:ln w="57150" cap="flat" cmpd="sng" algn="ctr">
+            <a:solidFill>
+              <a:schemeClr val="tx2">
+                <a:lumMod val="75000"/>
+              </a:schemeClr>
+            </a:solidFill>
+            <a:prstDash val="solid"/>
+            <a:round/>
+            <a:headEnd type="none" w="med" len="med"/>
+            <a:tailEnd type="arrow" w="med" len="med"/>
+          </a:ln>
+        </p:spPr>
+        <p:style>
+          <a:lnRef idx="0">
+            <a:scrgbClr r="0" g="0" b="0"/>
+          </a:lnRef>
+          <a:fillRef idx="0">
+            <a:scrgbClr r="0" g="0" b="0"/>
+          </a:fillRef>
+          <a:effectRef idx="0">
+            <a:scrgbClr r="0" g="0" b="0"/>
+          </a:effectRef>
+          <a:fontRef idx="minor">
+            <a:schemeClr val="tx1"/>
+          </a:fontRef>
+        </p:style>
+      </p:cxnSp>
+      <p:sp>
+        <p:nvSpPr>
+          <p:cNvPr id="7" name="Rectangle: Rounded Corners 6">
+            <a:extLst>
+              <a:ext uri="{FF2B5EF4-FFF2-40B4-BE49-F238E27FC236}">
+                <a16:creationId xmlns:a16="http://schemas.microsoft.com/office/drawing/2014/main" id="{23559AFA-4DAA-455F-9C2B-FC200C21C450}"/>
+              </a:ext>
+            </a:extLst>
+          </p:cNvPr>
+          <p:cNvSpPr/>
+          <p:nvPr/>
+        </p:nvSpPr>
+        <p:spPr>
+          <a:xfrm>
+            <a:off x="4429998" y="204787"/>
+            <a:ext cx="1028932" cy="559593"/>
+          </a:xfrm>
+          <a:prstGeom prst="roundRect">
+            <a:avLst/>
+          </a:prstGeom>
+          <a:noFill/>
+          <a:ln w="76200">
+            <a:solidFill>
+              <a:schemeClr val="accent6">
+                <a:lumMod val="60000"/>
+                <a:lumOff val="40000"/>
+              </a:schemeClr>
+            </a:solidFill>
+          </a:ln>
+        </p:spPr>
+        <p:style>
+          <a:lnRef idx="2">
+            <a:schemeClr val="accent1">
+              <a:shade val="50000"/>
+            </a:schemeClr>
+          </a:lnRef>
+          <a:fillRef idx="1">
+            <a:schemeClr val="accent1"/>
+          </a:fillRef>
+          <a:effectRef idx="0">
+            <a:schemeClr val="accent1"/>
+          </a:effectRef>
+          <a:fontRef idx="minor">
+            <a:schemeClr val="lt1"/>
+          </a:fontRef>
+        </p:style>
+        <p:txBody>
+          <a:bodyPr rtlCol="0" anchor="ctr"/>
+          <a:lstStyle/>
+          <a:p>
+            <a:pPr algn="ctr"/>
+            <a:endParaRPr lang="en-US"/>
+          </a:p>
+        </p:txBody>
+      </p:sp>
+      <p:sp>
+        <p:nvSpPr>
+          <p:cNvPr id="8" name="TextBox 7">
+            <a:extLst>
+              <a:ext uri="{FF2B5EF4-FFF2-40B4-BE49-F238E27FC236}">
+                <a16:creationId xmlns:a16="http://schemas.microsoft.com/office/drawing/2014/main" id="{1AC6E9DC-8CA5-4EA5-B41E-A128F7CDF3A4}"/>
               </a:ext>
             </a:extLst>
           </p:cNvPr>
@@ -7111,8 +7211,8 @@
         </p:nvSpPr>
         <p:spPr>
           <a:xfrm>
-            <a:off x="2933699" y="5297221"/>
-            <a:ext cx="8124825" cy="954107"/>
+            <a:off x="6387094" y="1153887"/>
+            <a:ext cx="4726383" cy="1384995"/>
           </a:xfrm>
           <a:prstGeom prst="rect">
             <a:avLst/>
@@ -7143,12 +7243,10 @@
                 <a:latin typeface="Montserrat" panose="00000500000000000000" pitchFamily="2" charset="0"/>
                 <a:ea typeface="Roboto" panose="02000000000000000000" pitchFamily="2" charset="0"/>
               </a:rPr>
-              <a:t>So for this example you could click rows</a:t>
-            </a:r>
-          </a:p>
-          <a:p>
-            <a:r>
-              <a:rPr lang="en-US" sz="2800" dirty="0">
+              <a:t>The </a:t>
+            </a:r>
+            <a:r>
+              <a:rPr lang="en-US" sz="2800" b="1" dirty="0">
                 <a:solidFill>
                   <a:schemeClr val="tx2">
                     <a:lumMod val="75000"/>
@@ -7157,7 +7255,121 @@
                 <a:latin typeface="Montserrat" panose="00000500000000000000" pitchFamily="2" charset="0"/>
                 <a:ea typeface="Roboto" panose="02000000000000000000" pitchFamily="2" charset="0"/>
               </a:rPr>
-              <a:t> 3, 4, or  5 in order to Edit the Saw Guy’s Shift.</a:t>
+              <a:t>Time</a:t>
+            </a:r>
+            <a:r>
+              <a:rPr lang="en-US" sz="2800" dirty="0">
+                <a:solidFill>
+                  <a:schemeClr val="tx2">
+                    <a:lumMod val="75000"/>
+                  </a:schemeClr>
+                </a:solidFill>
+                <a:latin typeface="Montserrat" panose="00000500000000000000" pitchFamily="2" charset="0"/>
+                <a:ea typeface="Roboto" panose="02000000000000000000" pitchFamily="2" charset="0"/>
+              </a:rPr>
+              <a:t> section lets you set the time frame of shifts you want displayed</a:t>
+            </a:r>
+          </a:p>
+        </p:txBody>
+      </p:sp>
+      <p:sp>
+        <p:nvSpPr>
+          <p:cNvPr id="12" name="TextBox 11">
+            <a:extLst>
+              <a:ext uri="{FF2B5EF4-FFF2-40B4-BE49-F238E27FC236}">
+                <a16:creationId xmlns:a16="http://schemas.microsoft.com/office/drawing/2014/main" id="{99526500-B620-4E66-BE70-0F5F9A192F6A}"/>
+              </a:ext>
+            </a:extLst>
+          </p:cNvPr>
+          <p:cNvSpPr txBox="1"/>
+          <p:nvPr/>
+        </p:nvSpPr>
+        <p:spPr>
+          <a:xfrm>
+            <a:off x="662378" y="4829972"/>
+            <a:ext cx="8564172" cy="1384995"/>
+          </a:xfrm>
+          <a:prstGeom prst="rect">
+            <a:avLst/>
+          </a:prstGeom>
+          <a:solidFill>
+            <a:schemeClr val="accent6">
+              <a:lumMod val="60000"/>
+              <a:lumOff val="40000"/>
+            </a:schemeClr>
+          </a:solidFill>
+          <a:ln>
+            <a:noFill/>
+          </a:ln>
+        </p:spPr>
+        <p:txBody>
+          <a:bodyPr wrap="square" rtlCol="0">
+            <a:spAutoFit/>
+          </a:bodyPr>
+          <a:lstStyle/>
+          <a:p>
+            <a:r>
+              <a:rPr lang="en-US" sz="2800" dirty="0">
+                <a:solidFill>
+                  <a:schemeClr val="tx2">
+                    <a:lumMod val="75000"/>
+                  </a:schemeClr>
+                </a:solidFill>
+                <a:latin typeface="Montserrat" panose="00000500000000000000" pitchFamily="2" charset="0"/>
+                <a:ea typeface="Roboto" panose="02000000000000000000" pitchFamily="2" charset="0"/>
+              </a:rPr>
+              <a:t>If you want to see only the Admin’s Shifts you check the box next to Employee and enter Admin into the line edit to the right</a:t>
+            </a:r>
+          </a:p>
+        </p:txBody>
+      </p:sp>
+      <p:sp>
+        <p:nvSpPr>
+          <p:cNvPr id="13" name="TextBox 12">
+            <a:extLst>
+              <a:ext uri="{FF2B5EF4-FFF2-40B4-BE49-F238E27FC236}">
+                <a16:creationId xmlns:a16="http://schemas.microsoft.com/office/drawing/2014/main" id="{3BBD114F-C771-4D65-A94C-DA439CDEF6C0}"/>
+              </a:ext>
+            </a:extLst>
+          </p:cNvPr>
+          <p:cNvSpPr txBox="1"/>
+          <p:nvPr/>
+        </p:nvSpPr>
+        <p:spPr>
+          <a:xfrm>
+            <a:off x="6414462" y="2765147"/>
+            <a:ext cx="4726383" cy="954107"/>
+          </a:xfrm>
+          <a:prstGeom prst="rect">
+            <a:avLst/>
+          </a:prstGeom>
+          <a:solidFill>
+            <a:schemeClr val="accent6">
+              <a:lumMod val="60000"/>
+              <a:lumOff val="40000"/>
+            </a:schemeClr>
+          </a:solidFill>
+          <a:ln>
+            <a:noFill/>
+          </a:ln>
+        </p:spPr>
+        <p:txBody>
+          <a:bodyPr wrap="square" rtlCol="0">
+            <a:spAutoFit/>
+          </a:bodyPr>
+          <a:lstStyle/>
+          <a:p>
+            <a:r>
+              <a:rPr lang="en-US" sz="2800" dirty="0">
+                <a:solidFill>
+                  <a:schemeClr val="tx2">
+                    <a:lumMod val="75000"/>
+                  </a:schemeClr>
+                </a:solidFill>
+                <a:latin typeface="Montserrat" panose="00000500000000000000" pitchFamily="2" charset="0"/>
+                <a:ea typeface="Roboto" panose="02000000000000000000" pitchFamily="2" charset="0"/>
+              </a:rPr>
+              <a:t>By default the current week is what is displayed</a:t>
             </a:r>
           </a:p>
         </p:txBody>
@@ -7165,7 +7377,7 @@
     </p:spTree>
     <p:extLst>
       <p:ext uri="{BB962C8B-B14F-4D97-AF65-F5344CB8AC3E}">
-        <p14:creationId xmlns:p14="http://schemas.microsoft.com/office/powerpoint/2010/main" val="971739605"/>
+        <p14:creationId xmlns:p14="http://schemas.microsoft.com/office/powerpoint/2010/main" val="563340211"/>
       </p:ext>
     </p:extLst>
   </p:cSld>
@@ -7197,7 +7409,7 @@
           <p:cNvPr id="2" name="Picture 1">
             <a:extLst>
               <a:ext uri="{FF2B5EF4-FFF2-40B4-BE49-F238E27FC236}">
-                <a16:creationId xmlns:a16="http://schemas.microsoft.com/office/drawing/2014/main" id="{B7E0BE57-DFDF-4438-83CC-610EECD8A10E}"/>
+                <a16:creationId xmlns:a16="http://schemas.microsoft.com/office/drawing/2014/main" id="{2A5F2EC9-3B29-4F03-8A29-10161B44645E}"/>
               </a:ext>
             </a:extLst>
           </p:cNvPr>
@@ -7222,12 +7434,42 @@
           </a:prstGeom>
         </p:spPr>
       </p:pic>
+      <p:pic>
+        <p:nvPicPr>
+          <p:cNvPr id="6" name="Picture 5">
+            <a:extLst>
+              <a:ext uri="{FF2B5EF4-FFF2-40B4-BE49-F238E27FC236}">
+                <a16:creationId xmlns:a16="http://schemas.microsoft.com/office/drawing/2014/main" id="{069BBE74-94C9-41E4-90F7-6F2B6CB3306A}"/>
+              </a:ext>
+            </a:extLst>
+          </p:cNvPr>
+          <p:cNvPicPr>
+            <a:picLocks noChangeAspect="1"/>
+          </p:cNvPicPr>
+          <p:nvPr/>
+        </p:nvPicPr>
+        <p:blipFill>
+          <a:blip r:embed="rId3"/>
+          <a:stretch>
+            <a:fillRect/>
+          </a:stretch>
+        </p:blipFill>
+        <p:spPr>
+          <a:xfrm>
+            <a:off x="0" y="0"/>
+            <a:ext cx="12192000" cy="6858000"/>
+          </a:xfrm>
+          <a:prstGeom prst="rect">
+            <a:avLst/>
+          </a:prstGeom>
+        </p:spPr>
+      </p:pic>
       <p:cxnSp>
         <p:nvCxnSpPr>
           <p:cNvPr id="3" name="Straight Arrow Connector 2">
             <a:extLst>
               <a:ext uri="{FF2B5EF4-FFF2-40B4-BE49-F238E27FC236}">
-                <a16:creationId xmlns:a16="http://schemas.microsoft.com/office/drawing/2014/main" id="{6C776631-CA93-4D94-A63F-3E3D1F460108}"/>
+                <a16:creationId xmlns:a16="http://schemas.microsoft.com/office/drawing/2014/main" id="{304224B8-B6FE-45C1-A5C1-056D4E375BF9}"/>
               </a:ext>
             </a:extLst>
           </p:cNvPr>
@@ -7237,9 +7479,9 @@
           <p:nvPr/>
         </p:nvCxnSpPr>
         <p:spPr>
-          <a:xfrm flipH="1" flipV="1">
-            <a:off x="2226798" y="1015063"/>
-            <a:ext cx="673212" cy="1958468"/>
+          <a:xfrm flipV="1">
+            <a:off x="6056851" y="604007"/>
+            <a:ext cx="5276676" cy="838899"/>
           </a:xfrm>
           <a:prstGeom prst="straightConnector1">
             <a:avLst/>
@@ -7276,7 +7518,7 @@
           <p:cNvPr id="4" name="Rectangle: Rounded Corners 3">
             <a:extLst>
               <a:ext uri="{FF2B5EF4-FFF2-40B4-BE49-F238E27FC236}">
-                <a16:creationId xmlns:a16="http://schemas.microsoft.com/office/drawing/2014/main" id="{E0DD68D9-4B18-4220-A2A1-66C7829566AD}"/>
+                <a16:creationId xmlns:a16="http://schemas.microsoft.com/office/drawing/2014/main" id="{0AC95805-2CDE-4085-BA32-59176F498E8B}"/>
               </a:ext>
             </a:extLst>
           </p:cNvPr>
@@ -7285,8 +7527,8 @@
         </p:nvSpPr>
         <p:spPr>
           <a:xfrm>
-            <a:off x="1178718" y="204788"/>
-            <a:ext cx="1845469" cy="559593"/>
+            <a:off x="11656219" y="335560"/>
+            <a:ext cx="414338" cy="383578"/>
           </a:xfrm>
           <a:prstGeom prst="roundRect">
             <a:avLst/>
@@ -7331,7 +7573,7 @@
           <p:cNvPr id="5" name="TextBox 4">
             <a:extLst>
               <a:ext uri="{FF2B5EF4-FFF2-40B4-BE49-F238E27FC236}">
-                <a16:creationId xmlns:a16="http://schemas.microsoft.com/office/drawing/2014/main" id="{81D44F3E-15DD-4CAB-807F-92E839CC921B}"/>
+                <a16:creationId xmlns:a16="http://schemas.microsoft.com/office/drawing/2014/main" id="{9405F338-11DF-42C2-9AB0-048E9B7888E6}"/>
               </a:ext>
             </a:extLst>
           </p:cNvPr>
@@ -7340,8 +7582,8 @@
         </p:nvSpPr>
         <p:spPr>
           <a:xfrm>
-            <a:off x="662378" y="3139842"/>
-            <a:ext cx="4700930" cy="1384995"/>
+            <a:off x="454112" y="956346"/>
+            <a:ext cx="5384626" cy="954107"/>
           </a:xfrm>
           <a:prstGeom prst="rect">
             <a:avLst/>
@@ -7372,136 +7614,8 @@
                 <a:latin typeface="Montserrat" panose="00000500000000000000" pitchFamily="2" charset="0"/>
                 <a:ea typeface="Roboto" panose="02000000000000000000" pitchFamily="2" charset="0"/>
               </a:rPr>
-              <a:t>The </a:t>
-            </a:r>
-            <a:r>
-              <a:rPr lang="en-US" sz="2800" b="1" dirty="0">
-                <a:solidFill>
-                  <a:schemeClr val="tx2">
-                    <a:lumMod val="75000"/>
-                  </a:schemeClr>
-                </a:solidFill>
-                <a:latin typeface="Montserrat" panose="00000500000000000000" pitchFamily="2" charset="0"/>
-                <a:ea typeface="Roboto" panose="02000000000000000000" pitchFamily="2" charset="0"/>
-              </a:rPr>
-              <a:t>Display By </a:t>
-            </a:r>
-            <a:r>
-              <a:rPr lang="en-US" sz="2800" dirty="0">
-                <a:solidFill>
-                  <a:schemeClr val="tx2">
-                    <a:lumMod val="75000"/>
-                  </a:schemeClr>
-                </a:solidFill>
-                <a:latin typeface="Montserrat" panose="00000500000000000000" pitchFamily="2" charset="0"/>
-                <a:ea typeface="Roboto" panose="02000000000000000000" pitchFamily="2" charset="0"/>
-              </a:rPr>
-              <a:t>section adjusts what shifts are displayed</a:t>
-            </a:r>
-          </a:p>
-        </p:txBody>
-      </p:sp>
-      <p:cxnSp>
-        <p:nvCxnSpPr>
-          <p:cNvPr id="6" name="Straight Arrow Connector 5">
-            <a:extLst>
-              <a:ext uri="{FF2B5EF4-FFF2-40B4-BE49-F238E27FC236}">
-                <a16:creationId xmlns:a16="http://schemas.microsoft.com/office/drawing/2014/main" id="{A4B87615-9331-4EF3-93D1-269C3832F2FD}"/>
-              </a:ext>
-            </a:extLst>
-          </p:cNvPr>
-          <p:cNvCxnSpPr>
-            <a:cxnSpLocks/>
-          </p:cNvCxnSpPr>
-          <p:nvPr/>
-        </p:nvCxnSpPr>
-        <p:spPr>
-          <a:xfrm flipH="1" flipV="1">
-            <a:off x="4286776" y="872456"/>
-            <a:ext cx="1809224" cy="811201"/>
-          </a:xfrm>
-          <a:prstGeom prst="straightConnector1">
-            <a:avLst/>
-          </a:prstGeom>
-          <a:ln w="57150" cap="flat" cmpd="sng" algn="ctr">
-            <a:solidFill>
-              <a:schemeClr val="tx2">
-                <a:lumMod val="75000"/>
-              </a:schemeClr>
-            </a:solidFill>
-            <a:prstDash val="solid"/>
-            <a:round/>
-            <a:headEnd type="none" w="med" len="med"/>
-            <a:tailEnd type="arrow" w="med" len="med"/>
-          </a:ln>
-        </p:spPr>
-        <p:style>
-          <a:lnRef idx="0">
-            <a:scrgbClr r="0" g="0" b="0"/>
-          </a:lnRef>
-          <a:fillRef idx="0">
-            <a:scrgbClr r="0" g="0" b="0"/>
-          </a:fillRef>
-          <a:effectRef idx="0">
-            <a:scrgbClr r="0" g="0" b="0"/>
-          </a:effectRef>
-          <a:fontRef idx="minor">
-            <a:schemeClr val="tx1"/>
-          </a:fontRef>
-        </p:style>
-      </p:cxnSp>
-      <p:sp>
-        <p:nvSpPr>
-          <p:cNvPr id="7" name="Rectangle: Rounded Corners 6">
-            <a:extLst>
-              <a:ext uri="{FF2B5EF4-FFF2-40B4-BE49-F238E27FC236}">
-                <a16:creationId xmlns:a16="http://schemas.microsoft.com/office/drawing/2014/main" id="{23559AFA-4DAA-455F-9C2B-FC200C21C450}"/>
-              </a:ext>
-            </a:extLst>
-          </p:cNvPr>
-          <p:cNvSpPr/>
-          <p:nvPr/>
-        </p:nvSpPr>
-        <p:spPr>
-          <a:xfrm>
-            <a:off x="3066818" y="204788"/>
-            <a:ext cx="1028932" cy="559593"/>
-          </a:xfrm>
-          <a:prstGeom prst="roundRect">
-            <a:avLst/>
-          </a:prstGeom>
-          <a:noFill/>
-          <a:ln w="76200">
-            <a:solidFill>
-              <a:schemeClr val="accent6">
-                <a:lumMod val="60000"/>
-                <a:lumOff val="40000"/>
-              </a:schemeClr>
-            </a:solidFill>
-          </a:ln>
-        </p:spPr>
-        <p:style>
-          <a:lnRef idx="2">
-            <a:schemeClr val="accent1">
-              <a:shade val="50000"/>
-            </a:schemeClr>
-          </a:lnRef>
-          <a:fillRef idx="1">
-            <a:schemeClr val="accent1"/>
-          </a:fillRef>
-          <a:effectRef idx="0">
-            <a:schemeClr val="accent1"/>
-          </a:effectRef>
-          <a:fontRef idx="minor">
-            <a:schemeClr val="lt1"/>
-          </a:fontRef>
-        </p:style>
-        <p:txBody>
-          <a:bodyPr rtlCol="0" anchor="ctr"/>
-          <a:lstStyle/>
-          <a:p>
-            <a:pPr algn="ctr"/>
-            <a:endParaRPr lang="en-US"/>
+              <a:t>A summation of all displayed shifts can be seen here</a:t>
+            </a:r>
           </a:p>
         </p:txBody>
       </p:sp>
@@ -7510,7 +7624,7 @@
           <p:cNvPr id="8" name="TextBox 7">
             <a:extLst>
               <a:ext uri="{FF2B5EF4-FFF2-40B4-BE49-F238E27FC236}">
-                <a16:creationId xmlns:a16="http://schemas.microsoft.com/office/drawing/2014/main" id="{1AC6E9DC-8CA5-4EA5-B41E-A128F7CDF3A4}"/>
+                <a16:creationId xmlns:a16="http://schemas.microsoft.com/office/drawing/2014/main" id="{AA3957BE-74D4-42AC-BA54-A7ACE587FDD8}"/>
               </a:ext>
             </a:extLst>
           </p:cNvPr>
@@ -7519,8 +7633,8 @@
         </p:nvSpPr>
         <p:spPr>
           <a:xfrm>
-            <a:off x="6387094" y="1153887"/>
-            <a:ext cx="4726383" cy="1384995"/>
+            <a:off x="454112" y="2389745"/>
+            <a:ext cx="11131084" cy="1815882"/>
           </a:xfrm>
           <a:prstGeom prst="rect">
             <a:avLst/>
@@ -7551,133 +7665,7 @@
                 <a:latin typeface="Montserrat" panose="00000500000000000000" pitchFamily="2" charset="0"/>
                 <a:ea typeface="Roboto" panose="02000000000000000000" pitchFamily="2" charset="0"/>
               </a:rPr>
-              <a:t>The </a:t>
-            </a:r>
-            <a:r>
-              <a:rPr lang="en-US" sz="2800" b="1" dirty="0">
-                <a:solidFill>
-                  <a:schemeClr val="tx2">
-                    <a:lumMod val="75000"/>
-                  </a:schemeClr>
-                </a:solidFill>
-                <a:latin typeface="Montserrat" panose="00000500000000000000" pitchFamily="2" charset="0"/>
-                <a:ea typeface="Roboto" panose="02000000000000000000" pitchFamily="2" charset="0"/>
-              </a:rPr>
-              <a:t>Time</a:t>
-            </a:r>
-            <a:r>
-              <a:rPr lang="en-US" sz="2800" dirty="0">
-                <a:solidFill>
-                  <a:schemeClr val="tx2">
-                    <a:lumMod val="75000"/>
-                  </a:schemeClr>
-                </a:solidFill>
-                <a:latin typeface="Montserrat" panose="00000500000000000000" pitchFamily="2" charset="0"/>
-                <a:ea typeface="Roboto" panose="02000000000000000000" pitchFamily="2" charset="0"/>
-              </a:rPr>
-              <a:t> section lets you set the time frame of shifts you want displayed</a:t>
-            </a:r>
-          </a:p>
-        </p:txBody>
-      </p:sp>
-      <p:sp>
-        <p:nvSpPr>
-          <p:cNvPr id="12" name="TextBox 11">
-            <a:extLst>
-              <a:ext uri="{FF2B5EF4-FFF2-40B4-BE49-F238E27FC236}">
-                <a16:creationId xmlns:a16="http://schemas.microsoft.com/office/drawing/2014/main" id="{99526500-B620-4E66-BE70-0F5F9A192F6A}"/>
-              </a:ext>
-            </a:extLst>
-          </p:cNvPr>
-          <p:cNvSpPr txBox="1"/>
-          <p:nvPr/>
-        </p:nvSpPr>
-        <p:spPr>
-          <a:xfrm>
-            <a:off x="662378" y="4829972"/>
-            <a:ext cx="8564172" cy="1384995"/>
-          </a:xfrm>
-          <a:prstGeom prst="rect">
-            <a:avLst/>
-          </a:prstGeom>
-          <a:solidFill>
-            <a:schemeClr val="accent6">
-              <a:lumMod val="60000"/>
-              <a:lumOff val="40000"/>
-            </a:schemeClr>
-          </a:solidFill>
-          <a:ln>
-            <a:noFill/>
-          </a:ln>
-        </p:spPr>
-        <p:txBody>
-          <a:bodyPr wrap="square" rtlCol="0">
-            <a:spAutoFit/>
-          </a:bodyPr>
-          <a:lstStyle/>
-          <a:p>
-            <a:r>
-              <a:rPr lang="en-US" sz="2800" dirty="0">
-                <a:solidFill>
-                  <a:schemeClr val="tx2">
-                    <a:lumMod val="75000"/>
-                  </a:schemeClr>
-                </a:solidFill>
-                <a:latin typeface="Montserrat" panose="00000500000000000000" pitchFamily="2" charset="0"/>
-                <a:ea typeface="Roboto" panose="02000000000000000000" pitchFamily="2" charset="0"/>
-              </a:rPr>
-              <a:t>If I want to see only the Saw Guy’s Shifts I check the box next to Employee and enter Saw Guy into the line edit to the right</a:t>
-            </a:r>
-          </a:p>
-        </p:txBody>
-      </p:sp>
-      <p:sp>
-        <p:nvSpPr>
-          <p:cNvPr id="13" name="TextBox 12">
-            <a:extLst>
-              <a:ext uri="{FF2B5EF4-FFF2-40B4-BE49-F238E27FC236}">
-                <a16:creationId xmlns:a16="http://schemas.microsoft.com/office/drawing/2014/main" id="{3BBD114F-C771-4D65-A94C-DA439CDEF6C0}"/>
-              </a:ext>
-            </a:extLst>
-          </p:cNvPr>
-          <p:cNvSpPr txBox="1"/>
-          <p:nvPr/>
-        </p:nvSpPr>
-        <p:spPr>
-          <a:xfrm>
-            <a:off x="6414462" y="2765147"/>
-            <a:ext cx="4726383" cy="954107"/>
-          </a:xfrm>
-          <a:prstGeom prst="rect">
-            <a:avLst/>
-          </a:prstGeom>
-          <a:solidFill>
-            <a:schemeClr val="accent6">
-              <a:lumMod val="60000"/>
-              <a:lumOff val="40000"/>
-            </a:schemeClr>
-          </a:solidFill>
-          <a:ln>
-            <a:noFill/>
-          </a:ln>
-        </p:spPr>
-        <p:txBody>
-          <a:bodyPr wrap="square" rtlCol="0">
-            <a:spAutoFit/>
-          </a:bodyPr>
-          <a:lstStyle/>
-          <a:p>
-            <a:r>
-              <a:rPr lang="en-US" sz="2800" dirty="0">
-                <a:solidFill>
-                  <a:schemeClr val="tx2">
-                    <a:lumMod val="75000"/>
-                  </a:schemeClr>
-                </a:solidFill>
-                <a:latin typeface="Montserrat" panose="00000500000000000000" pitchFamily="2" charset="0"/>
-                <a:ea typeface="Roboto" panose="02000000000000000000" pitchFamily="2" charset="0"/>
-              </a:rPr>
-              <a:t>By default the current week is what is displayed</a:t>
+              <a:t>This can be easily used to see how much time was spent on one Project or how much someone worked in a year. All you have to do is adjust the Display By and Time Sections to your preferred specification.</a:t>
             </a:r>
           </a:p>
         </p:txBody>
@@ -7685,7 +7673,7 @@
     </p:spTree>
     <p:extLst>
       <p:ext uri="{BB962C8B-B14F-4D97-AF65-F5344CB8AC3E}">
-        <p14:creationId xmlns:p14="http://schemas.microsoft.com/office/powerpoint/2010/main" val="563340211"/>
+        <p14:creationId xmlns:p14="http://schemas.microsoft.com/office/powerpoint/2010/main" val="3718227015"/>
       </p:ext>
     </p:extLst>
   </p:cSld>
@@ -7714,10 +7702,10 @@
       </p:grpSpPr>
       <p:pic>
         <p:nvPicPr>
-          <p:cNvPr id="2" name="Picture 1">
-            <a:extLst>
-              <a:ext uri="{FF2B5EF4-FFF2-40B4-BE49-F238E27FC236}">
-                <a16:creationId xmlns:a16="http://schemas.microsoft.com/office/drawing/2014/main" id="{2A5F2EC9-3B29-4F03-8A29-10161B44645E}"/>
+          <p:cNvPr id="9" name="Picture 8">
+            <a:extLst>
+              <a:ext uri="{FF2B5EF4-FFF2-40B4-BE49-F238E27FC236}">
+                <a16:creationId xmlns:a16="http://schemas.microsoft.com/office/drawing/2014/main" id="{C948CEE3-797C-4495-A15B-CB0FCFE77D42}"/>
               </a:ext>
             </a:extLst>
           </p:cNvPr>
@@ -7742,61 +7730,93 @@
           </a:prstGeom>
         </p:spPr>
       </p:pic>
-      <p:cxnSp>
-        <p:nvCxnSpPr>
-          <p:cNvPr id="3" name="Straight Arrow Connector 2">
-            <a:extLst>
-              <a:ext uri="{FF2B5EF4-FFF2-40B4-BE49-F238E27FC236}">
-                <a16:creationId xmlns:a16="http://schemas.microsoft.com/office/drawing/2014/main" id="{304224B8-B6FE-45C1-A5C1-056D4E375BF9}"/>
-              </a:ext>
-            </a:extLst>
-          </p:cNvPr>
-          <p:cNvCxnSpPr>
-            <a:cxnSpLocks/>
-          </p:cNvCxnSpPr>
-          <p:nvPr/>
-        </p:nvCxnSpPr>
-        <p:spPr>
-          <a:xfrm flipV="1">
-            <a:off x="6056851" y="604007"/>
-            <a:ext cx="5276676" cy="838899"/>
-          </a:xfrm>
-          <a:prstGeom prst="straightConnector1">
-            <a:avLst/>
-          </a:prstGeom>
-          <a:ln w="57150" cap="flat" cmpd="sng" algn="ctr">
-            <a:solidFill>
-              <a:schemeClr val="tx2">
-                <a:lumMod val="75000"/>
-              </a:schemeClr>
-            </a:solidFill>
-            <a:prstDash val="solid"/>
-            <a:round/>
-            <a:headEnd type="none" w="med" len="med"/>
-            <a:tailEnd type="arrow" w="med" len="med"/>
+      <p:pic>
+        <p:nvPicPr>
+          <p:cNvPr id="2" name="Picture 1">
+            <a:extLst>
+              <a:ext uri="{FF2B5EF4-FFF2-40B4-BE49-F238E27FC236}">
+                <a16:creationId xmlns:a16="http://schemas.microsoft.com/office/drawing/2014/main" id="{53C422A3-B35C-4F44-87D4-7523DCB01E65}"/>
+              </a:ext>
+            </a:extLst>
+          </p:cNvPr>
+          <p:cNvPicPr>
+            <a:picLocks noChangeAspect="1"/>
+          </p:cNvPicPr>
+          <p:nvPr/>
+        </p:nvPicPr>
+        <p:blipFill>
+          <a:blip r:embed="rId3"/>
+          <a:stretch>
+            <a:fillRect/>
+          </a:stretch>
+        </p:blipFill>
+        <p:spPr>
+          <a:xfrm>
+            <a:off x="0" y="0"/>
+            <a:ext cx="12192000" cy="6858000"/>
+          </a:xfrm>
+          <a:prstGeom prst="rect">
+            <a:avLst/>
+          </a:prstGeom>
+        </p:spPr>
+      </p:pic>
+      <p:sp>
+        <p:nvSpPr>
+          <p:cNvPr id="4" name="TextBox 3">
+            <a:extLst>
+              <a:ext uri="{FF2B5EF4-FFF2-40B4-BE49-F238E27FC236}">
+                <a16:creationId xmlns:a16="http://schemas.microsoft.com/office/drawing/2014/main" id="{A04C0C19-AA14-4E7E-A78B-90D7D6476866}"/>
+              </a:ext>
+            </a:extLst>
+          </p:cNvPr>
+          <p:cNvSpPr txBox="1"/>
+          <p:nvPr/>
+        </p:nvSpPr>
+        <p:spPr>
+          <a:xfrm>
+            <a:off x="6280552" y="805191"/>
+            <a:ext cx="4964904" cy="523220"/>
+          </a:xfrm>
+          <a:prstGeom prst="rect">
+            <a:avLst/>
+          </a:prstGeom>
+          <a:solidFill>
+            <a:schemeClr val="accent6">
+              <a:lumMod val="60000"/>
+              <a:lumOff val="40000"/>
+            </a:schemeClr>
+          </a:solidFill>
+          <a:ln>
+            <a:noFill/>
           </a:ln>
         </p:spPr>
-        <p:style>
-          <a:lnRef idx="0">
-            <a:scrgbClr r="0" g="0" b="0"/>
-          </a:lnRef>
-          <a:fillRef idx="0">
-            <a:scrgbClr r="0" g="0" b="0"/>
-          </a:fillRef>
-          <a:effectRef idx="0">
-            <a:scrgbClr r="0" g="0" b="0"/>
-          </a:effectRef>
-          <a:fontRef idx="minor">
-            <a:schemeClr val="tx1"/>
-          </a:fontRef>
-        </p:style>
-      </p:cxnSp>
-      <p:sp>
-        <p:nvSpPr>
-          <p:cNvPr id="4" name="Rectangle: Rounded Corners 3">
-            <a:extLst>
-              <a:ext uri="{FF2B5EF4-FFF2-40B4-BE49-F238E27FC236}">
-                <a16:creationId xmlns:a16="http://schemas.microsoft.com/office/drawing/2014/main" id="{0AC95805-2CDE-4085-BA32-59176F498E8B}"/>
+        <p:txBody>
+          <a:bodyPr wrap="square" rtlCol="0">
+            <a:spAutoFit/>
+          </a:bodyPr>
+          <a:lstStyle/>
+          <a:p>
+            <a:r>
+              <a:rPr lang="en-US" sz="2800" dirty="0">
+                <a:solidFill>
+                  <a:schemeClr val="tx2">
+                    <a:lumMod val="75000"/>
+                  </a:schemeClr>
+                </a:solidFill>
+                <a:latin typeface="Montserrat" panose="00000500000000000000" pitchFamily="2" charset="0"/>
+                <a:ea typeface="Roboto" panose="02000000000000000000" pitchFamily="2" charset="0"/>
+              </a:rPr>
+              <a:t>Tab five is called Settings</a:t>
+            </a:r>
+          </a:p>
+        </p:txBody>
+      </p:sp>
+      <p:sp>
+        <p:nvSpPr>
+          <p:cNvPr id="5" name="Rectangle: Rounded Corners 4">
+            <a:extLst>
+              <a:ext uri="{FF2B5EF4-FFF2-40B4-BE49-F238E27FC236}">
+                <a16:creationId xmlns:a16="http://schemas.microsoft.com/office/drawing/2014/main" id="{BB5C725D-AEA9-4443-BB0E-9DE9D27358B7}"/>
               </a:ext>
             </a:extLst>
           </p:cNvPr>
@@ -7805,8 +7825,8 @@
         </p:nvSpPr>
         <p:spPr>
           <a:xfrm>
-            <a:off x="11656219" y="335560"/>
-            <a:ext cx="414338" cy="383578"/>
+            <a:off x="2003036" y="41275"/>
+            <a:ext cx="518746" cy="243951"/>
           </a:xfrm>
           <a:prstGeom prst="roundRect">
             <a:avLst/>
@@ -7848,10 +7868,10 @@
       </p:sp>
       <p:sp>
         <p:nvSpPr>
-          <p:cNvPr id="5" name="TextBox 4">
-            <a:extLst>
-              <a:ext uri="{FF2B5EF4-FFF2-40B4-BE49-F238E27FC236}">
-                <a16:creationId xmlns:a16="http://schemas.microsoft.com/office/drawing/2014/main" id="{9405F338-11DF-42C2-9AB0-048E9B7888E6}"/>
+          <p:cNvPr id="6" name="TextBox 5">
+            <a:extLst>
+              <a:ext uri="{FF2B5EF4-FFF2-40B4-BE49-F238E27FC236}">
+                <a16:creationId xmlns:a16="http://schemas.microsoft.com/office/drawing/2014/main" id="{F68C3D44-6C5E-481C-A456-1574AFAE4D04}"/>
               </a:ext>
             </a:extLst>
           </p:cNvPr>
@@ -7860,8 +7880,8 @@
         </p:nvSpPr>
         <p:spPr>
           <a:xfrm>
-            <a:off x="454112" y="956346"/>
-            <a:ext cx="5384626" cy="954107"/>
+            <a:off x="6280552" y="1749099"/>
+            <a:ext cx="4641414" cy="954107"/>
           </a:xfrm>
           <a:prstGeom prst="rect">
             <a:avLst/>
@@ -7892,17 +7912,66 @@
                 <a:latin typeface="Montserrat" panose="00000500000000000000" pitchFamily="2" charset="0"/>
                 <a:ea typeface="Roboto" panose="02000000000000000000" pitchFamily="2" charset="0"/>
               </a:rPr>
-              <a:t>A summation of all displayed shifts can be seen here</a:t>
-            </a:r>
-          </a:p>
-        </p:txBody>
-      </p:sp>
-      <p:sp>
-        <p:nvSpPr>
-          <p:cNvPr id="8" name="TextBox 7">
-            <a:extLst>
-              <a:ext uri="{FF2B5EF4-FFF2-40B4-BE49-F238E27FC236}">
-                <a16:creationId xmlns:a16="http://schemas.microsoft.com/office/drawing/2014/main" id="{AA3957BE-74D4-42AC-BA54-A7ACE587FDD8}"/>
+              <a:t>This doesn’t affect the current tab you are on</a:t>
+            </a:r>
+          </a:p>
+        </p:txBody>
+      </p:sp>
+      <p:cxnSp>
+        <p:nvCxnSpPr>
+          <p:cNvPr id="7" name="Straight Arrow Connector 6">
+            <a:extLst>
+              <a:ext uri="{FF2B5EF4-FFF2-40B4-BE49-F238E27FC236}">
+                <a16:creationId xmlns:a16="http://schemas.microsoft.com/office/drawing/2014/main" id="{6B311ED2-78B4-4CEA-A010-43B2DC4914F7}"/>
+              </a:ext>
+            </a:extLst>
+          </p:cNvPr>
+          <p:cNvCxnSpPr>
+            <a:cxnSpLocks/>
+          </p:cNvCxnSpPr>
+          <p:nvPr/>
+        </p:nvCxnSpPr>
+        <p:spPr>
+          <a:xfrm flipH="1" flipV="1">
+            <a:off x="2629727" y="285226"/>
+            <a:ext cx="3497140" cy="756674"/>
+          </a:xfrm>
+          <a:prstGeom prst="straightConnector1">
+            <a:avLst/>
+          </a:prstGeom>
+          <a:ln w="57150" cap="flat" cmpd="sng" algn="ctr">
+            <a:solidFill>
+              <a:schemeClr val="tx2">
+                <a:lumMod val="75000"/>
+              </a:schemeClr>
+            </a:solidFill>
+            <a:prstDash val="solid"/>
+            <a:round/>
+            <a:headEnd type="none" w="med" len="med"/>
+            <a:tailEnd type="arrow" w="med" len="med"/>
+          </a:ln>
+        </p:spPr>
+        <p:style>
+          <a:lnRef idx="0">
+            <a:scrgbClr r="0" g="0" b="0"/>
+          </a:lnRef>
+          <a:fillRef idx="0">
+            <a:scrgbClr r="0" g="0" b="0"/>
+          </a:fillRef>
+          <a:effectRef idx="0">
+            <a:scrgbClr r="0" g="0" b="0"/>
+          </a:effectRef>
+          <a:fontRef idx="minor">
+            <a:schemeClr val="tx1"/>
+          </a:fontRef>
+        </p:style>
+      </p:cxnSp>
+      <p:sp>
+        <p:nvSpPr>
+          <p:cNvPr id="10" name="TextBox 9">
+            <a:extLst>
+              <a:ext uri="{FF2B5EF4-FFF2-40B4-BE49-F238E27FC236}">
+                <a16:creationId xmlns:a16="http://schemas.microsoft.com/office/drawing/2014/main" id="{B7A2588A-1FFF-47D3-8CD5-FFBD7FA705B9}"/>
               </a:ext>
             </a:extLst>
           </p:cNvPr>
@@ -7911,8 +7980,8 @@
         </p:nvSpPr>
         <p:spPr>
           <a:xfrm>
-            <a:off x="454112" y="2389745"/>
-            <a:ext cx="11131084" cy="1815882"/>
+            <a:off x="3942826" y="3139098"/>
+            <a:ext cx="6979140" cy="523220"/>
           </a:xfrm>
           <a:prstGeom prst="rect">
             <a:avLst/>
@@ -7943,7 +8012,7 @@
                 <a:latin typeface="Montserrat" panose="00000500000000000000" pitchFamily="2" charset="0"/>
                 <a:ea typeface="Roboto" panose="02000000000000000000" pitchFamily="2" charset="0"/>
               </a:rPr>
-              <a:t>This can be easily used to see how much time was spent on one Project or how much someone worked in a year. All you have to do is adjust the Display By and Time Sections to your preferred specification.</a:t>
+              <a:t>As of now there are only three options</a:t>
             </a:r>
           </a:p>
         </p:txBody>
@@ -7951,7 +8020,7 @@
     </p:spTree>
     <p:extLst>
       <p:ext uri="{BB962C8B-B14F-4D97-AF65-F5344CB8AC3E}">
-        <p14:creationId xmlns:p14="http://schemas.microsoft.com/office/powerpoint/2010/main" val="3718227015"/>
+        <p14:creationId xmlns:p14="http://schemas.microsoft.com/office/powerpoint/2010/main" val="3554429976"/>
       </p:ext>
     </p:extLst>
   </p:cSld>
@@ -8008,6 +8077,36 @@
           </a:prstGeom>
         </p:spPr>
       </p:pic>
+      <p:pic>
+        <p:nvPicPr>
+          <p:cNvPr id="10" name="Picture 9">
+            <a:extLst>
+              <a:ext uri="{FF2B5EF4-FFF2-40B4-BE49-F238E27FC236}">
+                <a16:creationId xmlns:a16="http://schemas.microsoft.com/office/drawing/2014/main" id="{56065975-2FE6-41CD-A332-1DFF0E8C7847}"/>
+              </a:ext>
+            </a:extLst>
+          </p:cNvPr>
+          <p:cNvPicPr>
+            <a:picLocks noChangeAspect="1"/>
+          </p:cNvPicPr>
+          <p:nvPr/>
+        </p:nvPicPr>
+        <p:blipFill>
+          <a:blip r:embed="rId3"/>
+          <a:stretch>
+            <a:fillRect/>
+          </a:stretch>
+        </p:blipFill>
+        <p:spPr>
+          <a:xfrm>
+            <a:off x="0" y="0"/>
+            <a:ext cx="12192000" cy="6858000"/>
+          </a:xfrm>
+          <a:prstGeom prst="rect">
+            <a:avLst/>
+          </a:prstGeom>
+        </p:spPr>
+      </p:pic>
       <p:sp>
         <p:nvSpPr>
           <p:cNvPr id="3" name="TextBox 2">
@@ -8126,8 +8225,8 @@
         </p:nvCxnSpPr>
         <p:spPr>
           <a:xfrm>
-            <a:off x="6535024" y="1174459"/>
-            <a:ext cx="377504" cy="1199625"/>
+            <a:off x="5821960" y="1124125"/>
+            <a:ext cx="274040" cy="1242929"/>
           </a:xfrm>
           <a:prstGeom prst="straightConnector1">
             <a:avLst/>
@@ -8191,10 +8290,10 @@
       </p:grpSpPr>
       <p:pic>
         <p:nvPicPr>
-          <p:cNvPr id="9" name="Picture 8">
-            <a:extLst>
-              <a:ext uri="{FF2B5EF4-FFF2-40B4-BE49-F238E27FC236}">
-                <a16:creationId xmlns:a16="http://schemas.microsoft.com/office/drawing/2014/main" id="{C948CEE3-797C-4495-A15B-CB0FCFE77D42}"/>
+          <p:cNvPr id="2" name="Picture 1">
+            <a:extLst>
+              <a:ext uri="{FF2B5EF4-FFF2-40B4-BE49-F238E27FC236}">
+                <a16:creationId xmlns:a16="http://schemas.microsoft.com/office/drawing/2014/main" id="{F0BC3FA2-AF89-47CF-9A47-A9B9A7818A8C}"/>
               </a:ext>
             </a:extLst>
           </p:cNvPr>
@@ -8219,299 +8318,12 @@
           </a:prstGeom>
         </p:spPr>
       </p:pic>
-      <p:sp>
-        <p:nvSpPr>
-          <p:cNvPr id="4" name="TextBox 3">
-            <a:extLst>
-              <a:ext uri="{FF2B5EF4-FFF2-40B4-BE49-F238E27FC236}">
-                <a16:creationId xmlns:a16="http://schemas.microsoft.com/office/drawing/2014/main" id="{A04C0C19-AA14-4E7E-A78B-90D7D6476866}"/>
-              </a:ext>
-            </a:extLst>
-          </p:cNvPr>
-          <p:cNvSpPr txBox="1"/>
-          <p:nvPr/>
-        </p:nvSpPr>
-        <p:spPr>
-          <a:xfrm>
-            <a:off x="6280552" y="805191"/>
-            <a:ext cx="4964904" cy="523220"/>
-          </a:xfrm>
-          <a:prstGeom prst="rect">
-            <a:avLst/>
-          </a:prstGeom>
-          <a:solidFill>
-            <a:schemeClr val="accent6">
-              <a:lumMod val="60000"/>
-              <a:lumOff val="40000"/>
-            </a:schemeClr>
-          </a:solidFill>
-          <a:ln>
-            <a:noFill/>
-          </a:ln>
-        </p:spPr>
-        <p:txBody>
-          <a:bodyPr wrap="square" rtlCol="0">
-            <a:spAutoFit/>
-          </a:bodyPr>
-          <a:lstStyle/>
-          <a:p>
-            <a:r>
-              <a:rPr lang="en-US" sz="2800" dirty="0">
-                <a:solidFill>
-                  <a:schemeClr val="tx2">
-                    <a:lumMod val="75000"/>
-                  </a:schemeClr>
-                </a:solidFill>
-                <a:latin typeface="Montserrat" panose="00000500000000000000" pitchFamily="2" charset="0"/>
-                <a:ea typeface="Roboto" panose="02000000000000000000" pitchFamily="2" charset="0"/>
-              </a:rPr>
-              <a:t>Tab five is called Settings</a:t>
-            </a:r>
-          </a:p>
-        </p:txBody>
-      </p:sp>
-      <p:sp>
-        <p:nvSpPr>
-          <p:cNvPr id="5" name="Rectangle: Rounded Corners 4">
-            <a:extLst>
-              <a:ext uri="{FF2B5EF4-FFF2-40B4-BE49-F238E27FC236}">
-                <a16:creationId xmlns:a16="http://schemas.microsoft.com/office/drawing/2014/main" id="{BB5C725D-AEA9-4443-BB0E-9DE9D27358B7}"/>
-              </a:ext>
-            </a:extLst>
-          </p:cNvPr>
-          <p:cNvSpPr/>
-          <p:nvPr/>
-        </p:nvSpPr>
-        <p:spPr>
-          <a:xfrm>
-            <a:off x="2003036" y="41275"/>
-            <a:ext cx="518746" cy="243951"/>
-          </a:xfrm>
-          <a:prstGeom prst="roundRect">
-            <a:avLst/>
-          </a:prstGeom>
-          <a:noFill/>
-          <a:ln w="76200">
-            <a:solidFill>
-              <a:schemeClr val="accent6">
-                <a:lumMod val="60000"/>
-                <a:lumOff val="40000"/>
-              </a:schemeClr>
-            </a:solidFill>
-          </a:ln>
-        </p:spPr>
-        <p:style>
-          <a:lnRef idx="2">
-            <a:schemeClr val="accent1">
-              <a:shade val="50000"/>
-            </a:schemeClr>
-          </a:lnRef>
-          <a:fillRef idx="1">
-            <a:schemeClr val="accent1"/>
-          </a:fillRef>
-          <a:effectRef idx="0">
-            <a:schemeClr val="accent1"/>
-          </a:effectRef>
-          <a:fontRef idx="minor">
-            <a:schemeClr val="lt1"/>
-          </a:fontRef>
-        </p:style>
-        <p:txBody>
-          <a:bodyPr rtlCol="0" anchor="ctr"/>
-          <a:lstStyle/>
-          <a:p>
-            <a:pPr algn="ctr"/>
-            <a:endParaRPr lang="en-US"/>
-          </a:p>
-        </p:txBody>
-      </p:sp>
-      <p:sp>
-        <p:nvSpPr>
-          <p:cNvPr id="6" name="TextBox 5">
-            <a:extLst>
-              <a:ext uri="{FF2B5EF4-FFF2-40B4-BE49-F238E27FC236}">
-                <a16:creationId xmlns:a16="http://schemas.microsoft.com/office/drawing/2014/main" id="{F68C3D44-6C5E-481C-A456-1574AFAE4D04}"/>
-              </a:ext>
-            </a:extLst>
-          </p:cNvPr>
-          <p:cNvSpPr txBox="1"/>
-          <p:nvPr/>
-        </p:nvSpPr>
-        <p:spPr>
-          <a:xfrm>
-            <a:off x="6280552" y="1749099"/>
-            <a:ext cx="4641414" cy="954107"/>
-          </a:xfrm>
-          <a:prstGeom prst="rect">
-            <a:avLst/>
-          </a:prstGeom>
-          <a:solidFill>
-            <a:schemeClr val="accent6">
-              <a:lumMod val="60000"/>
-              <a:lumOff val="40000"/>
-            </a:schemeClr>
-          </a:solidFill>
-          <a:ln>
-            <a:noFill/>
-          </a:ln>
-        </p:spPr>
-        <p:txBody>
-          <a:bodyPr wrap="square" rtlCol="0">
-            <a:spAutoFit/>
-          </a:bodyPr>
-          <a:lstStyle/>
-          <a:p>
-            <a:r>
-              <a:rPr lang="en-US" sz="2800" dirty="0">
-                <a:solidFill>
-                  <a:schemeClr val="tx2">
-                    <a:lumMod val="75000"/>
-                  </a:schemeClr>
-                </a:solidFill>
-                <a:latin typeface="Montserrat" panose="00000500000000000000" pitchFamily="2" charset="0"/>
-                <a:ea typeface="Roboto" panose="02000000000000000000" pitchFamily="2" charset="0"/>
-              </a:rPr>
-              <a:t>This doesn’t affect the current tab you are on</a:t>
-            </a:r>
-          </a:p>
-        </p:txBody>
-      </p:sp>
-      <p:cxnSp>
-        <p:nvCxnSpPr>
-          <p:cNvPr id="7" name="Straight Arrow Connector 6">
-            <a:extLst>
-              <a:ext uri="{FF2B5EF4-FFF2-40B4-BE49-F238E27FC236}">
-                <a16:creationId xmlns:a16="http://schemas.microsoft.com/office/drawing/2014/main" id="{6B311ED2-78B4-4CEA-A010-43B2DC4914F7}"/>
-              </a:ext>
-            </a:extLst>
-          </p:cNvPr>
-          <p:cNvCxnSpPr>
-            <a:cxnSpLocks/>
-          </p:cNvCxnSpPr>
-          <p:nvPr/>
-        </p:nvCxnSpPr>
-        <p:spPr>
-          <a:xfrm flipH="1" flipV="1">
-            <a:off x="2629727" y="285226"/>
-            <a:ext cx="3497140" cy="756674"/>
-          </a:xfrm>
-          <a:prstGeom prst="straightConnector1">
-            <a:avLst/>
-          </a:prstGeom>
-          <a:ln w="57150" cap="flat" cmpd="sng" algn="ctr">
-            <a:solidFill>
-              <a:schemeClr val="tx2">
-                <a:lumMod val="75000"/>
-              </a:schemeClr>
-            </a:solidFill>
-            <a:prstDash val="solid"/>
-            <a:round/>
-            <a:headEnd type="none" w="med" len="med"/>
-            <a:tailEnd type="arrow" w="med" len="med"/>
-          </a:ln>
-        </p:spPr>
-        <p:style>
-          <a:lnRef idx="0">
-            <a:scrgbClr r="0" g="0" b="0"/>
-          </a:lnRef>
-          <a:fillRef idx="0">
-            <a:scrgbClr r="0" g="0" b="0"/>
-          </a:fillRef>
-          <a:effectRef idx="0">
-            <a:scrgbClr r="0" g="0" b="0"/>
-          </a:effectRef>
-          <a:fontRef idx="minor">
-            <a:schemeClr val="tx1"/>
-          </a:fontRef>
-        </p:style>
-      </p:cxnSp>
-      <p:sp>
-        <p:nvSpPr>
-          <p:cNvPr id="10" name="TextBox 9">
-            <a:extLst>
-              <a:ext uri="{FF2B5EF4-FFF2-40B4-BE49-F238E27FC236}">
-                <a16:creationId xmlns:a16="http://schemas.microsoft.com/office/drawing/2014/main" id="{B7A2588A-1FFF-47D3-8CD5-FFBD7FA705B9}"/>
-              </a:ext>
-            </a:extLst>
-          </p:cNvPr>
-          <p:cNvSpPr txBox="1"/>
-          <p:nvPr/>
-        </p:nvSpPr>
-        <p:spPr>
-          <a:xfrm>
-            <a:off x="3942826" y="3139098"/>
-            <a:ext cx="6979140" cy="523220"/>
-          </a:xfrm>
-          <a:prstGeom prst="rect">
-            <a:avLst/>
-          </a:prstGeom>
-          <a:solidFill>
-            <a:schemeClr val="accent6">
-              <a:lumMod val="60000"/>
-              <a:lumOff val="40000"/>
-            </a:schemeClr>
-          </a:solidFill>
-          <a:ln>
-            <a:noFill/>
-          </a:ln>
-        </p:spPr>
-        <p:txBody>
-          <a:bodyPr wrap="square" rtlCol="0">
-            <a:spAutoFit/>
-          </a:bodyPr>
-          <a:lstStyle/>
-          <a:p>
-            <a:r>
-              <a:rPr lang="en-US" sz="2800" dirty="0">
-                <a:solidFill>
-                  <a:schemeClr val="tx2">
-                    <a:lumMod val="75000"/>
-                  </a:schemeClr>
-                </a:solidFill>
-                <a:latin typeface="Montserrat" panose="00000500000000000000" pitchFamily="2" charset="0"/>
-                <a:ea typeface="Roboto" panose="02000000000000000000" pitchFamily="2" charset="0"/>
-              </a:rPr>
-              <a:t>As of now there are only three options</a:t>
-            </a:r>
-          </a:p>
-        </p:txBody>
-      </p:sp>
-    </p:spTree>
-    <p:extLst>
-      <p:ext uri="{BB962C8B-B14F-4D97-AF65-F5344CB8AC3E}">
-        <p14:creationId xmlns:p14="http://schemas.microsoft.com/office/powerpoint/2010/main" val="3554429976"/>
-      </p:ext>
-    </p:extLst>
-  </p:cSld>
-  <p:clrMapOvr>
-    <a:masterClrMapping/>
-  </p:clrMapOvr>
-</p:sld>
-</file>
-
-<file path=ppt/slides/slide21.xml><?xml version="1.0" encoding="utf-8"?>
-<p:sld xmlns:a="http://schemas.openxmlformats.org/drawingml/2006/main" xmlns:r="http://schemas.openxmlformats.org/officeDocument/2006/relationships" xmlns:p="http://schemas.openxmlformats.org/presentationml/2006/main">
-  <p:cSld>
-    <p:spTree>
-      <p:nvGrpSpPr>
-        <p:cNvPr id="1" name=""/>
-        <p:cNvGrpSpPr/>
-        <p:nvPr/>
-      </p:nvGrpSpPr>
-      <p:grpSpPr>
-        <a:xfrm>
-          <a:off x="0" y="0"/>
-          <a:ext cx="0" cy="0"/>
-          <a:chOff x="0" y="0"/>
-          <a:chExt cx="0" cy="0"/>
-        </a:xfrm>
-      </p:grpSpPr>
       <p:pic>
         <p:nvPicPr>
-          <p:cNvPr id="2" name="Picture 1">
-            <a:extLst>
-              <a:ext uri="{FF2B5EF4-FFF2-40B4-BE49-F238E27FC236}">
-                <a16:creationId xmlns:a16="http://schemas.microsoft.com/office/drawing/2014/main" id="{F0BC3FA2-AF89-47CF-9A47-A9B9A7818A8C}"/>
+          <p:cNvPr id="6" name="Picture 5">
+            <a:extLst>
+              <a:ext uri="{FF2B5EF4-FFF2-40B4-BE49-F238E27FC236}">
+                <a16:creationId xmlns:a16="http://schemas.microsoft.com/office/drawing/2014/main" id="{F4016723-A02A-46E9-97B0-53B1B96C4996}"/>
               </a:ext>
             </a:extLst>
           </p:cNvPr>
@@ -8521,7 +8333,7 @@
           <p:nvPr/>
         </p:nvPicPr>
         <p:blipFill>
-          <a:blip r:embed="rId2"/>
+          <a:blip r:embed="rId3"/>
           <a:stretch>
             <a:fillRect/>
           </a:stretch>
@@ -8958,7 +8770,7 @@
 </p:sld>
 </file>
 
-<file path=ppt/slides/slide22.xml><?xml version="1.0" encoding="utf-8"?>
+<file path=ppt/slides/slide21.xml><?xml version="1.0" encoding="utf-8"?>
 <p:sld xmlns:a="http://schemas.openxmlformats.org/drawingml/2006/main" xmlns:r="http://schemas.openxmlformats.org/officeDocument/2006/relationships" xmlns:p="http://schemas.openxmlformats.org/presentationml/2006/main">
   <p:cSld>
     <p:spTree>
@@ -9123,6 +8935,36 @@
         </p:nvPicPr>
         <p:blipFill>
           <a:blip r:embed="rId2"/>
+          <a:stretch>
+            <a:fillRect/>
+          </a:stretch>
+        </p:blipFill>
+        <p:spPr>
+          <a:xfrm>
+            <a:off x="0" y="0"/>
+            <a:ext cx="12192000" cy="6858000"/>
+          </a:xfrm>
+          <a:prstGeom prst="rect">
+            <a:avLst/>
+          </a:prstGeom>
+        </p:spPr>
+      </p:pic>
+      <p:pic>
+        <p:nvPicPr>
+          <p:cNvPr id="7" name="Picture 6">
+            <a:extLst>
+              <a:ext uri="{FF2B5EF4-FFF2-40B4-BE49-F238E27FC236}">
+                <a16:creationId xmlns:a16="http://schemas.microsoft.com/office/drawing/2014/main" id="{54C58DF5-AED0-44F3-8953-19069A5AA80A}"/>
+              </a:ext>
+            </a:extLst>
+          </p:cNvPr>
+          <p:cNvPicPr>
+            <a:picLocks noChangeAspect="1"/>
+          </p:cNvPicPr>
+          <p:nvPr/>
+        </p:nvPicPr>
+        <p:blipFill>
+          <a:blip r:embed="rId3"/>
           <a:stretch>
             <a:fillRect/>
           </a:stretch>
@@ -9630,6 +9472,36 @@
           </a:prstGeom>
         </p:spPr>
       </p:pic>
+      <p:pic>
+        <p:nvPicPr>
+          <p:cNvPr id="2" name="Picture 1">
+            <a:extLst>
+              <a:ext uri="{FF2B5EF4-FFF2-40B4-BE49-F238E27FC236}">
+                <a16:creationId xmlns:a16="http://schemas.microsoft.com/office/drawing/2014/main" id="{6523C7A4-4C88-445C-8376-DCB0A69428BA}"/>
+              </a:ext>
+            </a:extLst>
+          </p:cNvPr>
+          <p:cNvPicPr>
+            <a:picLocks noChangeAspect="1"/>
+          </p:cNvPicPr>
+          <p:nvPr/>
+        </p:nvPicPr>
+        <p:blipFill>
+          <a:blip r:embed="rId3"/>
+          <a:stretch>
+            <a:fillRect/>
+          </a:stretch>
+        </p:blipFill>
+        <p:spPr>
+          <a:xfrm>
+            <a:off x="0" y="0"/>
+            <a:ext cx="12192000" cy="6858000"/>
+          </a:xfrm>
+          <a:prstGeom prst="rect">
+            <a:avLst/>
+          </a:prstGeom>
+        </p:spPr>
+      </p:pic>
       <p:sp>
         <p:nvSpPr>
           <p:cNvPr id="12" name="TextBox 11">
@@ -9803,8 +9675,8 @@
         </p:nvCxnSpPr>
         <p:spPr>
           <a:xfrm flipH="1" flipV="1">
-            <a:off x="924191" y="1846978"/>
-            <a:ext cx="1164668" cy="2874005"/>
+            <a:off x="924191" y="1622999"/>
+            <a:ext cx="1164668" cy="3097985"/>
           </a:xfrm>
           <a:prstGeom prst="straightConnector1">
             <a:avLst/>
@@ -9945,6 +9817,36 @@
           </a:prstGeom>
         </p:spPr>
       </p:pic>
+      <p:pic>
+        <p:nvPicPr>
+          <p:cNvPr id="2" name="Picture 1">
+            <a:extLst>
+              <a:ext uri="{FF2B5EF4-FFF2-40B4-BE49-F238E27FC236}">
+                <a16:creationId xmlns:a16="http://schemas.microsoft.com/office/drawing/2014/main" id="{3A7080D7-AEF4-4329-95A2-F66D70DBF487}"/>
+              </a:ext>
+            </a:extLst>
+          </p:cNvPr>
+          <p:cNvPicPr>
+            <a:picLocks noChangeAspect="1"/>
+          </p:cNvPicPr>
+          <p:nvPr/>
+        </p:nvPicPr>
+        <p:blipFill>
+          <a:blip r:embed="rId3"/>
+          <a:stretch>
+            <a:fillRect/>
+          </a:stretch>
+        </p:blipFill>
+        <p:spPr>
+          <a:xfrm>
+            <a:off x="0" y="14075"/>
+            <a:ext cx="12192000" cy="6858000"/>
+          </a:xfrm>
+          <a:prstGeom prst="rect">
+            <a:avLst/>
+          </a:prstGeom>
+        </p:spPr>
+      </p:pic>
       <p:cxnSp>
         <p:nvCxnSpPr>
           <p:cNvPr id="5" name="Straight Arrow Connector 4">
@@ -10146,7 +10048,7 @@
                 <a:latin typeface="Montserrat" panose="00000500000000000000" pitchFamily="2" charset="0"/>
                 <a:ea typeface="Roboto" panose="02000000000000000000" pitchFamily="2" charset="0"/>
               </a:rPr>
-              <a:t>Archive Employee </a:t>
+              <a:t>Edit Employee </a:t>
             </a:r>
             <a:r>
               <a:rPr lang="en-US" sz="2800" dirty="0">
@@ -10192,7 +10094,7 @@
                 <a:latin typeface="Montserrat" panose="00000500000000000000" pitchFamily="2" charset="0"/>
                 <a:ea typeface="Roboto" panose="02000000000000000000" pitchFamily="2" charset="0"/>
               </a:rPr>
-              <a:t>Click Archive</a:t>
+              <a:t>Click Edit</a:t>
             </a:r>
           </a:p>
         </p:txBody>
@@ -10804,7 +10706,7 @@
                 <a:latin typeface="Montserrat" panose="00000500000000000000" pitchFamily="2" charset="0"/>
                 <a:ea typeface="Roboto" panose="02000000000000000000" pitchFamily="2" charset="0"/>
               </a:rPr>
-              <a:t> options let you select what Employees are display</a:t>
+              <a:t> options let you select what Employees are displayed</a:t>
             </a:r>
           </a:p>
         </p:txBody>
@@ -10869,6 +10771,36 @@
           </a:prstGeom>
         </p:spPr>
       </p:pic>
+      <p:pic>
+        <p:nvPicPr>
+          <p:cNvPr id="16" name="Picture 15">
+            <a:extLst>
+              <a:ext uri="{FF2B5EF4-FFF2-40B4-BE49-F238E27FC236}">
+                <a16:creationId xmlns:a16="http://schemas.microsoft.com/office/drawing/2014/main" id="{EE139C23-EF5B-482C-A4D2-853A69904CFE}"/>
+              </a:ext>
+            </a:extLst>
+          </p:cNvPr>
+          <p:cNvPicPr>
+            <a:picLocks noChangeAspect="1"/>
+          </p:cNvPicPr>
+          <p:nvPr/>
+        </p:nvPicPr>
+        <p:blipFill>
+          <a:blip r:embed="rId3"/>
+          <a:stretch>
+            <a:fillRect/>
+          </a:stretch>
+        </p:blipFill>
+        <p:spPr>
+          <a:xfrm>
+            <a:off x="0" y="0"/>
+            <a:ext cx="12192000" cy="6858000"/>
+          </a:xfrm>
+          <a:prstGeom prst="rect">
+            <a:avLst/>
+          </a:prstGeom>
+        </p:spPr>
+      </p:pic>
       <p:sp>
         <p:nvSpPr>
           <p:cNvPr id="3" name="TextBox 2">
@@ -10883,7 +10815,7 @@
         </p:nvSpPr>
         <p:spPr>
           <a:xfrm>
-            <a:off x="5645947" y="777978"/>
+            <a:off x="5508404" y="285226"/>
             <a:ext cx="4574378" cy="523220"/>
           </a:xfrm>
           <a:prstGeom prst="rect">
@@ -11066,8 +10998,8 @@
         </p:nvCxnSpPr>
         <p:spPr>
           <a:xfrm flipH="1" flipV="1">
-            <a:off x="698505" y="1280019"/>
-            <a:ext cx="813772" cy="2148982"/>
+            <a:off x="698505" y="1551963"/>
+            <a:ext cx="813772" cy="1877038"/>
           </a:xfrm>
           <a:prstGeom prst="straightConnector1">
             <a:avLst/>
@@ -11115,8 +11047,8 @@
         </p:nvCxnSpPr>
         <p:spPr>
           <a:xfrm flipH="1" flipV="1">
-            <a:off x="1280839" y="213919"/>
-            <a:ext cx="4073676" cy="780879"/>
+            <a:off x="1280839" y="213920"/>
+            <a:ext cx="4062948" cy="305488"/>
           </a:xfrm>
           <a:prstGeom prst="straightConnector1">
             <a:avLst/>
@@ -11239,8 +11171,8 @@
         </p:nvCxnSpPr>
         <p:spPr>
           <a:xfrm flipV="1">
-            <a:off x="5284177" y="2646485"/>
-            <a:ext cx="1802423" cy="3297116"/>
+            <a:off x="5284177" y="1644242"/>
+            <a:ext cx="1385071" cy="4299359"/>
           </a:xfrm>
           <a:prstGeom prst="straightConnector1">
             <a:avLst/>
@@ -11332,6 +11264,36 @@
           </a:prstGeom>
         </p:spPr>
       </p:pic>
+      <p:pic>
+        <p:nvPicPr>
+          <p:cNvPr id="12" name="Picture 11">
+            <a:extLst>
+              <a:ext uri="{FF2B5EF4-FFF2-40B4-BE49-F238E27FC236}">
+                <a16:creationId xmlns:a16="http://schemas.microsoft.com/office/drawing/2014/main" id="{D732F2E5-23B5-41A4-85EB-FCBBCBBC0827}"/>
+              </a:ext>
+            </a:extLst>
+          </p:cNvPr>
+          <p:cNvPicPr>
+            <a:picLocks noChangeAspect="1"/>
+          </p:cNvPicPr>
+          <p:nvPr/>
+        </p:nvPicPr>
+        <p:blipFill>
+          <a:blip r:embed="rId3"/>
+          <a:stretch>
+            <a:fillRect/>
+          </a:stretch>
+        </p:blipFill>
+        <p:spPr>
+          <a:xfrm>
+            <a:off x="0" y="8111"/>
+            <a:ext cx="12192000" cy="6858000"/>
+          </a:xfrm>
+          <a:prstGeom prst="rect">
+            <a:avLst/>
+          </a:prstGeom>
+        </p:spPr>
+      </p:pic>
       <p:sp>
         <p:nvSpPr>
           <p:cNvPr id="2" name="TextBox 1">
@@ -11346,8 +11308,8 @@
         </p:nvSpPr>
         <p:spPr>
           <a:xfrm>
-            <a:off x="3020847" y="157580"/>
-            <a:ext cx="5709916" cy="523220"/>
+            <a:off x="3020846" y="157580"/>
+            <a:ext cx="5980541" cy="523220"/>
           </a:xfrm>
           <a:prstGeom prst="rect">
             <a:avLst/>
@@ -11378,7 +11340,7 @@
                 <a:latin typeface="Montserrat" panose="00000500000000000000" pitchFamily="2" charset="0"/>
                 <a:ea typeface="Roboto" panose="02000000000000000000" pitchFamily="2" charset="0"/>
               </a:rPr>
-              <a:t>There are five Project functions</a:t>
+              <a:t>There are three Project functions</a:t>
             </a:r>
           </a:p>
         </p:txBody>
@@ -11452,7 +11414,7 @@
         </p:nvSpPr>
         <p:spPr>
           <a:xfrm>
-            <a:off x="6685086" y="2803409"/>
+            <a:off x="6517306" y="2858093"/>
             <a:ext cx="4697635" cy="1815882"/>
           </a:xfrm>
           <a:prstGeom prst="rect">
@@ -11484,7 +11446,7 @@
                 <a:latin typeface="Montserrat" panose="00000500000000000000" pitchFamily="2" charset="0"/>
                 <a:ea typeface="Roboto" panose="02000000000000000000" pitchFamily="2" charset="0"/>
               </a:rPr>
-              <a:t>Archive Project</a:t>
+              <a:t>Edit Project</a:t>
             </a:r>
             <a:r>
               <a:rPr lang="en-US" sz="2800" dirty="0">
@@ -11530,7 +11492,7 @@
                 <a:latin typeface="Montserrat" panose="00000500000000000000" pitchFamily="2" charset="0"/>
                 <a:ea typeface="Roboto" panose="02000000000000000000" pitchFamily="2" charset="0"/>
               </a:rPr>
-              <a:t>Click Archive</a:t>
+              <a:t>Click Edit</a:t>
             </a:r>
           </a:p>
         </p:txBody>
@@ -11549,7 +11511,7 @@
         </p:nvSpPr>
         <p:spPr>
           <a:xfrm>
-            <a:off x="5562214" y="876229"/>
+            <a:off x="1116622" y="1485736"/>
             <a:ext cx="4721468" cy="1815882"/>
           </a:xfrm>
           <a:prstGeom prst="rect">
@@ -11646,7 +11608,7 @@
         </p:nvSpPr>
         <p:spPr>
           <a:xfrm>
-            <a:off x="5562214" y="4730589"/>
+            <a:off x="1116622" y="4282830"/>
             <a:ext cx="4721468" cy="1815882"/>
           </a:xfrm>
           <a:prstGeom prst="rect">
@@ -11747,210 +11709,6 @@
           <a:xfrm flipH="1">
             <a:off x="1315138" y="412344"/>
             <a:ext cx="1507193" cy="92180"/>
-          </a:xfrm>
-          <a:prstGeom prst="straightConnector1">
-            <a:avLst/>
-          </a:prstGeom>
-          <a:ln w="57150" cap="flat" cmpd="sng" algn="ctr">
-            <a:solidFill>
-              <a:schemeClr val="tx2">
-                <a:lumMod val="75000"/>
-              </a:schemeClr>
-            </a:solidFill>
-            <a:prstDash val="solid"/>
-            <a:round/>
-            <a:headEnd type="none" w="med" len="med"/>
-            <a:tailEnd type="arrow" w="med" len="med"/>
-          </a:ln>
-        </p:spPr>
-        <p:style>
-          <a:lnRef idx="0">
-            <a:scrgbClr r="0" g="0" b="0"/>
-          </a:lnRef>
-          <a:fillRef idx="0">
-            <a:scrgbClr r="0" g="0" b="0"/>
-          </a:fillRef>
-          <a:effectRef idx="0">
-            <a:scrgbClr r="0" g="0" b="0"/>
-          </a:effectRef>
-          <a:fontRef idx="minor">
-            <a:schemeClr val="tx1"/>
-          </a:fontRef>
-        </p:style>
-      </p:cxnSp>
-      <p:cxnSp>
-        <p:nvCxnSpPr>
-          <p:cNvPr id="10" name="Straight Arrow Connector 9">
-            <a:extLst>
-              <a:ext uri="{FF2B5EF4-FFF2-40B4-BE49-F238E27FC236}">
-                <a16:creationId xmlns:a16="http://schemas.microsoft.com/office/drawing/2014/main" id="{1B666F67-5A82-4B08-8A8B-D51259F3F6A3}"/>
-              </a:ext>
-            </a:extLst>
-          </p:cNvPr>
-          <p:cNvCxnSpPr>
-            <a:cxnSpLocks/>
-          </p:cNvCxnSpPr>
-          <p:nvPr/>
-        </p:nvCxnSpPr>
-        <p:spPr>
-          <a:xfrm>
-            <a:off x="8929279" y="419190"/>
-            <a:ext cx="1705708" cy="85334"/>
-          </a:xfrm>
-          <a:prstGeom prst="straightConnector1">
-            <a:avLst/>
-          </a:prstGeom>
-          <a:ln w="57150" cap="flat" cmpd="sng" algn="ctr">
-            <a:solidFill>
-              <a:schemeClr val="tx2">
-                <a:lumMod val="75000"/>
-              </a:schemeClr>
-            </a:solidFill>
-            <a:prstDash val="solid"/>
-            <a:round/>
-            <a:headEnd type="none" w="med" len="med"/>
-            <a:tailEnd type="arrow" w="med" len="med"/>
-          </a:ln>
-        </p:spPr>
-        <p:style>
-          <a:lnRef idx="0">
-            <a:scrgbClr r="0" g="0" b="0"/>
-          </a:lnRef>
-          <a:fillRef idx="0">
-            <a:scrgbClr r="0" g="0" b="0"/>
-          </a:fillRef>
-          <a:effectRef idx="0">
-            <a:scrgbClr r="0" g="0" b="0"/>
-          </a:effectRef>
-          <a:fontRef idx="minor">
-            <a:schemeClr val="tx1"/>
-          </a:fontRef>
-        </p:style>
-      </p:cxnSp>
-      <p:sp>
-        <p:nvSpPr>
-          <p:cNvPr id="13" name="Rectangle: Rounded Corners 12">
-            <a:extLst>
-              <a:ext uri="{FF2B5EF4-FFF2-40B4-BE49-F238E27FC236}">
-                <a16:creationId xmlns:a16="http://schemas.microsoft.com/office/drawing/2014/main" id="{FA15C977-F4D7-45C4-87B4-D45B517821BC}"/>
-              </a:ext>
-            </a:extLst>
-          </p:cNvPr>
-          <p:cNvSpPr/>
-          <p:nvPr/>
-        </p:nvSpPr>
-        <p:spPr>
-          <a:xfrm>
-            <a:off x="10768013" y="290513"/>
-            <a:ext cx="719137" cy="474418"/>
-          </a:xfrm>
-          <a:prstGeom prst="roundRect">
-            <a:avLst/>
-          </a:prstGeom>
-          <a:noFill/>
-          <a:ln w="76200">
-            <a:solidFill>
-              <a:schemeClr val="accent6">
-                <a:lumMod val="60000"/>
-                <a:lumOff val="40000"/>
-              </a:schemeClr>
-            </a:solidFill>
-          </a:ln>
-        </p:spPr>
-        <p:style>
-          <a:lnRef idx="2">
-            <a:schemeClr val="accent1">
-              <a:shade val="50000"/>
-            </a:schemeClr>
-          </a:lnRef>
-          <a:fillRef idx="1">
-            <a:schemeClr val="accent1"/>
-          </a:fillRef>
-          <a:effectRef idx="0">
-            <a:schemeClr val="accent1"/>
-          </a:effectRef>
-          <a:fontRef idx="minor">
-            <a:schemeClr val="lt1"/>
-          </a:fontRef>
-        </p:style>
-        <p:txBody>
-          <a:bodyPr rtlCol="0" anchor="ctr"/>
-          <a:lstStyle/>
-          <a:p>
-            <a:pPr algn="ctr"/>
-            <a:endParaRPr lang="en-US"/>
-          </a:p>
-        </p:txBody>
-      </p:sp>
-      <p:sp>
-        <p:nvSpPr>
-          <p:cNvPr id="16" name="TextBox 15">
-            <a:extLst>
-              <a:ext uri="{FF2B5EF4-FFF2-40B4-BE49-F238E27FC236}">
-                <a16:creationId xmlns:a16="http://schemas.microsoft.com/office/drawing/2014/main" id="{86233158-A97E-46F5-B33F-78554A7450B9}"/>
-              </a:ext>
-            </a:extLst>
-          </p:cNvPr>
-          <p:cNvSpPr txBox="1"/>
-          <p:nvPr/>
-        </p:nvSpPr>
-        <p:spPr>
-          <a:xfrm>
-            <a:off x="333330" y="2614106"/>
-            <a:ext cx="3860601" cy="954107"/>
-          </a:xfrm>
-          <a:prstGeom prst="rect">
-            <a:avLst/>
-          </a:prstGeom>
-          <a:solidFill>
-            <a:schemeClr val="accent6">
-              <a:lumMod val="60000"/>
-              <a:lumOff val="40000"/>
-            </a:schemeClr>
-          </a:solidFill>
-          <a:ln>
-            <a:noFill/>
-          </a:ln>
-        </p:spPr>
-        <p:txBody>
-          <a:bodyPr wrap="square" rtlCol="0">
-            <a:spAutoFit/>
-          </a:bodyPr>
-          <a:lstStyle/>
-          <a:p>
-            <a:r>
-              <a:rPr lang="en-US" sz="2800" dirty="0">
-                <a:solidFill>
-                  <a:schemeClr val="tx2">
-                    <a:lumMod val="75000"/>
-                  </a:schemeClr>
-                </a:solidFill>
-                <a:latin typeface="Montserrat" panose="00000500000000000000" pitchFamily="2" charset="0"/>
-                <a:ea typeface="Roboto" panose="02000000000000000000" pitchFamily="2" charset="0"/>
-              </a:rPr>
-              <a:t>The first three affect the Project itself</a:t>
-            </a:r>
-          </a:p>
-        </p:txBody>
-      </p:sp>
-      <p:cxnSp>
-        <p:nvCxnSpPr>
-          <p:cNvPr id="17" name="Straight Arrow Connector 16">
-            <a:extLst>
-              <a:ext uri="{FF2B5EF4-FFF2-40B4-BE49-F238E27FC236}">
-                <a16:creationId xmlns:a16="http://schemas.microsoft.com/office/drawing/2014/main" id="{8273376D-9221-4368-9E33-CBE9CF13F516}"/>
-              </a:ext>
-            </a:extLst>
-          </p:cNvPr>
-          <p:cNvCxnSpPr>
-            <a:cxnSpLocks/>
-          </p:cNvCxnSpPr>
-          <p:nvPr/>
-        </p:nvCxnSpPr>
-        <p:spPr>
-          <a:xfrm flipH="1" flipV="1">
-            <a:off x="760060" y="945091"/>
-            <a:ext cx="646709" cy="1434089"/>
           </a:xfrm>
           <a:prstGeom prst="straightConnector1">
             <a:avLst/>
@@ -12014,10 +11772,10 @@
       </p:grpSpPr>
       <p:pic>
         <p:nvPicPr>
-          <p:cNvPr id="2" name="Picture 1">
-            <a:extLst>
-              <a:ext uri="{FF2B5EF4-FFF2-40B4-BE49-F238E27FC236}">
-                <a16:creationId xmlns:a16="http://schemas.microsoft.com/office/drawing/2014/main" id="{29C456A7-163C-4115-87D0-0594FD4B0146}"/>
+          <p:cNvPr id="11" name="Picture 10">
+            <a:extLst>
+              <a:ext uri="{FF2B5EF4-FFF2-40B4-BE49-F238E27FC236}">
+                <a16:creationId xmlns:a16="http://schemas.microsoft.com/office/drawing/2014/main" id="{61818CEB-1831-46F5-9A8F-8272AE30791C}"/>
               </a:ext>
             </a:extLst>
           </p:cNvPr>
@@ -12042,63 +11800,61 @@
           </a:prstGeom>
         </p:spPr>
       </p:pic>
-      <p:sp>
-        <p:nvSpPr>
-          <p:cNvPr id="3" name="TextBox 2">
-            <a:extLst>
-              <a:ext uri="{FF2B5EF4-FFF2-40B4-BE49-F238E27FC236}">
-                <a16:creationId xmlns:a16="http://schemas.microsoft.com/office/drawing/2014/main" id="{ECE2F4E2-864A-4BC7-BF8E-2C85DBACB8E4}"/>
-              </a:ext>
-            </a:extLst>
-          </p:cNvPr>
-          <p:cNvSpPr txBox="1"/>
-          <p:nvPr/>
-        </p:nvSpPr>
-        <p:spPr>
-          <a:xfrm>
-            <a:off x="3020847" y="157580"/>
-            <a:ext cx="5709916" cy="523220"/>
-          </a:xfrm>
-          <a:prstGeom prst="rect">
-            <a:avLst/>
-          </a:prstGeom>
-          <a:solidFill>
-            <a:schemeClr val="accent6">
-              <a:lumMod val="60000"/>
-              <a:lumOff val="40000"/>
-            </a:schemeClr>
-          </a:solidFill>
-          <a:ln>
-            <a:noFill/>
+      <p:cxnSp>
+        <p:nvCxnSpPr>
+          <p:cNvPr id="3" name="Straight Arrow Connector 2">
+            <a:extLst>
+              <a:ext uri="{FF2B5EF4-FFF2-40B4-BE49-F238E27FC236}">
+                <a16:creationId xmlns:a16="http://schemas.microsoft.com/office/drawing/2014/main" id="{FB6534FD-2825-4BE6-A26D-A8DF87D07077}"/>
+              </a:ext>
+            </a:extLst>
+          </p:cNvPr>
+          <p:cNvCxnSpPr>
+            <a:cxnSpLocks/>
+          </p:cNvCxnSpPr>
+          <p:nvPr/>
+        </p:nvCxnSpPr>
+        <p:spPr>
+          <a:xfrm flipH="1" flipV="1">
+            <a:off x="1618780" y="905608"/>
+            <a:ext cx="652137" cy="1881554"/>
+          </a:xfrm>
+          <a:prstGeom prst="straightConnector1">
+            <a:avLst/>
+          </a:prstGeom>
+          <a:ln w="57150" cap="flat" cmpd="sng" algn="ctr">
+            <a:solidFill>
+              <a:schemeClr val="tx2">
+                <a:lumMod val="75000"/>
+              </a:schemeClr>
+            </a:solidFill>
+            <a:prstDash val="solid"/>
+            <a:round/>
+            <a:headEnd type="none" w="med" len="med"/>
+            <a:tailEnd type="arrow" w="med" len="med"/>
           </a:ln>
         </p:spPr>
-        <p:txBody>
-          <a:bodyPr wrap="square" rtlCol="0">
-            <a:spAutoFit/>
-          </a:bodyPr>
-          <a:lstStyle/>
-          <a:p>
-            <a:r>
-              <a:rPr lang="en-US" sz="2800" dirty="0">
-                <a:solidFill>
-                  <a:schemeClr val="tx2">
-                    <a:lumMod val="75000"/>
-                  </a:schemeClr>
-                </a:solidFill>
-                <a:latin typeface="Montserrat" panose="00000500000000000000" pitchFamily="2" charset="0"/>
-                <a:ea typeface="Roboto" panose="02000000000000000000" pitchFamily="2" charset="0"/>
-              </a:rPr>
-              <a:t>There are five Project functions</a:t>
-            </a:r>
-          </a:p>
-        </p:txBody>
-      </p:sp>
+        <p:style>
+          <a:lnRef idx="0">
+            <a:scrgbClr r="0" g="0" b="0"/>
+          </a:lnRef>
+          <a:fillRef idx="0">
+            <a:scrgbClr r="0" g="0" b="0"/>
+          </a:fillRef>
+          <a:effectRef idx="0">
+            <a:scrgbClr r="0" g="0" b="0"/>
+          </a:effectRef>
+          <a:fontRef idx="minor">
+            <a:schemeClr val="tx1"/>
+          </a:fontRef>
+        </p:style>
+      </p:cxnSp>
       <p:sp>
         <p:nvSpPr>
           <p:cNvPr id="4" name="Rectangle: Rounded Corners 3">
             <a:extLst>
               <a:ext uri="{FF2B5EF4-FFF2-40B4-BE49-F238E27FC236}">
-                <a16:creationId xmlns:a16="http://schemas.microsoft.com/office/drawing/2014/main" id="{1210631B-1F56-4D88-9200-6B2E122DC1CC}"/>
+                <a16:creationId xmlns:a16="http://schemas.microsoft.com/office/drawing/2014/main" id="{4B2FC8B0-5FA5-4BDE-A1FB-EFE634E22B2A}"/>
               </a:ext>
             </a:extLst>
           </p:cNvPr>
@@ -12107,8 +11863,8 @@
         </p:nvSpPr>
         <p:spPr>
           <a:xfrm>
-            <a:off x="87923" y="223839"/>
-            <a:ext cx="1028699" cy="541092"/>
+            <a:off x="1131094" y="220306"/>
+            <a:ext cx="1014412" cy="553599"/>
           </a:xfrm>
           <a:prstGeom prst="roundRect">
             <a:avLst/>
@@ -12148,12 +11904,87 @@
           </a:p>
         </p:txBody>
       </p:sp>
+      <p:sp>
+        <p:nvSpPr>
+          <p:cNvPr id="5" name="TextBox 4">
+            <a:extLst>
+              <a:ext uri="{FF2B5EF4-FFF2-40B4-BE49-F238E27FC236}">
+                <a16:creationId xmlns:a16="http://schemas.microsoft.com/office/drawing/2014/main" id="{97E57BEE-681F-48C0-9016-DC041210033A}"/>
+              </a:ext>
+            </a:extLst>
+          </p:cNvPr>
+          <p:cNvSpPr txBox="1"/>
+          <p:nvPr/>
+        </p:nvSpPr>
+        <p:spPr>
+          <a:xfrm>
+            <a:off x="662378" y="3139842"/>
+            <a:ext cx="4700930" cy="1384995"/>
+          </a:xfrm>
+          <a:prstGeom prst="rect">
+            <a:avLst/>
+          </a:prstGeom>
+          <a:solidFill>
+            <a:schemeClr val="accent6">
+              <a:lumMod val="60000"/>
+              <a:lumOff val="40000"/>
+            </a:schemeClr>
+          </a:solidFill>
+          <a:ln>
+            <a:noFill/>
+          </a:ln>
+        </p:spPr>
+        <p:txBody>
+          <a:bodyPr wrap="square" rtlCol="0">
+            <a:spAutoFit/>
+          </a:bodyPr>
+          <a:lstStyle/>
+          <a:p>
+            <a:r>
+              <a:rPr lang="en-US" sz="2800" dirty="0">
+                <a:solidFill>
+                  <a:schemeClr val="tx2">
+                    <a:lumMod val="75000"/>
+                  </a:schemeClr>
+                </a:solidFill>
+                <a:latin typeface="Montserrat" panose="00000500000000000000" pitchFamily="2" charset="0"/>
+                <a:ea typeface="Roboto" panose="02000000000000000000" pitchFamily="2" charset="0"/>
+              </a:rPr>
+              <a:t>The </a:t>
+            </a:r>
+            <a:r>
+              <a:rPr lang="en-US" sz="2800" b="1" dirty="0">
+                <a:solidFill>
+                  <a:schemeClr val="tx2">
+                    <a:lumMod val="75000"/>
+                  </a:schemeClr>
+                </a:solidFill>
+                <a:latin typeface="Montserrat" panose="00000500000000000000" pitchFamily="2" charset="0"/>
+                <a:ea typeface="Roboto" panose="02000000000000000000" pitchFamily="2" charset="0"/>
+              </a:rPr>
+              <a:t>Table</a:t>
+            </a:r>
+            <a:r>
+              <a:rPr lang="en-US" sz="2800" dirty="0">
+                <a:solidFill>
+                  <a:schemeClr val="tx2">
+                    <a:lumMod val="75000"/>
+                  </a:schemeClr>
+                </a:solidFill>
+                <a:latin typeface="Montserrat" panose="00000500000000000000" pitchFamily="2" charset="0"/>
+                <a:ea typeface="Roboto" panose="02000000000000000000" pitchFamily="2" charset="0"/>
+              </a:rPr>
+              <a:t> section adjusts what Project properties are displayed</a:t>
+            </a:r>
+          </a:p>
+        </p:txBody>
+      </p:sp>
       <p:cxnSp>
         <p:nvCxnSpPr>
-          <p:cNvPr id="5" name="Straight Arrow Connector 4">
-            <a:extLst>
-              <a:ext uri="{FF2B5EF4-FFF2-40B4-BE49-F238E27FC236}">
-                <a16:creationId xmlns:a16="http://schemas.microsoft.com/office/drawing/2014/main" id="{44B59C5C-8632-41B3-9ECD-B78CD2921207}"/>
+          <p:cNvPr id="6" name="Straight Arrow Connector 5">
+            <a:extLst>
+              <a:ext uri="{FF2B5EF4-FFF2-40B4-BE49-F238E27FC236}">
+                <a16:creationId xmlns:a16="http://schemas.microsoft.com/office/drawing/2014/main" id="{A732A07E-328F-4AB0-9910-EE5D3A688F09}"/>
               </a:ext>
             </a:extLst>
           </p:cNvPr>
@@ -12163,9 +11994,9 @@
           <p:nvPr/>
         </p:nvCxnSpPr>
         <p:spPr>
-          <a:xfrm flipH="1">
-            <a:off x="1315138" y="412344"/>
-            <a:ext cx="1507193" cy="92180"/>
+          <a:xfrm flipH="1" flipV="1">
+            <a:off x="3460185" y="806680"/>
+            <a:ext cx="2668053" cy="1197966"/>
           </a:xfrm>
           <a:prstGeom prst="straightConnector1">
             <a:avLst/>
@@ -12197,61 +12028,12 @@
           </a:fontRef>
         </p:style>
       </p:cxnSp>
-      <p:cxnSp>
-        <p:nvCxnSpPr>
-          <p:cNvPr id="6" name="Straight Arrow Connector 5">
-            <a:extLst>
-              <a:ext uri="{FF2B5EF4-FFF2-40B4-BE49-F238E27FC236}">
-                <a16:creationId xmlns:a16="http://schemas.microsoft.com/office/drawing/2014/main" id="{BD809B1C-2D89-47EC-876E-9610829FFA41}"/>
-              </a:ext>
-            </a:extLst>
-          </p:cNvPr>
-          <p:cNvCxnSpPr>
-            <a:cxnSpLocks/>
-          </p:cNvCxnSpPr>
-          <p:nvPr/>
-        </p:nvCxnSpPr>
-        <p:spPr>
-          <a:xfrm>
-            <a:off x="8929279" y="419190"/>
-            <a:ext cx="1705708" cy="85334"/>
-          </a:xfrm>
-          <a:prstGeom prst="straightConnector1">
-            <a:avLst/>
-          </a:prstGeom>
-          <a:ln w="57150" cap="flat" cmpd="sng" algn="ctr">
-            <a:solidFill>
-              <a:schemeClr val="tx2">
-                <a:lumMod val="75000"/>
-              </a:schemeClr>
-            </a:solidFill>
-            <a:prstDash val="solid"/>
-            <a:round/>
-            <a:headEnd type="none" w="med" len="med"/>
-            <a:tailEnd type="arrow" w="med" len="med"/>
-          </a:ln>
-        </p:spPr>
-        <p:style>
-          <a:lnRef idx="0">
-            <a:scrgbClr r="0" g="0" b="0"/>
-          </a:lnRef>
-          <a:fillRef idx="0">
-            <a:scrgbClr r="0" g="0" b="0"/>
-          </a:fillRef>
-          <a:effectRef idx="0">
-            <a:scrgbClr r="0" g="0" b="0"/>
-          </a:effectRef>
-          <a:fontRef idx="minor">
-            <a:schemeClr val="tx1"/>
-          </a:fontRef>
-        </p:style>
-      </p:cxnSp>
       <p:sp>
         <p:nvSpPr>
           <p:cNvPr id="7" name="Rectangle: Rounded Corners 6">
             <a:extLst>
               <a:ext uri="{FF2B5EF4-FFF2-40B4-BE49-F238E27FC236}">
-                <a16:creationId xmlns:a16="http://schemas.microsoft.com/office/drawing/2014/main" id="{91F3D36D-9690-43E0-81FC-DC2C49308C7D}"/>
+                <a16:creationId xmlns:a16="http://schemas.microsoft.com/office/drawing/2014/main" id="{B0B2D64F-C3FC-41B3-8591-F85E59D64145}"/>
               </a:ext>
             </a:extLst>
           </p:cNvPr>
@@ -12260,8 +12042,8 @@
         </p:nvSpPr>
         <p:spPr>
           <a:xfrm>
-            <a:off x="10772775" y="266700"/>
-            <a:ext cx="714375" cy="498231"/>
+            <a:off x="2145506" y="220307"/>
+            <a:ext cx="1065942" cy="553599"/>
           </a:xfrm>
           <a:prstGeom prst="roundRect">
             <a:avLst/>
@@ -12306,7 +12088,7 @@
           <p:cNvPr id="8" name="TextBox 7">
             <a:extLst>
               <a:ext uri="{FF2B5EF4-FFF2-40B4-BE49-F238E27FC236}">
-                <a16:creationId xmlns:a16="http://schemas.microsoft.com/office/drawing/2014/main" id="{00FFF7DD-323F-48F0-B00A-38895D213A29}"/>
+                <a16:creationId xmlns:a16="http://schemas.microsoft.com/office/drawing/2014/main" id="{6E5D894A-A008-4E48-9FBC-AD1615A46D01}"/>
               </a:ext>
             </a:extLst>
           </p:cNvPr>
@@ -12315,8 +12097,8 @@
         </p:nvSpPr>
         <p:spPr>
           <a:xfrm>
-            <a:off x="1048829" y="3868549"/>
-            <a:ext cx="4697635" cy="2677656"/>
+            <a:off x="6387094" y="1153887"/>
+            <a:ext cx="4726383" cy="1384995"/>
           </a:xfrm>
           <a:prstGeom prst="rect">
             <a:avLst/>
@@ -12338,7 +12120,7 @@
           <a:lstStyle/>
           <a:p>
             <a:r>
-              <a:rPr lang="en-US" sz="2800" b="1" dirty="0">
+              <a:rPr lang="en-US" sz="2800" dirty="0">
                 <a:solidFill>
                   <a:schemeClr val="tx2">
                     <a:lumMod val="75000"/>
@@ -12347,10 +12129,10 @@
                 <a:latin typeface="Montserrat" panose="00000500000000000000" pitchFamily="2" charset="0"/>
                 <a:ea typeface="Roboto" panose="02000000000000000000" pitchFamily="2" charset="0"/>
               </a:rPr>
-              <a:t>Delete Sub-Project</a:t>
-            </a:r>
-            <a:r>
-              <a:rPr lang="en-US" sz="2800" dirty="0">
+              <a:t>The </a:t>
+            </a:r>
+            <a:r>
+              <a:rPr lang="en-US" sz="2800" b="1" dirty="0">
                 <a:solidFill>
                   <a:schemeClr val="tx2">
                     <a:lumMod val="75000"/>
@@ -12359,13 +12141,8 @@
                 <a:latin typeface="Montserrat" panose="00000500000000000000" pitchFamily="2" charset="0"/>
                 <a:ea typeface="Roboto" panose="02000000000000000000" pitchFamily="2" charset="0"/>
               </a:rPr>
-              <a:t>: </a:t>
-            </a:r>
-          </a:p>
-          <a:p>
-            <a:pPr marL="514350" indent="-514350">
-              <a:buAutoNum type="arabicPeriod"/>
-            </a:pPr>
+              <a:t>Show</a:t>
+            </a:r>
             <a:r>
               <a:rPr lang="en-US" sz="2800" dirty="0">
                 <a:solidFill>
@@ -12376,264 +12153,15 @@
                 <a:latin typeface="Montserrat" panose="00000500000000000000" pitchFamily="2" charset="0"/>
                 <a:ea typeface="Roboto" panose="02000000000000000000" pitchFamily="2" charset="0"/>
               </a:rPr>
-              <a:t>Select Project from left table</a:t>
-            </a:r>
-          </a:p>
-          <a:p>
-            <a:pPr marL="514350" indent="-514350">
-              <a:buFontTx/>
-              <a:buAutoNum type="arabicPeriod"/>
-            </a:pPr>
-            <a:r>
-              <a:rPr lang="en-US" sz="2800" dirty="0">
-                <a:solidFill>
-                  <a:schemeClr val="tx2">
-                    <a:lumMod val="75000"/>
-                  </a:schemeClr>
-                </a:solidFill>
-                <a:latin typeface="Montserrat" panose="00000500000000000000" pitchFamily="2" charset="0"/>
-                <a:ea typeface="Roboto" panose="02000000000000000000" pitchFamily="2" charset="0"/>
-              </a:rPr>
-              <a:t>Select Sub-Project from right table</a:t>
-            </a:r>
-          </a:p>
-          <a:p>
-            <a:pPr marL="514350" indent="-514350">
-              <a:buAutoNum type="arabicPeriod"/>
-            </a:pPr>
-            <a:r>
-              <a:rPr lang="en-US" sz="2800" dirty="0">
-                <a:solidFill>
-                  <a:schemeClr val="tx2">
-                    <a:lumMod val="75000"/>
-                  </a:schemeClr>
-                </a:solidFill>
-                <a:latin typeface="Montserrat" panose="00000500000000000000" pitchFamily="2" charset="0"/>
-                <a:ea typeface="Roboto" panose="02000000000000000000" pitchFamily="2" charset="0"/>
-              </a:rPr>
-              <a:t>Click Delete</a:t>
-            </a:r>
-          </a:p>
-        </p:txBody>
-      </p:sp>
-      <p:sp>
-        <p:nvSpPr>
-          <p:cNvPr id="9" name="TextBox 8">
-            <a:extLst>
-              <a:ext uri="{FF2B5EF4-FFF2-40B4-BE49-F238E27FC236}">
-                <a16:creationId xmlns:a16="http://schemas.microsoft.com/office/drawing/2014/main" id="{C8DB3B38-12B6-4D44-9B15-92DB9EA09D36}"/>
-              </a:ext>
-            </a:extLst>
-          </p:cNvPr>
-          <p:cNvSpPr txBox="1"/>
-          <p:nvPr/>
-        </p:nvSpPr>
-        <p:spPr>
-          <a:xfrm>
-            <a:off x="1048830" y="992594"/>
-            <a:ext cx="4697635" cy="2677656"/>
-          </a:xfrm>
-          <a:prstGeom prst="rect">
-            <a:avLst/>
-          </a:prstGeom>
-          <a:solidFill>
-            <a:schemeClr val="accent6">
-              <a:lumMod val="60000"/>
-              <a:lumOff val="40000"/>
-            </a:schemeClr>
-          </a:solidFill>
-          <a:ln>
-            <a:noFill/>
-          </a:ln>
-        </p:spPr>
-        <p:txBody>
-          <a:bodyPr wrap="square" rtlCol="0">
-            <a:spAutoFit/>
-          </a:bodyPr>
-          <a:lstStyle/>
-          <a:p>
-            <a:r>
-              <a:rPr lang="en-US" sz="2800" b="1" dirty="0">
-                <a:solidFill>
-                  <a:schemeClr val="tx2">
-                    <a:lumMod val="75000"/>
-                  </a:schemeClr>
-                </a:solidFill>
-                <a:latin typeface="Montserrat" panose="00000500000000000000" pitchFamily="2" charset="0"/>
-                <a:ea typeface="Roboto" panose="02000000000000000000" pitchFamily="2" charset="0"/>
-              </a:rPr>
-              <a:t>Add Sub-Project</a:t>
-            </a:r>
-            <a:r>
-              <a:rPr lang="en-US" sz="2800" dirty="0">
-                <a:solidFill>
-                  <a:schemeClr val="tx2">
-                    <a:lumMod val="75000"/>
-                  </a:schemeClr>
-                </a:solidFill>
-                <a:latin typeface="Montserrat" panose="00000500000000000000" pitchFamily="2" charset="0"/>
-                <a:ea typeface="Roboto" panose="02000000000000000000" pitchFamily="2" charset="0"/>
-              </a:rPr>
-              <a:t>: </a:t>
-            </a:r>
-          </a:p>
-          <a:p>
-            <a:pPr marL="514350" indent="-514350">
-              <a:buAutoNum type="arabicPeriod"/>
-            </a:pPr>
-            <a:r>
-              <a:rPr lang="en-US" sz="2800" dirty="0">
-                <a:solidFill>
-                  <a:schemeClr val="tx2">
-                    <a:lumMod val="75000"/>
-                  </a:schemeClr>
-                </a:solidFill>
-                <a:latin typeface="Montserrat" panose="00000500000000000000" pitchFamily="2" charset="0"/>
-                <a:ea typeface="Roboto" panose="02000000000000000000" pitchFamily="2" charset="0"/>
-              </a:rPr>
-              <a:t>Select Project from left table</a:t>
-            </a:r>
-          </a:p>
-          <a:p>
-            <a:pPr marL="514350" indent="-514350">
-              <a:buAutoNum type="arabicPeriod"/>
-            </a:pPr>
-            <a:r>
-              <a:rPr lang="en-US" sz="2800" dirty="0">
-                <a:solidFill>
-                  <a:schemeClr val="tx2">
-                    <a:lumMod val="75000"/>
-                  </a:schemeClr>
-                </a:solidFill>
-                <a:latin typeface="Montserrat" panose="00000500000000000000" pitchFamily="2" charset="0"/>
-                <a:ea typeface="Roboto" panose="02000000000000000000" pitchFamily="2" charset="0"/>
-              </a:rPr>
-              <a:t>Specify item, quantity, and dimension</a:t>
-            </a:r>
-          </a:p>
-          <a:p>
-            <a:pPr marL="514350" indent="-514350">
-              <a:buAutoNum type="arabicPeriod"/>
-            </a:pPr>
-            <a:r>
-              <a:rPr lang="en-US" sz="2800" dirty="0">
-                <a:solidFill>
-                  <a:schemeClr val="tx2">
-                    <a:lumMod val="75000"/>
-                  </a:schemeClr>
-                </a:solidFill>
-                <a:latin typeface="Montserrat" panose="00000500000000000000" pitchFamily="2" charset="0"/>
-                <a:ea typeface="Roboto" panose="02000000000000000000" pitchFamily="2" charset="0"/>
-              </a:rPr>
-              <a:t>Click Add</a:t>
-            </a:r>
-          </a:p>
-        </p:txBody>
-      </p:sp>
-      <p:sp>
-        <p:nvSpPr>
-          <p:cNvPr id="10" name="TextBox 9">
-            <a:extLst>
-              <a:ext uri="{FF2B5EF4-FFF2-40B4-BE49-F238E27FC236}">
-                <a16:creationId xmlns:a16="http://schemas.microsoft.com/office/drawing/2014/main" id="{EC75AEA9-C8AD-4C79-9BD6-CFABC08433FB}"/>
-              </a:ext>
-            </a:extLst>
-          </p:cNvPr>
-          <p:cNvSpPr txBox="1"/>
-          <p:nvPr/>
-        </p:nvSpPr>
-        <p:spPr>
-          <a:xfrm>
-            <a:off x="7683699" y="2762309"/>
-            <a:ext cx="3860601" cy="1815882"/>
-          </a:xfrm>
-          <a:prstGeom prst="rect">
-            <a:avLst/>
-          </a:prstGeom>
-          <a:solidFill>
-            <a:schemeClr val="accent6">
-              <a:lumMod val="60000"/>
-              <a:lumOff val="40000"/>
-            </a:schemeClr>
-          </a:solidFill>
-          <a:ln>
-            <a:noFill/>
-          </a:ln>
-        </p:spPr>
-        <p:txBody>
-          <a:bodyPr wrap="square" rtlCol="0">
-            <a:spAutoFit/>
-          </a:bodyPr>
-          <a:lstStyle/>
-          <a:p>
-            <a:r>
-              <a:rPr lang="en-US" sz="2800" dirty="0">
-                <a:solidFill>
-                  <a:schemeClr val="tx2">
-                    <a:lumMod val="75000"/>
-                  </a:schemeClr>
-                </a:solidFill>
-                <a:latin typeface="Montserrat" panose="00000500000000000000" pitchFamily="2" charset="0"/>
-                <a:ea typeface="Roboto" panose="02000000000000000000" pitchFamily="2" charset="0"/>
-              </a:rPr>
-              <a:t>The other two affect the Sub-Projects associated with the Projects on the right</a:t>
-            </a:r>
-          </a:p>
-        </p:txBody>
-      </p:sp>
-      <p:cxnSp>
-        <p:nvCxnSpPr>
-          <p:cNvPr id="11" name="Straight Arrow Connector 10">
-            <a:extLst>
-              <a:ext uri="{FF2B5EF4-FFF2-40B4-BE49-F238E27FC236}">
-                <a16:creationId xmlns:a16="http://schemas.microsoft.com/office/drawing/2014/main" id="{E7EDB2FC-2CBB-4B35-8530-17FF254B1F44}"/>
-              </a:ext>
-            </a:extLst>
-          </p:cNvPr>
-          <p:cNvCxnSpPr>
-            <a:cxnSpLocks/>
-          </p:cNvCxnSpPr>
-          <p:nvPr/>
-        </p:nvCxnSpPr>
-        <p:spPr>
-          <a:xfrm flipV="1">
-            <a:off x="10471638" y="923714"/>
-            <a:ext cx="483577" cy="1538132"/>
-          </a:xfrm>
-          <a:prstGeom prst="straightConnector1">
-            <a:avLst/>
-          </a:prstGeom>
-          <a:ln w="57150" cap="flat" cmpd="sng" algn="ctr">
-            <a:solidFill>
-              <a:schemeClr val="tx2">
-                <a:lumMod val="75000"/>
-              </a:schemeClr>
-            </a:solidFill>
-            <a:prstDash val="solid"/>
-            <a:round/>
-            <a:headEnd type="none" w="med" len="med"/>
-            <a:tailEnd type="arrow" w="med" len="med"/>
-          </a:ln>
-        </p:spPr>
-        <p:style>
-          <a:lnRef idx="0">
-            <a:scrgbClr r="0" g="0" b="0"/>
-          </a:lnRef>
-          <a:fillRef idx="0">
-            <a:scrgbClr r="0" g="0" b="0"/>
-          </a:fillRef>
-          <a:effectRef idx="0">
-            <a:scrgbClr r="0" g="0" b="0"/>
-          </a:effectRef>
-          <a:fontRef idx="minor">
-            <a:schemeClr val="tx1"/>
-          </a:fontRef>
-        </p:style>
-      </p:cxnSp>
+              <a:t> sections lets you select what Projects are display</a:t>
+            </a:r>
+          </a:p>
+        </p:txBody>
+      </p:sp>
     </p:spTree>
     <p:extLst>
       <p:ext uri="{BB962C8B-B14F-4D97-AF65-F5344CB8AC3E}">
-        <p14:creationId xmlns:p14="http://schemas.microsoft.com/office/powerpoint/2010/main" val="1584736631"/>
+        <p14:creationId xmlns:p14="http://schemas.microsoft.com/office/powerpoint/2010/main" val="708393059"/>
       </p:ext>
     </p:extLst>
   </p:cSld>
